--- a/floodDetection/report/Flood Detection using Raspberry Pi.pptx
+++ b/floodDetection/report/Flood Detection using Raspberry Pi.pptx
@@ -1,9 +1,12 @@
 
 <file path=ppt/presentation.xml><?xml version="1.0" encoding="utf-8"?>
-<p:presentation xmlns:a="http://schemas.openxmlformats.org/drawingml/2006/main" xmlns:r="http://schemas.openxmlformats.org/officeDocument/2006/relationships" xmlns:p="http://schemas.openxmlformats.org/presentationml/2006/main" saveSubsetFonts="1">
+<p:presentation xmlns:a="http://schemas.openxmlformats.org/drawingml/2006/main" xmlns:r="http://schemas.openxmlformats.org/officeDocument/2006/relationships" xmlns:p="http://schemas.openxmlformats.org/presentationml/2006/main" showSpecialPlsOnTitleSld="0" saveSubsetFonts="1">
   <p:sldMasterIdLst>
     <p:sldMasterId id="2147483673" r:id="rId1"/>
   </p:sldMasterIdLst>
+  <p:notesMasterIdLst>
+    <p:notesMasterId r:id="rId38"/>
+  </p:notesMasterIdLst>
   <p:sldIdLst>
     <p:sldId id="256" r:id="rId2"/>
     <p:sldId id="258" r:id="rId3"/>
@@ -139,7 +142,361 @@
       </a:defRPr>
     </a:lvl9pPr>
   </p:defaultTextStyle>
+  <p:extLst>
+    <p:ext uri="{EFAFB233-063F-42B5-8137-9DF3F51BA10A}">
+      <p15:sldGuideLst xmlns:p15="http://schemas.microsoft.com/office/powerpoint/2012/main"/>
+    </p:ext>
+  </p:extLst>
 </p:presentation>
+</file>
+
+<file path=ppt/notesMasters/notesMaster1.xml><?xml version="1.0" encoding="utf-8"?>
+<p:notesMaster xmlns:a="http://schemas.openxmlformats.org/drawingml/2006/main" xmlns:r="http://schemas.openxmlformats.org/officeDocument/2006/relationships" xmlns:p="http://schemas.openxmlformats.org/presentationml/2006/main">
+  <p:cSld>
+    <p:bg>
+      <p:bgRef idx="1001">
+        <a:schemeClr val="bg1"/>
+      </p:bgRef>
+    </p:bg>
+    <p:spTree>
+      <p:nvGrpSpPr>
+        <p:cNvPr id="1" name=""/>
+        <p:cNvGrpSpPr/>
+        <p:nvPr/>
+      </p:nvGrpSpPr>
+      <p:grpSpPr>
+        <a:xfrm>
+          <a:off x="0" y="0"/>
+          <a:ext cx="0" cy="0"/>
+          <a:chOff x="0" y="0"/>
+          <a:chExt cx="0" cy="0"/>
+        </a:xfrm>
+      </p:grpSpPr>
+      <p:sp>
+        <p:nvSpPr>
+          <p:cNvPr id="2" name="Header Placeholder 1"/>
+          <p:cNvSpPr>
+            <a:spLocks noGrp="1"/>
+          </p:cNvSpPr>
+          <p:nvPr>
+            <p:ph type="hdr" sz="quarter"/>
+          </p:nvPr>
+        </p:nvSpPr>
+        <p:spPr>
+          <a:xfrm>
+            <a:off x="0" y="0"/>
+            <a:ext cx="2971800" cy="458788"/>
+          </a:xfrm>
+          <a:prstGeom prst="rect">
+            <a:avLst/>
+          </a:prstGeom>
+        </p:spPr>
+        <p:txBody>
+          <a:bodyPr vert="horz" lIns="91440" tIns="45720" rIns="91440" bIns="45720" rtlCol="0"/>
+          <a:lstStyle>
+            <a:lvl1pPr algn="l">
+              <a:defRPr sz="1200"/>
+            </a:lvl1pPr>
+          </a:lstStyle>
+          <a:p>
+            <a:endParaRPr lang="en-US"/>
+          </a:p>
+        </p:txBody>
+      </p:sp>
+      <p:sp>
+        <p:nvSpPr>
+          <p:cNvPr id="3" name="Date Placeholder 2"/>
+          <p:cNvSpPr>
+            <a:spLocks noGrp="1"/>
+          </p:cNvSpPr>
+          <p:nvPr>
+            <p:ph type="dt" idx="1"/>
+          </p:nvPr>
+        </p:nvSpPr>
+        <p:spPr>
+          <a:xfrm>
+            <a:off x="3884613" y="0"/>
+            <a:ext cx="2971800" cy="458788"/>
+          </a:xfrm>
+          <a:prstGeom prst="rect">
+            <a:avLst/>
+          </a:prstGeom>
+        </p:spPr>
+        <p:txBody>
+          <a:bodyPr vert="horz" lIns="91440" tIns="45720" rIns="91440" bIns="45720" rtlCol="0"/>
+          <a:lstStyle>
+            <a:lvl1pPr algn="r">
+              <a:defRPr sz="1200"/>
+            </a:lvl1pPr>
+          </a:lstStyle>
+          <a:p>
+            <a:fld id="{6648D3E2-F5B4-4F68-B8E4-044723C52523}" type="datetimeFigureOut">
+              <a:rPr lang="en-US" smtClean="0"/>
+              <a:t>3/12/2021</a:t>
+            </a:fld>
+            <a:endParaRPr lang="en-US"/>
+          </a:p>
+        </p:txBody>
+      </p:sp>
+      <p:sp>
+        <p:nvSpPr>
+          <p:cNvPr id="4" name="Slide Image Placeholder 3"/>
+          <p:cNvSpPr>
+            <a:spLocks noGrp="1" noRot="1" noChangeAspect="1"/>
+          </p:cNvSpPr>
+          <p:nvPr>
+            <p:ph type="sldImg" idx="2"/>
+          </p:nvPr>
+        </p:nvSpPr>
+        <p:spPr>
+          <a:xfrm>
+            <a:off x="685800" y="1143000"/>
+            <a:ext cx="5486400" cy="3086100"/>
+          </a:xfrm>
+          <a:prstGeom prst="rect">
+            <a:avLst/>
+          </a:prstGeom>
+          <a:noFill/>
+          <a:ln w="12700">
+            <a:solidFill>
+              <a:prstClr val="black"/>
+            </a:solidFill>
+          </a:ln>
+        </p:spPr>
+        <p:txBody>
+          <a:bodyPr vert="horz" lIns="91440" tIns="45720" rIns="91440" bIns="45720" rtlCol="0" anchor="ctr"/>
+          <a:lstStyle/>
+          <a:p>
+            <a:endParaRPr lang="en-US"/>
+          </a:p>
+        </p:txBody>
+      </p:sp>
+      <p:sp>
+        <p:nvSpPr>
+          <p:cNvPr id="5" name="Notes Placeholder 4"/>
+          <p:cNvSpPr>
+            <a:spLocks noGrp="1"/>
+          </p:cNvSpPr>
+          <p:nvPr>
+            <p:ph type="body" sz="quarter" idx="3"/>
+          </p:nvPr>
+        </p:nvSpPr>
+        <p:spPr>
+          <a:xfrm>
+            <a:off x="685800" y="4400550"/>
+            <a:ext cx="5486400" cy="3600450"/>
+          </a:xfrm>
+          <a:prstGeom prst="rect">
+            <a:avLst/>
+          </a:prstGeom>
+        </p:spPr>
+        <p:txBody>
+          <a:bodyPr vert="horz" lIns="91440" tIns="45720" rIns="91440" bIns="45720" rtlCol="0"/>
+          <a:lstStyle/>
+          <a:p>
+            <a:pPr lvl="0"/>
+            <a:r>
+              <a:rPr lang="en-US"/>
+              <a:t>Click to edit Master text styles</a:t>
+            </a:r>
+          </a:p>
+          <a:p>
+            <a:pPr lvl="1"/>
+            <a:r>
+              <a:rPr lang="en-US"/>
+              <a:t>Second level</a:t>
+            </a:r>
+          </a:p>
+          <a:p>
+            <a:pPr lvl="2"/>
+            <a:r>
+              <a:rPr lang="en-US"/>
+              <a:t>Third level</a:t>
+            </a:r>
+          </a:p>
+          <a:p>
+            <a:pPr lvl="3"/>
+            <a:r>
+              <a:rPr lang="en-US"/>
+              <a:t>Fourth level</a:t>
+            </a:r>
+          </a:p>
+          <a:p>
+            <a:pPr lvl="4"/>
+            <a:r>
+              <a:rPr lang="en-US"/>
+              <a:t>Fifth level</a:t>
+            </a:r>
+          </a:p>
+        </p:txBody>
+      </p:sp>
+      <p:sp>
+        <p:nvSpPr>
+          <p:cNvPr id="6" name="Footer Placeholder 5"/>
+          <p:cNvSpPr>
+            <a:spLocks noGrp="1"/>
+          </p:cNvSpPr>
+          <p:nvPr>
+            <p:ph type="ftr" sz="quarter" idx="4"/>
+          </p:nvPr>
+        </p:nvSpPr>
+        <p:spPr>
+          <a:xfrm>
+            <a:off x="0" y="8685213"/>
+            <a:ext cx="2971800" cy="458787"/>
+          </a:xfrm>
+          <a:prstGeom prst="rect">
+            <a:avLst/>
+          </a:prstGeom>
+        </p:spPr>
+        <p:txBody>
+          <a:bodyPr vert="horz" lIns="91440" tIns="45720" rIns="91440" bIns="45720" rtlCol="0" anchor="b"/>
+          <a:lstStyle>
+            <a:lvl1pPr algn="l">
+              <a:defRPr sz="1200"/>
+            </a:lvl1pPr>
+          </a:lstStyle>
+          <a:p>
+            <a:endParaRPr lang="en-US"/>
+          </a:p>
+        </p:txBody>
+      </p:sp>
+      <p:sp>
+        <p:nvSpPr>
+          <p:cNvPr id="7" name="Slide Number Placeholder 6"/>
+          <p:cNvSpPr>
+            <a:spLocks noGrp="1"/>
+          </p:cNvSpPr>
+          <p:nvPr>
+            <p:ph type="sldNum" sz="quarter" idx="5"/>
+          </p:nvPr>
+        </p:nvSpPr>
+        <p:spPr>
+          <a:xfrm>
+            <a:off x="3884613" y="8685213"/>
+            <a:ext cx="2971800" cy="458787"/>
+          </a:xfrm>
+          <a:prstGeom prst="rect">
+            <a:avLst/>
+          </a:prstGeom>
+        </p:spPr>
+        <p:txBody>
+          <a:bodyPr vert="horz" lIns="91440" tIns="45720" rIns="91440" bIns="45720" rtlCol="0" anchor="b"/>
+          <a:lstStyle>
+            <a:lvl1pPr algn="r">
+              <a:defRPr sz="1200"/>
+            </a:lvl1pPr>
+          </a:lstStyle>
+          <a:p>
+            <a:fld id="{A0E5C9F2-F430-4D00-8232-ECC3229892D5}" type="slidenum">
+              <a:rPr lang="en-US" smtClean="0"/>
+              <a:t>‹#›</a:t>
+            </a:fld>
+            <a:endParaRPr lang="en-US"/>
+          </a:p>
+        </p:txBody>
+      </p:sp>
+    </p:spTree>
+    <p:extLst>
+      <p:ext uri="{BB962C8B-B14F-4D97-AF65-F5344CB8AC3E}">
+        <p14:creationId xmlns:p14="http://schemas.microsoft.com/office/powerpoint/2010/main" val="3565475163"/>
+      </p:ext>
+    </p:extLst>
+  </p:cSld>
+  <p:clrMap bg1="lt1" tx1="dk1" bg2="lt2" tx2="dk2" accent1="accent1" accent2="accent2" accent3="accent3" accent4="accent4" accent5="accent5" accent6="accent6" hlink="hlink" folHlink="folHlink"/>
+  <p:notesStyle>
+    <a:lvl1pPr marL="0" algn="l" defTabSz="914400" rtl="0" eaLnBrk="1" latinLnBrk="0" hangingPunct="1">
+      <a:defRPr sz="1200" kern="1200">
+        <a:solidFill>
+          <a:schemeClr val="tx1"/>
+        </a:solidFill>
+        <a:latin typeface="+mn-lt"/>
+        <a:ea typeface="+mn-ea"/>
+        <a:cs typeface="+mn-cs"/>
+      </a:defRPr>
+    </a:lvl1pPr>
+    <a:lvl2pPr marL="457200" algn="l" defTabSz="914400" rtl="0" eaLnBrk="1" latinLnBrk="0" hangingPunct="1">
+      <a:defRPr sz="1200" kern="1200">
+        <a:solidFill>
+          <a:schemeClr val="tx1"/>
+        </a:solidFill>
+        <a:latin typeface="+mn-lt"/>
+        <a:ea typeface="+mn-ea"/>
+        <a:cs typeface="+mn-cs"/>
+      </a:defRPr>
+    </a:lvl2pPr>
+    <a:lvl3pPr marL="914400" algn="l" defTabSz="914400" rtl="0" eaLnBrk="1" latinLnBrk="0" hangingPunct="1">
+      <a:defRPr sz="1200" kern="1200">
+        <a:solidFill>
+          <a:schemeClr val="tx1"/>
+        </a:solidFill>
+        <a:latin typeface="+mn-lt"/>
+        <a:ea typeface="+mn-ea"/>
+        <a:cs typeface="+mn-cs"/>
+      </a:defRPr>
+    </a:lvl3pPr>
+    <a:lvl4pPr marL="1371600" algn="l" defTabSz="914400" rtl="0" eaLnBrk="1" latinLnBrk="0" hangingPunct="1">
+      <a:defRPr sz="1200" kern="1200">
+        <a:solidFill>
+          <a:schemeClr val="tx1"/>
+        </a:solidFill>
+        <a:latin typeface="+mn-lt"/>
+        <a:ea typeface="+mn-ea"/>
+        <a:cs typeface="+mn-cs"/>
+      </a:defRPr>
+    </a:lvl4pPr>
+    <a:lvl5pPr marL="1828800" algn="l" defTabSz="914400" rtl="0" eaLnBrk="1" latinLnBrk="0" hangingPunct="1">
+      <a:defRPr sz="1200" kern="1200">
+        <a:solidFill>
+          <a:schemeClr val="tx1"/>
+        </a:solidFill>
+        <a:latin typeface="+mn-lt"/>
+        <a:ea typeface="+mn-ea"/>
+        <a:cs typeface="+mn-cs"/>
+      </a:defRPr>
+    </a:lvl5pPr>
+    <a:lvl6pPr marL="2286000" algn="l" defTabSz="914400" rtl="0" eaLnBrk="1" latinLnBrk="0" hangingPunct="1">
+      <a:defRPr sz="1200" kern="1200">
+        <a:solidFill>
+          <a:schemeClr val="tx1"/>
+        </a:solidFill>
+        <a:latin typeface="+mn-lt"/>
+        <a:ea typeface="+mn-ea"/>
+        <a:cs typeface="+mn-cs"/>
+      </a:defRPr>
+    </a:lvl6pPr>
+    <a:lvl7pPr marL="2743200" algn="l" defTabSz="914400" rtl="0" eaLnBrk="1" latinLnBrk="0" hangingPunct="1">
+      <a:defRPr sz="1200" kern="1200">
+        <a:solidFill>
+          <a:schemeClr val="tx1"/>
+        </a:solidFill>
+        <a:latin typeface="+mn-lt"/>
+        <a:ea typeface="+mn-ea"/>
+        <a:cs typeface="+mn-cs"/>
+      </a:defRPr>
+    </a:lvl7pPr>
+    <a:lvl8pPr marL="3200400" algn="l" defTabSz="914400" rtl="0" eaLnBrk="1" latinLnBrk="0" hangingPunct="1">
+      <a:defRPr sz="1200" kern="1200">
+        <a:solidFill>
+          <a:schemeClr val="tx1"/>
+        </a:solidFill>
+        <a:latin typeface="+mn-lt"/>
+        <a:ea typeface="+mn-ea"/>
+        <a:cs typeface="+mn-cs"/>
+      </a:defRPr>
+    </a:lvl8pPr>
+    <a:lvl9pPr marL="3657600" algn="l" defTabSz="914400" rtl="0" eaLnBrk="1" latinLnBrk="0" hangingPunct="1">
+      <a:defRPr sz="1200" kern="1200">
+        <a:solidFill>
+          <a:schemeClr val="tx1"/>
+        </a:solidFill>
+        <a:latin typeface="+mn-lt"/>
+        <a:ea typeface="+mn-ea"/>
+        <a:cs typeface="+mn-cs"/>
+      </a:defRPr>
+    </a:lvl9pPr>
+  </p:notesStyle>
+</p:notesMaster>
 </file>
 
 <file path=ppt/slideLayouts/slideLayout1.xml><?xml version="1.0" encoding="utf-8"?>
@@ -384,9 +741,9 @@
           <a:bodyPr/>
           <a:lstStyle/>
           <a:p>
-            <a:fld id="{9184DA70-C731-4C70-880D-CCD4705E623C}" type="datetime1">
+            <a:fld id="{7B513D28-7FD7-45AB-A124-497540A4B67C}" type="datetime4">
               <a:rPr lang="en-US" smtClean="0"/>
-              <a:t>3/12/2021</a:t>
+              <a:t>March 12, 2021</a:t>
             </a:fld>
             <a:endParaRPr lang="en-US" dirty="0"/>
           </a:p>
@@ -413,6 +770,10 @@
           <a:bodyPr/>
           <a:lstStyle/>
           <a:p>
+            <a:r>
+              <a:rPr lang="en-US"/>
+              <a:t>Nauman Siddique, ODU CS </a:t>
+            </a:r>
             <a:endParaRPr lang="en-US" dirty="0"/>
           </a:p>
         </p:txBody>
@@ -572,9 +933,9 @@
           <a:bodyPr/>
           <a:lstStyle/>
           <a:p>
-            <a:fld id="{B612A279-0833-481D-8C56-F67FD0AC6C50}" type="datetime1">
+            <a:fld id="{F7531C4B-364C-43FA-82F7-6E546FDC838E}" type="datetime4">
               <a:rPr lang="en-US" smtClean="0"/>
-              <a:t>3/12/2021</a:t>
+              <a:t>March 12, 2021</a:t>
             </a:fld>
             <a:endParaRPr lang="en-US" dirty="0"/>
           </a:p>
@@ -601,6 +962,10 @@
           <a:bodyPr/>
           <a:lstStyle/>
           <a:p>
+            <a:r>
+              <a:rPr lang="en-US"/>
+              <a:t>Nauman Siddique, ODU CS </a:t>
+            </a:r>
             <a:endParaRPr lang="en-US" dirty="0"/>
           </a:p>
         </p:txBody>
@@ -814,9 +1179,9 @@
           <a:bodyPr/>
           <a:lstStyle/>
           <a:p>
-            <a:fld id="{6587DA83-5663-4C9C-B9AA-0B40A3DAFF81}" type="datetime1">
+            <a:fld id="{E897D0CF-142A-4B6B-B774-6D73FBAF14B0}" type="datetime4">
               <a:rPr lang="en-US" smtClean="0"/>
-              <a:t>3/12/2021</a:t>
+              <a:t>March 12, 2021</a:t>
             </a:fld>
             <a:endParaRPr lang="en-US" dirty="0"/>
           </a:p>
@@ -843,6 +1208,10 @@
           <a:bodyPr/>
           <a:lstStyle/>
           <a:p>
+            <a:r>
+              <a:rPr lang="en-US"/>
+              <a:t>Nauman Siddique, ODU CS </a:t>
+            </a:r>
             <a:endParaRPr lang="en-US" dirty="0"/>
           </a:p>
         </p:txBody>
@@ -1002,9 +1371,9 @@
           <a:bodyPr/>
           <a:lstStyle/>
           <a:p>
-            <a:fld id="{4BE1D723-8F53-4F53-90B0-1982A396982E}" type="datetime1">
+            <a:fld id="{D5E9AA0C-6071-43A8-BFE8-D583383E84BB}" type="datetime4">
               <a:rPr lang="en-US" smtClean="0"/>
-              <a:t>3/12/2021</a:t>
+              <a:t>March 12, 2021</a:t>
             </a:fld>
             <a:endParaRPr lang="en-US" dirty="0"/>
           </a:p>
@@ -1031,6 +1400,10 @@
           <a:bodyPr/>
           <a:lstStyle/>
           <a:p>
+            <a:r>
+              <a:rPr lang="en-US"/>
+              <a:t>Nauman Siddique, ODU CS </a:t>
+            </a:r>
             <a:endParaRPr lang="en-US" dirty="0"/>
           </a:p>
         </p:txBody>
@@ -1375,9 +1748,9 @@
           <a:bodyPr/>
           <a:lstStyle/>
           <a:p>
-            <a:fld id="{97669AF7-7BEB-44E4-9852-375E34362B5B}" type="datetime1">
+            <a:fld id="{1AD7B00E-C0FF-4BFC-9E60-5390717F181B}" type="datetime4">
               <a:rPr lang="en-US" smtClean="0"/>
-              <a:t>3/12/2021</a:t>
+              <a:t>March 12, 2021</a:t>
             </a:fld>
             <a:endParaRPr lang="en-US" dirty="0"/>
           </a:p>
@@ -1404,6 +1777,10 @@
           <a:bodyPr/>
           <a:lstStyle/>
           <a:p>
+            <a:r>
+              <a:rPr lang="en-US"/>
+              <a:t>Nauman Siddique, ODU CS </a:t>
+            </a:r>
             <a:endParaRPr lang="en-US" dirty="0"/>
           </a:p>
         </p:txBody>
@@ -1630,9 +2007,9 @@
           <a:bodyPr/>
           <a:lstStyle/>
           <a:p>
-            <a:fld id="{BAAAC38D-0552-4C82-B593-E6124DFADBE2}" type="datetime1">
+            <a:fld id="{8ED3C60B-7B0B-42CC-B962-F00653A0F919}" type="datetime4">
               <a:rPr lang="en-US" smtClean="0"/>
-              <a:t>3/12/2021</a:t>
+              <a:t>March 12, 2021</a:t>
             </a:fld>
             <a:endParaRPr lang="en-US" dirty="0"/>
           </a:p>
@@ -1659,6 +2036,10 @@
           <a:bodyPr/>
           <a:lstStyle/>
           <a:p>
+            <a:r>
+              <a:rPr lang="en-US"/>
+              <a:t>Nauman Siddique, ODU CS </a:t>
+            </a:r>
             <a:endParaRPr lang="en-US" dirty="0"/>
           </a:p>
         </p:txBody>
@@ -2027,9 +2408,9 @@
           <a:bodyPr/>
           <a:lstStyle/>
           <a:p>
-            <a:fld id="{D9DF0F1C-5577-4ACB-BB62-DF8F3C494C7E}" type="datetime1">
+            <a:fld id="{1227F229-9EAC-429F-B47F-746DE7DF41DC}" type="datetime4">
               <a:rPr lang="en-US" smtClean="0"/>
-              <a:t>3/12/2021</a:t>
+              <a:t>March 12, 2021</a:t>
             </a:fld>
             <a:endParaRPr lang="en-US" dirty="0"/>
           </a:p>
@@ -2056,6 +2437,10 @@
           <a:bodyPr/>
           <a:lstStyle/>
           <a:p>
+            <a:r>
+              <a:rPr lang="en-US"/>
+              <a:t>Nauman Siddique, ODU CS </a:t>
+            </a:r>
             <a:endParaRPr lang="en-US" dirty="0"/>
           </a:p>
         </p:txBody>
@@ -2163,9 +2548,9 @@
           <a:bodyPr/>
           <a:lstStyle/>
           <a:p>
-            <a:fld id="{1775B394-D9F9-4F0C-B15D-605F45CB9E9F}" type="datetime1">
+            <a:fld id="{7A97C816-87BC-4BB9-9398-8EE4131D275E}" type="datetime4">
               <a:rPr lang="en-US" smtClean="0"/>
-              <a:t>3/12/2021</a:t>
+              <a:t>March 12, 2021</a:t>
             </a:fld>
             <a:endParaRPr lang="en-US" dirty="0"/>
           </a:p>
@@ -2192,6 +2577,10 @@
           <a:bodyPr/>
           <a:lstStyle/>
           <a:p>
+            <a:r>
+              <a:rPr lang="en-US"/>
+              <a:t>Nauman Siddique, ODU CS </a:t>
+            </a:r>
             <a:endParaRPr lang="en-US" dirty="0"/>
           </a:p>
         </p:txBody>
@@ -2320,9 +2709,9 @@
           <a:bodyPr/>
           <a:lstStyle/>
           <a:p>
-            <a:fld id="{39667345-2558-425A-8533-9BFDBCE15005}" type="datetime1">
+            <a:fld id="{16E9C2EE-899E-433D-BE59-1881501D8DF6}" type="datetime4">
               <a:rPr lang="en-US" smtClean="0"/>
-              <a:t>3/12/2021</a:t>
+              <a:t>March 12, 2021</a:t>
             </a:fld>
             <a:endParaRPr lang="en-US" dirty="0"/>
           </a:p>
@@ -2349,6 +2738,10 @@
           <a:bodyPr/>
           <a:lstStyle/>
           <a:p>
+            <a:r>
+              <a:rPr lang="en-US"/>
+              <a:t>Nauman Siddique, ODU CS </a:t>
+            </a:r>
             <a:endParaRPr lang="en-US" dirty="0"/>
           </a:p>
         </p:txBody>
@@ -2649,9 +3042,9 @@
             </a:lvl1pPr>
           </a:lstStyle>
           <a:p>
-            <a:fld id="{92BEA474-078D-4E9B-9B14-09A87B19DC46}" type="datetime1">
+            <a:fld id="{80CDE28F-C5BF-4C25-AE3B-932FDFD02516}" type="datetime4">
               <a:rPr lang="en-US" smtClean="0"/>
-              <a:t>3/12/2021</a:t>
+              <a:t>March 12, 2021</a:t>
             </a:fld>
             <a:endParaRPr lang="en-US" dirty="0"/>
           </a:p>
@@ -2685,6 +3078,10 @@
             </a:lvl1pPr>
           </a:lstStyle>
           <a:p>
+            <a:r>
+              <a:rPr lang="en-US"/>
+              <a:t>Nauman Siddique, ODU CS </a:t>
+            </a:r>
             <a:endParaRPr lang="en-US" dirty="0"/>
           </a:p>
         </p:txBody>
@@ -2999,9 +3396,9 @@
             </a:lvl1pPr>
           </a:lstStyle>
           <a:p>
-            <a:fld id="{4907D986-8816-4272-A432-0437A28A9828}" type="datetime1">
+            <a:fld id="{8680859D-6227-413A-9A9C-6E485ACEEE02}" type="datetime4">
               <a:rPr lang="en-US" smtClean="0"/>
-              <a:t>3/12/2021</a:t>
+              <a:t>March 12, 2021</a:t>
             </a:fld>
             <a:endParaRPr lang="en-US" dirty="0"/>
           </a:p>
@@ -3028,6 +3425,10 @@
           <a:lstStyle/>
           <a:p>
             <a:pPr algn="l"/>
+            <a:r>
+              <a:rPr lang="en-US"/>
+              <a:t>Nauman Siddique, ODU CS </a:t>
+            </a:r>
             <a:endParaRPr lang="en-US" dirty="0"/>
           </a:p>
         </p:txBody>
@@ -3260,9 +3661,9 @@
             </a:lvl1pPr>
           </a:lstStyle>
           <a:p>
-            <a:fld id="{62D6E202-B606-4609-B914-27C9371A1F6D}" type="datetime1">
+            <a:fld id="{3474211B-DCB4-4465-9989-18587E811559}" type="datetime4">
               <a:rPr lang="en-US" smtClean="0"/>
-              <a:t>3/12/2021</a:t>
+              <a:t>March 12, 2021</a:t>
             </a:fld>
             <a:endParaRPr lang="en-US" dirty="0"/>
           </a:p>
@@ -3299,6 +3700,10 @@
             </a:lvl1pPr>
           </a:lstStyle>
           <a:p>
+            <a:r>
+              <a:rPr lang="en-US"/>
+              <a:t>Nauman Siddique, ODU CS </a:t>
+            </a:r>
             <a:endParaRPr lang="en-US" dirty="0"/>
           </a:p>
         </p:txBody>
@@ -3407,7 +3812,7 @@
     <p:sldLayoutId id="2147483665" r:id="rId10"/>
     <p:sldLayoutId id="2147483667" r:id="rId11"/>
   </p:sldLayoutIdLst>
-  <p:hf sldNum="0" hdr="0" ftr="0" dt="0"/>
+  <p:hf hdr="0"/>
   <p:txStyles>
     <p:titleStyle>
       <a:lvl1pPr algn="l" defTabSz="914400" rtl="0" eaLnBrk="1" latinLnBrk="0" hangingPunct="1">
@@ -4242,465 +4647,6 @@
   <p:clrMapOvr>
     <a:overrideClrMapping bg1="dk1" tx1="lt1" bg2="dk2" tx2="lt2" accent1="accent1" accent2="accent2" accent3="accent3" accent4="accent4" accent5="accent5" accent6="accent6" hlink="hlink" folHlink="folHlink"/>
   </p:clrMapOvr>
-  <p:timing>
-    <p:tnLst>
-      <p:par>
-        <p:cTn id="1" dur="indefinite" restart="never" nodeType="tmRoot">
-          <p:childTnLst>
-            <p:seq concurrent="1" nextAc="seek">
-              <p:cTn id="2" dur="indefinite" nodeType="mainSeq">
-                <p:childTnLst>
-                  <p:par>
-                    <p:cTn id="3" fill="hold">
-                      <p:stCondLst>
-                        <p:cond delay="indefinite"/>
-                        <p:cond evt="onBegin" delay="0">
-                          <p:tn val="2"/>
-                        </p:cond>
-                      </p:stCondLst>
-                      <p:childTnLst>
-                        <p:par>
-                          <p:cTn id="4" fill="hold">
-                            <p:stCondLst>
-                              <p:cond delay="0"/>
-                            </p:stCondLst>
-                            <p:childTnLst>
-                              <p:par>
-                                <p:cTn id="5" presetID="10" presetClass="entr" presetSubtype="0" fill="hold" grpId="0" nodeType="withEffect">
-                                  <p:stCondLst>
-                                    <p:cond delay="1500"/>
-                                  </p:stCondLst>
-                                  <p:iterate>
-                                    <p:tmPct val="10000"/>
-                                  </p:iterate>
-                                  <p:childTnLst>
-                                    <p:set>
-                                      <p:cBhvr>
-                                        <p:cTn id="6" dur="1" fill="hold">
-                                          <p:stCondLst>
-                                            <p:cond delay="0"/>
-                                          </p:stCondLst>
-                                        </p:cTn>
-                                        <p:tgtEl>
-                                          <p:spTgt spid="3">
-                                            <p:txEl>
-                                              <p:pRg st="0" end="0"/>
-                                            </p:txEl>
-                                          </p:spTgt>
-                                        </p:tgtEl>
-                                        <p:attrNameLst>
-                                          <p:attrName>style.visibility</p:attrName>
-                                        </p:attrNameLst>
-                                      </p:cBhvr>
-                                      <p:to>
-                                        <p:strVal val="visible"/>
-                                      </p:to>
-                                    </p:set>
-                                    <p:animEffect transition="in" filter="fade">
-                                      <p:cBhvr>
-                                        <p:cTn id="7" dur="700"/>
-                                        <p:tgtEl>
-                                          <p:spTgt spid="3">
-                                            <p:txEl>
-                                              <p:pRg st="0" end="0"/>
-                                            </p:txEl>
-                                          </p:spTgt>
-                                        </p:tgtEl>
-                                      </p:cBhvr>
-                                    </p:animEffect>
-                                  </p:childTnLst>
-                                </p:cTn>
-                              </p:par>
-                              <p:par>
-                                <p:cTn id="8" presetID="10" presetClass="entr" presetSubtype="0" fill="hold" grpId="0" nodeType="withEffect">
-                                  <p:stCondLst>
-                                    <p:cond delay="1000"/>
-                                  </p:stCondLst>
-                                  <p:iterate>
-                                    <p:tmPct val="10000"/>
-                                  </p:iterate>
-                                  <p:childTnLst>
-                                    <p:set>
-                                      <p:cBhvr>
-                                        <p:cTn id="9" dur="1" fill="hold">
-                                          <p:stCondLst>
-                                            <p:cond delay="0"/>
-                                          </p:stCondLst>
-                                        </p:cTn>
-                                        <p:tgtEl>
-                                          <p:spTgt spid="2"/>
-                                        </p:tgtEl>
-                                        <p:attrNameLst>
-                                          <p:attrName>style.visibility</p:attrName>
-                                        </p:attrNameLst>
-                                      </p:cBhvr>
-                                      <p:to>
-                                        <p:strVal val="visible"/>
-                                      </p:to>
-                                    </p:set>
-                                    <p:animEffect transition="in" filter="fade">
-                                      <p:cBhvr>
-                                        <p:cTn id="10" dur="700"/>
-                                        <p:tgtEl>
-                                          <p:spTgt spid="2"/>
-                                        </p:tgtEl>
-                                      </p:cBhvr>
-                                    </p:animEffect>
-                                  </p:childTnLst>
-                                </p:cTn>
-                              </p:par>
-                            </p:childTnLst>
-                          </p:cTn>
-                        </p:par>
-                      </p:childTnLst>
-                    </p:cTn>
-                  </p:par>
-                  <p:par>
-                    <p:cTn id="11" fill="hold">
-                      <p:stCondLst>
-                        <p:cond delay="indefinite"/>
-                      </p:stCondLst>
-                      <p:childTnLst>
-                        <p:par>
-                          <p:cTn id="12" fill="hold">
-                            <p:stCondLst>
-                              <p:cond delay="0"/>
-                            </p:stCondLst>
-                            <p:childTnLst>
-                              <p:par>
-                                <p:cTn id="13" presetID="10" presetClass="entr" presetSubtype="0" fill="hold" grpId="0" nodeType="clickEffect">
-                                  <p:stCondLst>
-                                    <p:cond delay="1500"/>
-                                  </p:stCondLst>
-                                  <p:iterate>
-                                    <p:tmPct val="10000"/>
-                                  </p:iterate>
-                                  <p:childTnLst>
-                                    <p:set>
-                                      <p:cBhvr>
-                                        <p:cTn id="14" dur="1" fill="hold">
-                                          <p:stCondLst>
-                                            <p:cond delay="0"/>
-                                          </p:stCondLst>
-                                        </p:cTn>
-                                        <p:tgtEl>
-                                          <p:spTgt spid="3">
-                                            <p:txEl>
-                                              <p:pRg st="1" end="1"/>
-                                            </p:txEl>
-                                          </p:spTgt>
-                                        </p:tgtEl>
-                                        <p:attrNameLst>
-                                          <p:attrName>style.visibility</p:attrName>
-                                        </p:attrNameLst>
-                                      </p:cBhvr>
-                                      <p:to>
-                                        <p:strVal val="visible"/>
-                                      </p:to>
-                                    </p:set>
-                                    <p:animEffect transition="in" filter="fade">
-                                      <p:cBhvr>
-                                        <p:cTn id="15" dur="700"/>
-                                        <p:tgtEl>
-                                          <p:spTgt spid="3">
-                                            <p:txEl>
-                                              <p:pRg st="1" end="1"/>
-                                            </p:txEl>
-                                          </p:spTgt>
-                                        </p:tgtEl>
-                                      </p:cBhvr>
-                                    </p:animEffect>
-                                  </p:childTnLst>
-                                </p:cTn>
-                              </p:par>
-                            </p:childTnLst>
-                          </p:cTn>
-                        </p:par>
-                      </p:childTnLst>
-                    </p:cTn>
-                  </p:par>
-                  <p:par>
-                    <p:cTn id="16" fill="hold">
-                      <p:stCondLst>
-                        <p:cond delay="indefinite"/>
-                      </p:stCondLst>
-                      <p:childTnLst>
-                        <p:par>
-                          <p:cTn id="17" fill="hold">
-                            <p:stCondLst>
-                              <p:cond delay="0"/>
-                            </p:stCondLst>
-                            <p:childTnLst>
-                              <p:par>
-                                <p:cTn id="18" presetID="10" presetClass="entr" presetSubtype="0" fill="hold" grpId="0" nodeType="clickEffect">
-                                  <p:stCondLst>
-                                    <p:cond delay="1500"/>
-                                  </p:stCondLst>
-                                  <p:iterate>
-                                    <p:tmPct val="10000"/>
-                                  </p:iterate>
-                                  <p:childTnLst>
-                                    <p:set>
-                                      <p:cBhvr>
-                                        <p:cTn id="19" dur="1" fill="hold">
-                                          <p:stCondLst>
-                                            <p:cond delay="0"/>
-                                          </p:stCondLst>
-                                        </p:cTn>
-                                        <p:tgtEl>
-                                          <p:spTgt spid="3">
-                                            <p:txEl>
-                                              <p:pRg st="2" end="2"/>
-                                            </p:txEl>
-                                          </p:spTgt>
-                                        </p:tgtEl>
-                                        <p:attrNameLst>
-                                          <p:attrName>style.visibility</p:attrName>
-                                        </p:attrNameLst>
-                                      </p:cBhvr>
-                                      <p:to>
-                                        <p:strVal val="visible"/>
-                                      </p:to>
-                                    </p:set>
-                                    <p:animEffect transition="in" filter="fade">
-                                      <p:cBhvr>
-                                        <p:cTn id="20" dur="700"/>
-                                        <p:tgtEl>
-                                          <p:spTgt spid="3">
-                                            <p:txEl>
-                                              <p:pRg st="2" end="2"/>
-                                            </p:txEl>
-                                          </p:spTgt>
-                                        </p:tgtEl>
-                                      </p:cBhvr>
-                                    </p:animEffect>
-                                  </p:childTnLst>
-                                </p:cTn>
-                              </p:par>
-                            </p:childTnLst>
-                          </p:cTn>
-                        </p:par>
-                      </p:childTnLst>
-                    </p:cTn>
-                  </p:par>
-                  <p:par>
-                    <p:cTn id="21" fill="hold">
-                      <p:stCondLst>
-                        <p:cond delay="indefinite"/>
-                      </p:stCondLst>
-                      <p:childTnLst>
-                        <p:par>
-                          <p:cTn id="22" fill="hold">
-                            <p:stCondLst>
-                              <p:cond delay="0"/>
-                            </p:stCondLst>
-                            <p:childTnLst>
-                              <p:par>
-                                <p:cTn id="23" presetID="10" presetClass="entr" presetSubtype="0" fill="hold" grpId="0" nodeType="clickEffect">
-                                  <p:stCondLst>
-                                    <p:cond delay="1500"/>
-                                  </p:stCondLst>
-                                  <p:iterate>
-                                    <p:tmPct val="10000"/>
-                                  </p:iterate>
-                                  <p:childTnLst>
-                                    <p:set>
-                                      <p:cBhvr>
-                                        <p:cTn id="24" dur="1" fill="hold">
-                                          <p:stCondLst>
-                                            <p:cond delay="0"/>
-                                          </p:stCondLst>
-                                        </p:cTn>
-                                        <p:tgtEl>
-                                          <p:spTgt spid="3">
-                                            <p:txEl>
-                                              <p:pRg st="3" end="3"/>
-                                            </p:txEl>
-                                          </p:spTgt>
-                                        </p:tgtEl>
-                                        <p:attrNameLst>
-                                          <p:attrName>style.visibility</p:attrName>
-                                        </p:attrNameLst>
-                                      </p:cBhvr>
-                                      <p:to>
-                                        <p:strVal val="visible"/>
-                                      </p:to>
-                                    </p:set>
-                                    <p:animEffect transition="in" filter="fade">
-                                      <p:cBhvr>
-                                        <p:cTn id="25" dur="700"/>
-                                        <p:tgtEl>
-                                          <p:spTgt spid="3">
-                                            <p:txEl>
-                                              <p:pRg st="3" end="3"/>
-                                            </p:txEl>
-                                          </p:spTgt>
-                                        </p:tgtEl>
-                                      </p:cBhvr>
-                                    </p:animEffect>
-                                  </p:childTnLst>
-                                </p:cTn>
-                              </p:par>
-                            </p:childTnLst>
-                          </p:cTn>
-                        </p:par>
-                      </p:childTnLst>
-                    </p:cTn>
-                  </p:par>
-                  <p:par>
-                    <p:cTn id="26" fill="hold">
-                      <p:stCondLst>
-                        <p:cond delay="indefinite"/>
-                      </p:stCondLst>
-                      <p:childTnLst>
-                        <p:par>
-                          <p:cTn id="27" fill="hold">
-                            <p:stCondLst>
-                              <p:cond delay="0"/>
-                            </p:stCondLst>
-                            <p:childTnLst>
-                              <p:par>
-                                <p:cTn id="28" presetID="10" presetClass="entr" presetSubtype="0" fill="hold" grpId="0" nodeType="clickEffect">
-                                  <p:stCondLst>
-                                    <p:cond delay="1500"/>
-                                  </p:stCondLst>
-                                  <p:iterate>
-                                    <p:tmPct val="10000"/>
-                                  </p:iterate>
-                                  <p:childTnLst>
-                                    <p:set>
-                                      <p:cBhvr>
-                                        <p:cTn id="29" dur="1" fill="hold">
-                                          <p:stCondLst>
-                                            <p:cond delay="0"/>
-                                          </p:stCondLst>
-                                        </p:cTn>
-                                        <p:tgtEl>
-                                          <p:spTgt spid="3">
-                                            <p:txEl>
-                                              <p:pRg st="4" end="4"/>
-                                            </p:txEl>
-                                          </p:spTgt>
-                                        </p:tgtEl>
-                                        <p:attrNameLst>
-                                          <p:attrName>style.visibility</p:attrName>
-                                        </p:attrNameLst>
-                                      </p:cBhvr>
-                                      <p:to>
-                                        <p:strVal val="visible"/>
-                                      </p:to>
-                                    </p:set>
-                                    <p:animEffect transition="in" filter="fade">
-                                      <p:cBhvr>
-                                        <p:cTn id="30" dur="700"/>
-                                        <p:tgtEl>
-                                          <p:spTgt spid="3">
-                                            <p:txEl>
-                                              <p:pRg st="4" end="4"/>
-                                            </p:txEl>
-                                          </p:spTgt>
-                                        </p:tgtEl>
-                                      </p:cBhvr>
-                                    </p:animEffect>
-                                  </p:childTnLst>
-                                </p:cTn>
-                              </p:par>
-                            </p:childTnLst>
-                          </p:cTn>
-                        </p:par>
-                      </p:childTnLst>
-                    </p:cTn>
-                  </p:par>
-                  <p:par>
-                    <p:cTn id="31" fill="hold">
-                      <p:stCondLst>
-                        <p:cond delay="indefinite"/>
-                      </p:stCondLst>
-                      <p:childTnLst>
-                        <p:par>
-                          <p:cTn id="32" fill="hold">
-                            <p:stCondLst>
-                              <p:cond delay="0"/>
-                            </p:stCondLst>
-                            <p:childTnLst>
-                              <p:par>
-                                <p:cTn id="33" presetID="10" presetClass="entr" presetSubtype="0" fill="hold" grpId="0" nodeType="clickEffect">
-                                  <p:stCondLst>
-                                    <p:cond delay="1500"/>
-                                  </p:stCondLst>
-                                  <p:iterate>
-                                    <p:tmPct val="10000"/>
-                                  </p:iterate>
-                                  <p:childTnLst>
-                                    <p:set>
-                                      <p:cBhvr>
-                                        <p:cTn id="34" dur="1" fill="hold">
-                                          <p:stCondLst>
-                                            <p:cond delay="0"/>
-                                          </p:stCondLst>
-                                        </p:cTn>
-                                        <p:tgtEl>
-                                          <p:spTgt spid="3">
-                                            <p:txEl>
-                                              <p:pRg st="5" end="5"/>
-                                            </p:txEl>
-                                          </p:spTgt>
-                                        </p:tgtEl>
-                                        <p:attrNameLst>
-                                          <p:attrName>style.visibility</p:attrName>
-                                        </p:attrNameLst>
-                                      </p:cBhvr>
-                                      <p:to>
-                                        <p:strVal val="visible"/>
-                                      </p:to>
-                                    </p:set>
-                                    <p:animEffect transition="in" filter="fade">
-                                      <p:cBhvr>
-                                        <p:cTn id="35" dur="700"/>
-                                        <p:tgtEl>
-                                          <p:spTgt spid="3">
-                                            <p:txEl>
-                                              <p:pRg st="5" end="5"/>
-                                            </p:txEl>
-                                          </p:spTgt>
-                                        </p:tgtEl>
-                                      </p:cBhvr>
-                                    </p:animEffect>
-                                  </p:childTnLst>
-                                </p:cTn>
-                              </p:par>
-                            </p:childTnLst>
-                          </p:cTn>
-                        </p:par>
-                      </p:childTnLst>
-                    </p:cTn>
-                  </p:par>
-                </p:childTnLst>
-              </p:cTn>
-              <p:prevCondLst>
-                <p:cond evt="onPrev" delay="0">
-                  <p:tgtEl>
-                    <p:sldTgt/>
-                  </p:tgtEl>
-                </p:cond>
-              </p:prevCondLst>
-              <p:nextCondLst>
-                <p:cond evt="onNext" delay="0">
-                  <p:tgtEl>
-                    <p:sldTgt/>
-                  </p:tgtEl>
-                </p:cond>
-              </p:nextCondLst>
-            </p:seq>
-          </p:childTnLst>
-        </p:cTn>
-      </p:par>
-    </p:tnLst>
-    <p:bldLst>
-      <p:bldP spid="2" grpId="0"/>
-      <p:bldP spid="3" grpId="0" build="p"/>
-    </p:bldLst>
-  </p:timing>
 </p:sld>
 </file>
 
@@ -4784,6 +4730,93 @@
           </a:xfrm>
         </p:spPr>
       </p:pic>
+      <p:sp>
+        <p:nvSpPr>
+          <p:cNvPr id="3" name="Date Placeholder 2">
+            <a:extLst>
+              <a:ext uri="{FF2B5EF4-FFF2-40B4-BE49-F238E27FC236}">
+                <a16:creationId xmlns:a16="http://schemas.microsoft.com/office/drawing/2014/main" id="{B5DCA125-A5F9-4687-BDC3-2AD368A77CC9}"/>
+              </a:ext>
+            </a:extLst>
+          </p:cNvPr>
+          <p:cNvSpPr>
+            <a:spLocks noGrp="1"/>
+          </p:cNvSpPr>
+          <p:nvPr>
+            <p:ph type="dt" sz="half" idx="10"/>
+          </p:nvPr>
+        </p:nvSpPr>
+        <p:spPr/>
+        <p:txBody>
+          <a:bodyPr/>
+          <a:lstStyle/>
+          <a:p>
+            <a:fld id="{3374150B-6E57-4424-86E9-245ABC044A48}" type="datetime4">
+              <a:rPr lang="en-US" smtClean="0"/>
+              <a:t>March 12, 2021</a:t>
+            </a:fld>
+            <a:endParaRPr lang="en-US" dirty="0"/>
+          </a:p>
+        </p:txBody>
+      </p:sp>
+      <p:sp>
+        <p:nvSpPr>
+          <p:cNvPr id="4" name="Footer Placeholder 3">
+            <a:extLst>
+              <a:ext uri="{FF2B5EF4-FFF2-40B4-BE49-F238E27FC236}">
+                <a16:creationId xmlns:a16="http://schemas.microsoft.com/office/drawing/2014/main" id="{13331D49-6C56-4A13-BD8D-5443D896B402}"/>
+              </a:ext>
+            </a:extLst>
+          </p:cNvPr>
+          <p:cNvSpPr>
+            <a:spLocks noGrp="1"/>
+          </p:cNvSpPr>
+          <p:nvPr>
+            <p:ph type="ftr" sz="quarter" idx="11"/>
+          </p:nvPr>
+        </p:nvSpPr>
+        <p:spPr/>
+        <p:txBody>
+          <a:bodyPr/>
+          <a:lstStyle/>
+          <a:p>
+            <a:r>
+              <a:rPr lang="en-US"/>
+              <a:t>Nauman Siddique, ODU CS </a:t>
+            </a:r>
+            <a:endParaRPr lang="en-US" dirty="0"/>
+          </a:p>
+        </p:txBody>
+      </p:sp>
+      <p:sp>
+        <p:nvSpPr>
+          <p:cNvPr id="6" name="Slide Number Placeholder 5">
+            <a:extLst>
+              <a:ext uri="{FF2B5EF4-FFF2-40B4-BE49-F238E27FC236}">
+                <a16:creationId xmlns:a16="http://schemas.microsoft.com/office/drawing/2014/main" id="{78179EE1-9A2C-402A-9F8F-6BA07A5FE081}"/>
+              </a:ext>
+            </a:extLst>
+          </p:cNvPr>
+          <p:cNvSpPr>
+            <a:spLocks noGrp="1"/>
+          </p:cNvSpPr>
+          <p:nvPr>
+            <p:ph type="sldNum" sz="quarter" idx="12"/>
+          </p:nvPr>
+        </p:nvSpPr>
+        <p:spPr/>
+        <p:txBody>
+          <a:bodyPr/>
+          <a:lstStyle/>
+          <a:p>
+            <a:fld id="{3A98EE3D-8CD1-4C3F-BD1C-C98C9596463C}" type="slidenum">
+              <a:rPr lang="en-US" smtClean="0"/>
+              <a:t>10</a:t>
+            </a:fld>
+            <a:endParaRPr lang="en-US" dirty="0"/>
+          </a:p>
+        </p:txBody>
+      </p:sp>
     </p:spTree>
     <p:extLst>
       <p:ext uri="{BB962C8B-B14F-4D97-AF65-F5344CB8AC3E}">
@@ -4927,6 +4960,93 @@
           </a:p>
         </p:txBody>
       </p:sp>
+      <p:sp>
+        <p:nvSpPr>
+          <p:cNvPr id="3" name="Date Placeholder 2">
+            <a:extLst>
+              <a:ext uri="{FF2B5EF4-FFF2-40B4-BE49-F238E27FC236}">
+                <a16:creationId xmlns:a16="http://schemas.microsoft.com/office/drawing/2014/main" id="{675DD22B-34FB-46ED-BE3C-40340BF20367}"/>
+              </a:ext>
+            </a:extLst>
+          </p:cNvPr>
+          <p:cNvSpPr>
+            <a:spLocks noGrp="1"/>
+          </p:cNvSpPr>
+          <p:nvPr>
+            <p:ph type="dt" sz="half" idx="10"/>
+          </p:nvPr>
+        </p:nvSpPr>
+        <p:spPr/>
+        <p:txBody>
+          <a:bodyPr/>
+          <a:lstStyle/>
+          <a:p>
+            <a:fld id="{81D6C118-0F1D-4800-A119-B351DB8766A0}" type="datetime4">
+              <a:rPr lang="en-US" smtClean="0"/>
+              <a:t>March 12, 2021</a:t>
+            </a:fld>
+            <a:endParaRPr lang="en-US" dirty="0"/>
+          </a:p>
+        </p:txBody>
+      </p:sp>
+      <p:sp>
+        <p:nvSpPr>
+          <p:cNvPr id="4" name="Footer Placeholder 3">
+            <a:extLst>
+              <a:ext uri="{FF2B5EF4-FFF2-40B4-BE49-F238E27FC236}">
+                <a16:creationId xmlns:a16="http://schemas.microsoft.com/office/drawing/2014/main" id="{919B1989-8CB9-4A97-8950-F4C863D9918E}"/>
+              </a:ext>
+            </a:extLst>
+          </p:cNvPr>
+          <p:cNvSpPr>
+            <a:spLocks noGrp="1"/>
+          </p:cNvSpPr>
+          <p:nvPr>
+            <p:ph type="ftr" sz="quarter" idx="11"/>
+          </p:nvPr>
+        </p:nvSpPr>
+        <p:spPr/>
+        <p:txBody>
+          <a:bodyPr/>
+          <a:lstStyle/>
+          <a:p>
+            <a:r>
+              <a:rPr lang="en-US"/>
+              <a:t>Nauman Siddique, ODU CS </a:t>
+            </a:r>
+            <a:endParaRPr lang="en-US" dirty="0"/>
+          </a:p>
+        </p:txBody>
+      </p:sp>
+      <p:sp>
+        <p:nvSpPr>
+          <p:cNvPr id="7" name="Slide Number Placeholder 6">
+            <a:extLst>
+              <a:ext uri="{FF2B5EF4-FFF2-40B4-BE49-F238E27FC236}">
+                <a16:creationId xmlns:a16="http://schemas.microsoft.com/office/drawing/2014/main" id="{D0C5EA9C-D043-44BA-9239-36843AE012AD}"/>
+              </a:ext>
+            </a:extLst>
+          </p:cNvPr>
+          <p:cNvSpPr>
+            <a:spLocks noGrp="1"/>
+          </p:cNvSpPr>
+          <p:nvPr>
+            <p:ph type="sldNum" sz="quarter" idx="12"/>
+          </p:nvPr>
+        </p:nvSpPr>
+        <p:spPr/>
+        <p:txBody>
+          <a:bodyPr/>
+          <a:lstStyle/>
+          <a:p>
+            <a:fld id="{3A98EE3D-8CD1-4C3F-BD1C-C98C9596463C}" type="slidenum">
+              <a:rPr lang="en-US" smtClean="0"/>
+              <a:t>11</a:t>
+            </a:fld>
+            <a:endParaRPr lang="en-US" dirty="0"/>
+          </a:p>
+        </p:txBody>
+      </p:sp>
     </p:spTree>
     <p:extLst>
       <p:ext uri="{BB962C8B-B14F-4D97-AF65-F5344CB8AC3E}">
@@ -5020,6 +5140,93 @@
           </a:xfrm>
         </p:spPr>
       </p:pic>
+      <p:sp>
+        <p:nvSpPr>
+          <p:cNvPr id="3" name="Date Placeholder 2">
+            <a:extLst>
+              <a:ext uri="{FF2B5EF4-FFF2-40B4-BE49-F238E27FC236}">
+                <a16:creationId xmlns:a16="http://schemas.microsoft.com/office/drawing/2014/main" id="{4B7A2820-9245-4AED-927A-04F321514DC6}"/>
+              </a:ext>
+            </a:extLst>
+          </p:cNvPr>
+          <p:cNvSpPr>
+            <a:spLocks noGrp="1"/>
+          </p:cNvSpPr>
+          <p:nvPr>
+            <p:ph type="dt" sz="half" idx="10"/>
+          </p:nvPr>
+        </p:nvSpPr>
+        <p:spPr/>
+        <p:txBody>
+          <a:bodyPr/>
+          <a:lstStyle/>
+          <a:p>
+            <a:fld id="{D7DE9A24-3DBC-49E9-865B-EDD80F208071}" type="datetime4">
+              <a:rPr lang="en-US" smtClean="0"/>
+              <a:t>March 12, 2021</a:t>
+            </a:fld>
+            <a:endParaRPr lang="en-US" dirty="0"/>
+          </a:p>
+        </p:txBody>
+      </p:sp>
+      <p:sp>
+        <p:nvSpPr>
+          <p:cNvPr id="4" name="Footer Placeholder 3">
+            <a:extLst>
+              <a:ext uri="{FF2B5EF4-FFF2-40B4-BE49-F238E27FC236}">
+                <a16:creationId xmlns:a16="http://schemas.microsoft.com/office/drawing/2014/main" id="{8BF59087-679B-4352-AD34-C5416907ADA3}"/>
+              </a:ext>
+            </a:extLst>
+          </p:cNvPr>
+          <p:cNvSpPr>
+            <a:spLocks noGrp="1"/>
+          </p:cNvSpPr>
+          <p:nvPr>
+            <p:ph type="ftr" sz="quarter" idx="11"/>
+          </p:nvPr>
+        </p:nvSpPr>
+        <p:spPr/>
+        <p:txBody>
+          <a:bodyPr/>
+          <a:lstStyle/>
+          <a:p>
+            <a:r>
+              <a:rPr lang="en-US"/>
+              <a:t>Nauman Siddique, ODU CS </a:t>
+            </a:r>
+            <a:endParaRPr lang="en-US" dirty="0"/>
+          </a:p>
+        </p:txBody>
+      </p:sp>
+      <p:sp>
+        <p:nvSpPr>
+          <p:cNvPr id="6" name="Slide Number Placeholder 5">
+            <a:extLst>
+              <a:ext uri="{FF2B5EF4-FFF2-40B4-BE49-F238E27FC236}">
+                <a16:creationId xmlns:a16="http://schemas.microsoft.com/office/drawing/2014/main" id="{4C5D053A-DCF7-4688-9E33-DC8B8A437F46}"/>
+              </a:ext>
+            </a:extLst>
+          </p:cNvPr>
+          <p:cNvSpPr>
+            <a:spLocks noGrp="1"/>
+          </p:cNvSpPr>
+          <p:nvPr>
+            <p:ph type="sldNum" sz="quarter" idx="12"/>
+          </p:nvPr>
+        </p:nvSpPr>
+        <p:spPr/>
+        <p:txBody>
+          <a:bodyPr/>
+          <a:lstStyle/>
+          <a:p>
+            <a:fld id="{3A98EE3D-8CD1-4C3F-BD1C-C98C9596463C}" type="slidenum">
+              <a:rPr lang="en-US" smtClean="0"/>
+              <a:t>12</a:t>
+            </a:fld>
+            <a:endParaRPr lang="en-US" dirty="0"/>
+          </a:p>
+        </p:txBody>
+      </p:sp>
     </p:spTree>
     <p:extLst>
       <p:ext uri="{BB962C8B-B14F-4D97-AF65-F5344CB8AC3E}">
@@ -5113,6 +5320,93 @@
           </a:xfrm>
         </p:spPr>
       </p:pic>
+      <p:sp>
+        <p:nvSpPr>
+          <p:cNvPr id="3" name="Date Placeholder 2">
+            <a:extLst>
+              <a:ext uri="{FF2B5EF4-FFF2-40B4-BE49-F238E27FC236}">
+                <a16:creationId xmlns:a16="http://schemas.microsoft.com/office/drawing/2014/main" id="{D08C888F-FE87-4D98-9108-A4BECF27E01F}"/>
+              </a:ext>
+            </a:extLst>
+          </p:cNvPr>
+          <p:cNvSpPr>
+            <a:spLocks noGrp="1"/>
+          </p:cNvSpPr>
+          <p:nvPr>
+            <p:ph type="dt" sz="half" idx="10"/>
+          </p:nvPr>
+        </p:nvSpPr>
+        <p:spPr/>
+        <p:txBody>
+          <a:bodyPr/>
+          <a:lstStyle/>
+          <a:p>
+            <a:fld id="{5D2F6D6F-8BC9-4872-BB29-AEE20E266A08}" type="datetime4">
+              <a:rPr lang="en-US" smtClean="0"/>
+              <a:t>March 12, 2021</a:t>
+            </a:fld>
+            <a:endParaRPr lang="en-US" dirty="0"/>
+          </a:p>
+        </p:txBody>
+      </p:sp>
+      <p:sp>
+        <p:nvSpPr>
+          <p:cNvPr id="4" name="Footer Placeholder 3">
+            <a:extLst>
+              <a:ext uri="{FF2B5EF4-FFF2-40B4-BE49-F238E27FC236}">
+                <a16:creationId xmlns:a16="http://schemas.microsoft.com/office/drawing/2014/main" id="{35A22921-E1B6-4BE2-9E0D-5D837C5D1B30}"/>
+              </a:ext>
+            </a:extLst>
+          </p:cNvPr>
+          <p:cNvSpPr>
+            <a:spLocks noGrp="1"/>
+          </p:cNvSpPr>
+          <p:nvPr>
+            <p:ph type="ftr" sz="quarter" idx="11"/>
+          </p:nvPr>
+        </p:nvSpPr>
+        <p:spPr/>
+        <p:txBody>
+          <a:bodyPr/>
+          <a:lstStyle/>
+          <a:p>
+            <a:r>
+              <a:rPr lang="en-US"/>
+              <a:t>Nauman Siddique, ODU CS </a:t>
+            </a:r>
+            <a:endParaRPr lang="en-US" dirty="0"/>
+          </a:p>
+        </p:txBody>
+      </p:sp>
+      <p:sp>
+        <p:nvSpPr>
+          <p:cNvPr id="6" name="Slide Number Placeholder 5">
+            <a:extLst>
+              <a:ext uri="{FF2B5EF4-FFF2-40B4-BE49-F238E27FC236}">
+                <a16:creationId xmlns:a16="http://schemas.microsoft.com/office/drawing/2014/main" id="{F0B9A2FF-3556-4E2B-AFE1-2B38567DD22F}"/>
+              </a:ext>
+            </a:extLst>
+          </p:cNvPr>
+          <p:cNvSpPr>
+            <a:spLocks noGrp="1"/>
+          </p:cNvSpPr>
+          <p:nvPr>
+            <p:ph type="sldNum" sz="quarter" idx="12"/>
+          </p:nvPr>
+        </p:nvSpPr>
+        <p:spPr/>
+        <p:txBody>
+          <a:bodyPr/>
+          <a:lstStyle/>
+          <a:p>
+            <a:fld id="{3A98EE3D-8CD1-4C3F-BD1C-C98C9596463C}" type="slidenum">
+              <a:rPr lang="en-US" smtClean="0"/>
+              <a:t>13</a:t>
+            </a:fld>
+            <a:endParaRPr lang="en-US" dirty="0"/>
+          </a:p>
+        </p:txBody>
+      </p:sp>
     </p:spTree>
     <p:extLst>
       <p:ext uri="{BB962C8B-B14F-4D97-AF65-F5344CB8AC3E}">
@@ -5216,6 +5510,93 @@
               </a:rPr>
               <a:t>https://github.com/isaki001/PiCamUtils/tree/master/floodDetection</a:t>
             </a:r>
+            <a:endParaRPr lang="en-US" dirty="0"/>
+          </a:p>
+        </p:txBody>
+      </p:sp>
+      <p:sp>
+        <p:nvSpPr>
+          <p:cNvPr id="4" name="Date Placeholder 3">
+            <a:extLst>
+              <a:ext uri="{FF2B5EF4-FFF2-40B4-BE49-F238E27FC236}">
+                <a16:creationId xmlns:a16="http://schemas.microsoft.com/office/drawing/2014/main" id="{D8DB6EC8-BC49-47E5-9887-1C1D0EBE4A19}"/>
+              </a:ext>
+            </a:extLst>
+          </p:cNvPr>
+          <p:cNvSpPr>
+            <a:spLocks noGrp="1"/>
+          </p:cNvSpPr>
+          <p:nvPr>
+            <p:ph type="dt" sz="half" idx="10"/>
+          </p:nvPr>
+        </p:nvSpPr>
+        <p:spPr/>
+        <p:txBody>
+          <a:bodyPr/>
+          <a:lstStyle/>
+          <a:p>
+            <a:fld id="{2A2CF6C3-A78B-4215-A643-F533F6DD589D}" type="datetime4">
+              <a:rPr lang="en-US" smtClean="0"/>
+              <a:t>March 12, 2021</a:t>
+            </a:fld>
+            <a:endParaRPr lang="en-US" dirty="0"/>
+          </a:p>
+        </p:txBody>
+      </p:sp>
+      <p:sp>
+        <p:nvSpPr>
+          <p:cNvPr id="5" name="Footer Placeholder 4">
+            <a:extLst>
+              <a:ext uri="{FF2B5EF4-FFF2-40B4-BE49-F238E27FC236}">
+                <a16:creationId xmlns:a16="http://schemas.microsoft.com/office/drawing/2014/main" id="{175AF43F-1CAC-4699-899B-77FD490BEA48}"/>
+              </a:ext>
+            </a:extLst>
+          </p:cNvPr>
+          <p:cNvSpPr>
+            <a:spLocks noGrp="1"/>
+          </p:cNvSpPr>
+          <p:nvPr>
+            <p:ph type="ftr" sz="quarter" idx="11"/>
+          </p:nvPr>
+        </p:nvSpPr>
+        <p:spPr/>
+        <p:txBody>
+          <a:bodyPr/>
+          <a:lstStyle/>
+          <a:p>
+            <a:r>
+              <a:rPr lang="en-US"/>
+              <a:t>Nauman Siddique, ODU CS </a:t>
+            </a:r>
+            <a:endParaRPr lang="en-US" dirty="0"/>
+          </a:p>
+        </p:txBody>
+      </p:sp>
+      <p:sp>
+        <p:nvSpPr>
+          <p:cNvPr id="6" name="Slide Number Placeholder 5">
+            <a:extLst>
+              <a:ext uri="{FF2B5EF4-FFF2-40B4-BE49-F238E27FC236}">
+                <a16:creationId xmlns:a16="http://schemas.microsoft.com/office/drawing/2014/main" id="{28A2208E-8DE8-4F7D-ABDA-6F18695CCD28}"/>
+              </a:ext>
+            </a:extLst>
+          </p:cNvPr>
+          <p:cNvSpPr>
+            <a:spLocks noGrp="1"/>
+          </p:cNvSpPr>
+          <p:nvPr>
+            <p:ph type="sldNum" sz="quarter" idx="12"/>
+          </p:nvPr>
+        </p:nvSpPr>
+        <p:spPr/>
+        <p:txBody>
+          <a:bodyPr/>
+          <a:lstStyle/>
+          <a:p>
+            <a:fld id="{3A98EE3D-8CD1-4C3F-BD1C-C98C9596463C}" type="slidenum">
+              <a:rPr lang="en-US" smtClean="0"/>
+              <a:t>14</a:t>
+            </a:fld>
             <a:endParaRPr lang="en-US" dirty="0"/>
           </a:p>
         </p:txBody>
@@ -5260,7 +5641,7 @@
       </p:grpSpPr>
       <p:sp>
         <p:nvSpPr>
-          <p:cNvPr id="10" name="Rectangle 9">
+          <p:cNvPr id="23" name="Rectangle 22">
             <a:extLst>
               <a:ext uri="{FF2B5EF4-FFF2-40B4-BE49-F238E27FC236}">
                 <a16:creationId xmlns:a16="http://schemas.microsoft.com/office/drawing/2014/main" id="{39E3965E-AC41-4711-9D10-E25ABB132D86}"/>
@@ -5315,7 +5696,7 @@
       </p:sp>
       <p:cxnSp>
         <p:nvCxnSpPr>
-          <p:cNvPr id="12" name="Straight Connector 11">
+          <p:cNvPr id="25" name="Straight Connector 24">
             <a:extLst>
               <a:ext uri="{FF2B5EF4-FFF2-40B4-BE49-F238E27FC236}">
                 <a16:creationId xmlns:a16="http://schemas.microsoft.com/office/drawing/2014/main" id="{1F5DC8C3-BA5F-4EED-BB9A-A14272BD82A1}"/>
@@ -5370,7 +5751,7 @@
       </p:cxnSp>
       <p:sp useBgFill="1">
         <p:nvSpPr>
-          <p:cNvPr id="14" name="Rectangle 13">
+          <p:cNvPr id="27" name="Rectangle 26">
             <a:extLst>
               <a:ext uri="{FF2B5EF4-FFF2-40B4-BE49-F238E27FC236}">
                 <a16:creationId xmlns:a16="http://schemas.microsoft.com/office/drawing/2014/main" id="{B4D0E555-16F6-44D0-BF56-AF5FF5BDE9D6}"/>
@@ -5430,7 +5811,7 @@
       </p:sp>
       <p:sp>
         <p:nvSpPr>
-          <p:cNvPr id="16" name="Rectangle 15">
+          <p:cNvPr id="29" name="Rectangle 28">
             <a:extLst>
               <a:ext uri="{FF2B5EF4-FFF2-40B4-BE49-F238E27FC236}">
                 <a16:creationId xmlns:a16="http://schemas.microsoft.com/office/drawing/2014/main" id="{8117041D-1A7B-4ECA-AB68-3CFDB6726B8E}"/>
@@ -5502,17 +5883,18 @@
         <p:spPr>
           <a:xfrm>
             <a:off x="435869" y="640080"/>
-            <a:ext cx="3659246" cy="3401831"/>
+            <a:ext cx="3659246" cy="4930726"/>
           </a:xfrm>
         </p:spPr>
         <p:txBody>
           <a:bodyPr vert="horz" lIns="91440" tIns="45720" rIns="91440" bIns="45720" rtlCol="0" anchor="b">
-            <a:normAutofit fontScale="90000"/>
+            <a:normAutofit/>
           </a:bodyPr>
           <a:lstStyle/>
           <a:p>
-            <a:r>
-              <a:rPr lang="en-US" sz="4400" dirty="0">
+            <a:pPr algn="ctr"/>
+            <a:r>
+              <a:rPr lang="en-US" sz="4400" b="1" dirty="0">
                 <a:solidFill>
                   <a:srgbClr val="FFFFFF"/>
                 </a:solidFill>
@@ -5520,32 +5902,24 @@
               <a:t>Truth set of captured images</a:t>
             </a:r>
             <a:br>
-              <a:rPr lang="en-US" sz="4400" dirty="0">
+              <a:rPr lang="en-US" sz="2800" dirty="0">
                 <a:solidFill>
                   <a:srgbClr val="FFFFFF"/>
                 </a:solidFill>
               </a:rPr>
             </a:br>
             <a:r>
-              <a:rPr lang="en-US" sz="3100" dirty="0">
+              <a:rPr lang="en-US" sz="1800" dirty="0">
                 <a:solidFill>
                   <a:srgbClr val="FFFFFF"/>
                 </a:solidFill>
               </a:rPr>
-              <a:t>Available at:</a:t>
-            </a:r>
-            <a:r>
-              <a:rPr lang="en-US" sz="4400" dirty="0">
+              <a:t>Available at: </a:t>
+            </a:r>
+            <a:r>
+              <a:rPr lang="en-US" sz="1800" dirty="0">
                 <a:solidFill>
                   <a:srgbClr val="FFFFFF"/>
-                </a:solidFill>
-              </a:rPr>
-              <a:t> </a:t>
-            </a:r>
-            <a:r>
-              <a:rPr lang="en-US" sz="2000" dirty="0">
-                <a:solidFill>
-                  <a:srgbClr val="FF0000"/>
                 </a:solidFill>
                 <a:hlinkClick r:id="rId2">
                   <a:extLst>
@@ -5558,13 +5932,13 @@
               <a:t>https://github.com/isaki001/PiCamUtils/tree/master/floodDetection</a:t>
             </a:r>
             <a:br>
-              <a:rPr lang="en-US" sz="4400" dirty="0">
+              <a:rPr lang="en-US" sz="2800" dirty="0">
                 <a:solidFill>
                   <a:srgbClr val="FFFFFF"/>
                 </a:solidFill>
               </a:rPr>
             </a:br>
-            <a:endParaRPr lang="en-US" sz="4400" dirty="0">
+            <a:endParaRPr lang="en-US" sz="2800" dirty="0">
               <a:solidFill>
                 <a:srgbClr val="FFFFFF"/>
               </a:solidFill>
@@ -5574,7 +5948,7 @@
       </p:sp>
       <p:cxnSp>
         <p:nvCxnSpPr>
-          <p:cNvPr id="18" name="Straight Connector 17">
+          <p:cNvPr id="31" name="Straight Connector 30">
             <a:extLst>
               <a:ext uri="{FF2B5EF4-FFF2-40B4-BE49-F238E27FC236}">
                 <a16:creationId xmlns:a16="http://schemas.microsoft.com/office/drawing/2014/main" id="{ABCD2462-4C1E-401A-AC2D-F799A138B245}"/>
@@ -5662,6 +6036,157 @@
           </a:prstGeom>
         </p:spPr>
       </p:pic>
+      <p:sp>
+        <p:nvSpPr>
+          <p:cNvPr id="3" name="Date Placeholder 2">
+            <a:extLst>
+              <a:ext uri="{FF2B5EF4-FFF2-40B4-BE49-F238E27FC236}">
+                <a16:creationId xmlns:a16="http://schemas.microsoft.com/office/drawing/2014/main" id="{D4302F3F-2BFD-43C6-BB6F-17D27E3B662F}"/>
+              </a:ext>
+            </a:extLst>
+          </p:cNvPr>
+          <p:cNvSpPr>
+            <a:spLocks noGrp="1"/>
+          </p:cNvSpPr>
+          <p:nvPr>
+            <p:ph type="dt" sz="half" idx="10"/>
+          </p:nvPr>
+        </p:nvSpPr>
+        <p:spPr>
+          <a:xfrm>
+            <a:off x="418408" y="6446838"/>
+            <a:ext cx="3676707" cy="365125"/>
+          </a:xfrm>
+        </p:spPr>
+        <p:txBody>
+          <a:bodyPr vert="horz" lIns="91440" tIns="45720" rIns="91440" bIns="45720" rtlCol="0" anchor="ctr">
+            <a:normAutofit/>
+          </a:bodyPr>
+          <a:lstStyle/>
+          <a:p>
+            <a:pPr algn="l">
+              <a:spcAft>
+                <a:spcPts val="600"/>
+              </a:spcAft>
+            </a:pPr>
+            <a:fld id="{88C2DAAB-0114-4545-BA11-E7BA3FB8574C}" type="datetime4">
+              <a:rPr lang="en-US" sz="900" smtClean="0"/>
+              <a:t>March 12, 2021</a:t>
+            </a:fld>
+            <a:endParaRPr lang="en-US" sz="900"/>
+          </a:p>
+        </p:txBody>
+      </p:sp>
+      <p:sp>
+        <p:nvSpPr>
+          <p:cNvPr id="4" name="Footer Placeholder 3">
+            <a:extLst>
+              <a:ext uri="{FF2B5EF4-FFF2-40B4-BE49-F238E27FC236}">
+                <a16:creationId xmlns:a16="http://schemas.microsoft.com/office/drawing/2014/main" id="{3DBBE9A9-7B67-4E8A-94FE-F166EDA48315}"/>
+              </a:ext>
+            </a:extLst>
+          </p:cNvPr>
+          <p:cNvSpPr>
+            <a:spLocks noGrp="1"/>
+          </p:cNvSpPr>
+          <p:nvPr>
+            <p:ph type="ftr" sz="quarter" idx="11"/>
+          </p:nvPr>
+        </p:nvSpPr>
+        <p:spPr>
+          <a:xfrm>
+            <a:off x="5282335" y="6446838"/>
+            <a:ext cx="5408362" cy="365125"/>
+          </a:xfrm>
+        </p:spPr>
+        <p:txBody>
+          <a:bodyPr vert="horz" lIns="91440" tIns="45720" rIns="91440" bIns="45720" rtlCol="0" anchor="ctr">
+            <a:normAutofit/>
+          </a:bodyPr>
+          <a:lstStyle/>
+          <a:p>
+            <a:pPr>
+              <a:spcAft>
+                <a:spcPts val="600"/>
+              </a:spcAft>
+            </a:pPr>
+            <a:r>
+              <a:rPr lang="en-US" sz="900" kern="1200" cap="all" baseline="0">
+                <a:solidFill>
+                  <a:schemeClr val="tx1">
+                    <a:lumMod val="85000"/>
+                    <a:lumOff val="15000"/>
+                  </a:schemeClr>
+                </a:solidFill>
+                <a:latin typeface="+mn-lt"/>
+                <a:ea typeface="+mn-ea"/>
+                <a:cs typeface="+mn-cs"/>
+              </a:rPr>
+              <a:t>Nauman Siddique, ODU CS </a:t>
+            </a:r>
+          </a:p>
+        </p:txBody>
+      </p:sp>
+      <p:sp>
+        <p:nvSpPr>
+          <p:cNvPr id="6" name="Slide Number Placeholder 5">
+            <a:extLst>
+              <a:ext uri="{FF2B5EF4-FFF2-40B4-BE49-F238E27FC236}">
+                <a16:creationId xmlns:a16="http://schemas.microsoft.com/office/drawing/2014/main" id="{00BD92FA-E808-470F-9767-231596564230}"/>
+              </a:ext>
+            </a:extLst>
+          </p:cNvPr>
+          <p:cNvSpPr>
+            <a:spLocks noGrp="1"/>
+          </p:cNvSpPr>
+          <p:nvPr>
+            <p:ph type="sldNum" sz="quarter" idx="12"/>
+          </p:nvPr>
+        </p:nvSpPr>
+        <p:spPr>
+          <a:xfrm>
+            <a:off x="10993582" y="6446838"/>
+            <a:ext cx="780010" cy="365125"/>
+          </a:xfrm>
+        </p:spPr>
+        <p:txBody>
+          <a:bodyPr vert="horz" lIns="91440" tIns="45720" rIns="91440" bIns="45720" rtlCol="0" anchor="ctr">
+            <a:normAutofit/>
+          </a:bodyPr>
+          <a:lstStyle/>
+          <a:p>
+            <a:pPr>
+              <a:spcAft>
+                <a:spcPts val="600"/>
+              </a:spcAft>
+            </a:pPr>
+            <a:fld id="{3A98EE3D-8CD1-4C3F-BD1C-C98C9596463C}" type="slidenum">
+              <a:rPr lang="en-US" sz="1050">
+                <a:solidFill>
+                  <a:schemeClr val="tx1">
+                    <a:lumMod val="85000"/>
+                    <a:lumOff val="15000"/>
+                  </a:schemeClr>
+                </a:solidFill>
+              </a:rPr>
+              <a:pPr>
+                <a:spcAft>
+                  <a:spcPts val="600"/>
+                </a:spcAft>
+              </a:pPr>
+              <a:t>15</a:t>
+            </a:fld>
+            <a:endParaRPr lang="en-US" sz="1050">
+              <a:solidFill>
+                <a:schemeClr val="tx1">
+                  <a:lumMod val="85000"/>
+                  <a:lumOff val="15000"/>
+                </a:schemeClr>
+              </a:solidFill>
+            </a:endParaRPr>
+          </a:p>
+        </p:txBody>
+      </p:sp>
     </p:spTree>
     <p:extLst>
       <p:ext uri="{BB962C8B-B14F-4D97-AF65-F5344CB8AC3E}">
@@ -5962,6 +6487,93 @@
           </a:p>
         </p:txBody>
       </p:sp>
+      <p:sp>
+        <p:nvSpPr>
+          <p:cNvPr id="3" name="Date Placeholder 2">
+            <a:extLst>
+              <a:ext uri="{FF2B5EF4-FFF2-40B4-BE49-F238E27FC236}">
+                <a16:creationId xmlns:a16="http://schemas.microsoft.com/office/drawing/2014/main" id="{99FA00F1-F78A-48DA-88F8-F679BB8910B6}"/>
+              </a:ext>
+            </a:extLst>
+          </p:cNvPr>
+          <p:cNvSpPr>
+            <a:spLocks noGrp="1"/>
+          </p:cNvSpPr>
+          <p:nvPr>
+            <p:ph type="dt" sz="half" idx="10"/>
+          </p:nvPr>
+        </p:nvSpPr>
+        <p:spPr/>
+        <p:txBody>
+          <a:bodyPr/>
+          <a:lstStyle/>
+          <a:p>
+            <a:fld id="{3C2B26A6-6B2A-4ED2-B0B9-6DA6D48E2604}" type="datetime4">
+              <a:rPr lang="en-US" smtClean="0"/>
+              <a:t>March 12, 2021</a:t>
+            </a:fld>
+            <a:endParaRPr lang="en-US" dirty="0"/>
+          </a:p>
+        </p:txBody>
+      </p:sp>
+      <p:sp>
+        <p:nvSpPr>
+          <p:cNvPr id="4" name="Footer Placeholder 3">
+            <a:extLst>
+              <a:ext uri="{FF2B5EF4-FFF2-40B4-BE49-F238E27FC236}">
+                <a16:creationId xmlns:a16="http://schemas.microsoft.com/office/drawing/2014/main" id="{12B793F5-AB67-41AA-A756-AB4E79BF418D}"/>
+              </a:ext>
+            </a:extLst>
+          </p:cNvPr>
+          <p:cNvSpPr>
+            <a:spLocks noGrp="1"/>
+          </p:cNvSpPr>
+          <p:nvPr>
+            <p:ph type="ftr" sz="quarter" idx="11"/>
+          </p:nvPr>
+        </p:nvSpPr>
+        <p:spPr/>
+        <p:txBody>
+          <a:bodyPr/>
+          <a:lstStyle/>
+          <a:p>
+            <a:r>
+              <a:rPr lang="en-US"/>
+              <a:t>Nauman Siddique, ODU CS </a:t>
+            </a:r>
+            <a:endParaRPr lang="en-US" dirty="0"/>
+          </a:p>
+        </p:txBody>
+      </p:sp>
+      <p:sp>
+        <p:nvSpPr>
+          <p:cNvPr id="6" name="Slide Number Placeholder 5">
+            <a:extLst>
+              <a:ext uri="{FF2B5EF4-FFF2-40B4-BE49-F238E27FC236}">
+                <a16:creationId xmlns:a16="http://schemas.microsoft.com/office/drawing/2014/main" id="{BED0F685-C819-4FA2-9E3B-2C69C806049D}"/>
+              </a:ext>
+            </a:extLst>
+          </p:cNvPr>
+          <p:cNvSpPr>
+            <a:spLocks noGrp="1"/>
+          </p:cNvSpPr>
+          <p:nvPr>
+            <p:ph type="sldNum" sz="quarter" idx="12"/>
+          </p:nvPr>
+        </p:nvSpPr>
+        <p:spPr/>
+        <p:txBody>
+          <a:bodyPr/>
+          <a:lstStyle/>
+          <a:p>
+            <a:fld id="{3A98EE3D-8CD1-4C3F-BD1C-C98C9596463C}" type="slidenum">
+              <a:rPr lang="en-US" smtClean="0"/>
+              <a:t>16</a:t>
+            </a:fld>
+            <a:endParaRPr lang="en-US" dirty="0"/>
+          </a:p>
+        </p:txBody>
+      </p:sp>
     </p:spTree>
     <p:extLst>
       <p:ext uri="{BB962C8B-B14F-4D97-AF65-F5344CB8AC3E}">
@@ -6055,6 +6667,93 @@
           </a:xfrm>
         </p:spPr>
       </p:pic>
+      <p:sp>
+        <p:nvSpPr>
+          <p:cNvPr id="3" name="Date Placeholder 2">
+            <a:extLst>
+              <a:ext uri="{FF2B5EF4-FFF2-40B4-BE49-F238E27FC236}">
+                <a16:creationId xmlns:a16="http://schemas.microsoft.com/office/drawing/2014/main" id="{38544724-065F-4F41-B382-A382CA4E272B}"/>
+              </a:ext>
+            </a:extLst>
+          </p:cNvPr>
+          <p:cNvSpPr>
+            <a:spLocks noGrp="1"/>
+          </p:cNvSpPr>
+          <p:nvPr>
+            <p:ph type="dt" sz="half" idx="10"/>
+          </p:nvPr>
+        </p:nvSpPr>
+        <p:spPr/>
+        <p:txBody>
+          <a:bodyPr/>
+          <a:lstStyle/>
+          <a:p>
+            <a:fld id="{4243D434-128A-4C48-A91A-5F2061DB709F}" type="datetime4">
+              <a:rPr lang="en-US" smtClean="0"/>
+              <a:t>March 12, 2021</a:t>
+            </a:fld>
+            <a:endParaRPr lang="en-US" dirty="0"/>
+          </a:p>
+        </p:txBody>
+      </p:sp>
+      <p:sp>
+        <p:nvSpPr>
+          <p:cNvPr id="4" name="Footer Placeholder 3">
+            <a:extLst>
+              <a:ext uri="{FF2B5EF4-FFF2-40B4-BE49-F238E27FC236}">
+                <a16:creationId xmlns:a16="http://schemas.microsoft.com/office/drawing/2014/main" id="{AF24B609-4500-46E6-9F5D-C61F34EE5A3D}"/>
+              </a:ext>
+            </a:extLst>
+          </p:cNvPr>
+          <p:cNvSpPr>
+            <a:spLocks noGrp="1"/>
+          </p:cNvSpPr>
+          <p:nvPr>
+            <p:ph type="ftr" sz="quarter" idx="11"/>
+          </p:nvPr>
+        </p:nvSpPr>
+        <p:spPr/>
+        <p:txBody>
+          <a:bodyPr/>
+          <a:lstStyle/>
+          <a:p>
+            <a:r>
+              <a:rPr lang="en-US"/>
+              <a:t>Nauman Siddique, ODU CS </a:t>
+            </a:r>
+            <a:endParaRPr lang="en-US" dirty="0"/>
+          </a:p>
+        </p:txBody>
+      </p:sp>
+      <p:sp>
+        <p:nvSpPr>
+          <p:cNvPr id="6" name="Slide Number Placeholder 5">
+            <a:extLst>
+              <a:ext uri="{FF2B5EF4-FFF2-40B4-BE49-F238E27FC236}">
+                <a16:creationId xmlns:a16="http://schemas.microsoft.com/office/drawing/2014/main" id="{C7C287C8-3B37-4BC5-A534-4854ADD80A76}"/>
+              </a:ext>
+            </a:extLst>
+          </p:cNvPr>
+          <p:cNvSpPr>
+            <a:spLocks noGrp="1"/>
+          </p:cNvSpPr>
+          <p:nvPr>
+            <p:ph type="sldNum" sz="quarter" idx="12"/>
+          </p:nvPr>
+        </p:nvSpPr>
+        <p:spPr/>
+        <p:txBody>
+          <a:bodyPr/>
+          <a:lstStyle/>
+          <a:p>
+            <a:fld id="{3A98EE3D-8CD1-4C3F-BD1C-C98C9596463C}" type="slidenum">
+              <a:rPr lang="en-US" smtClean="0"/>
+              <a:t>17</a:t>
+            </a:fld>
+            <a:endParaRPr lang="en-US" dirty="0"/>
+          </a:p>
+        </p:txBody>
+      </p:sp>
     </p:spTree>
     <p:extLst>
       <p:ext uri="{BB962C8B-B14F-4D97-AF65-F5344CB8AC3E}">
@@ -6574,6 +7273,93 @@
           </a:p>
         </p:txBody>
       </p:sp>
+      <p:sp>
+        <p:nvSpPr>
+          <p:cNvPr id="3" name="Date Placeholder 2">
+            <a:extLst>
+              <a:ext uri="{FF2B5EF4-FFF2-40B4-BE49-F238E27FC236}">
+                <a16:creationId xmlns:a16="http://schemas.microsoft.com/office/drawing/2014/main" id="{D6DD3335-49C6-4D7F-8144-E7F82E08BC30}"/>
+              </a:ext>
+            </a:extLst>
+          </p:cNvPr>
+          <p:cNvSpPr>
+            <a:spLocks noGrp="1"/>
+          </p:cNvSpPr>
+          <p:nvPr>
+            <p:ph type="dt" sz="half" idx="10"/>
+          </p:nvPr>
+        </p:nvSpPr>
+        <p:spPr/>
+        <p:txBody>
+          <a:bodyPr/>
+          <a:lstStyle/>
+          <a:p>
+            <a:fld id="{6C06FF7D-E2A0-4E5A-B8A4-823573DA997A}" type="datetime4">
+              <a:rPr lang="en-US" smtClean="0"/>
+              <a:t>March 12, 2021</a:t>
+            </a:fld>
+            <a:endParaRPr lang="en-US" dirty="0"/>
+          </a:p>
+        </p:txBody>
+      </p:sp>
+      <p:sp>
+        <p:nvSpPr>
+          <p:cNvPr id="4" name="Footer Placeholder 3">
+            <a:extLst>
+              <a:ext uri="{FF2B5EF4-FFF2-40B4-BE49-F238E27FC236}">
+                <a16:creationId xmlns:a16="http://schemas.microsoft.com/office/drawing/2014/main" id="{4C45F4A4-19C1-4377-9025-ACAC015795D3}"/>
+              </a:ext>
+            </a:extLst>
+          </p:cNvPr>
+          <p:cNvSpPr>
+            <a:spLocks noGrp="1"/>
+          </p:cNvSpPr>
+          <p:nvPr>
+            <p:ph type="ftr" sz="quarter" idx="11"/>
+          </p:nvPr>
+        </p:nvSpPr>
+        <p:spPr/>
+        <p:txBody>
+          <a:bodyPr/>
+          <a:lstStyle/>
+          <a:p>
+            <a:r>
+              <a:rPr lang="en-US"/>
+              <a:t>Nauman Siddique, ODU CS </a:t>
+            </a:r>
+            <a:endParaRPr lang="en-US" dirty="0"/>
+          </a:p>
+        </p:txBody>
+      </p:sp>
+      <p:sp>
+        <p:nvSpPr>
+          <p:cNvPr id="6" name="Slide Number Placeholder 5">
+            <a:extLst>
+              <a:ext uri="{FF2B5EF4-FFF2-40B4-BE49-F238E27FC236}">
+                <a16:creationId xmlns:a16="http://schemas.microsoft.com/office/drawing/2014/main" id="{5F445614-0B37-416F-AB9B-614B2F04C86A}"/>
+              </a:ext>
+            </a:extLst>
+          </p:cNvPr>
+          <p:cNvSpPr>
+            <a:spLocks noGrp="1"/>
+          </p:cNvSpPr>
+          <p:nvPr>
+            <p:ph type="sldNum" sz="quarter" idx="12"/>
+          </p:nvPr>
+        </p:nvSpPr>
+        <p:spPr/>
+        <p:txBody>
+          <a:bodyPr/>
+          <a:lstStyle/>
+          <a:p>
+            <a:fld id="{3A98EE3D-8CD1-4C3F-BD1C-C98C9596463C}" type="slidenum">
+              <a:rPr lang="en-US" smtClean="0"/>
+              <a:t>18</a:t>
+            </a:fld>
+            <a:endParaRPr lang="en-US" dirty="0"/>
+          </a:p>
+        </p:txBody>
+      </p:sp>
     </p:spTree>
     <p:extLst>
       <p:ext uri="{BB962C8B-B14F-4D97-AF65-F5344CB8AC3E}">
@@ -6793,6 +7579,93 @@
           </a:p>
         </p:txBody>
       </p:sp>
+      <p:sp>
+        <p:nvSpPr>
+          <p:cNvPr id="4" name="Date Placeholder 3">
+            <a:extLst>
+              <a:ext uri="{FF2B5EF4-FFF2-40B4-BE49-F238E27FC236}">
+                <a16:creationId xmlns:a16="http://schemas.microsoft.com/office/drawing/2014/main" id="{240F1E88-1046-491F-A0C4-6F253BA5EBC8}"/>
+              </a:ext>
+            </a:extLst>
+          </p:cNvPr>
+          <p:cNvSpPr>
+            <a:spLocks noGrp="1"/>
+          </p:cNvSpPr>
+          <p:nvPr>
+            <p:ph type="dt" sz="half" idx="10"/>
+          </p:nvPr>
+        </p:nvSpPr>
+        <p:spPr/>
+        <p:txBody>
+          <a:bodyPr/>
+          <a:lstStyle/>
+          <a:p>
+            <a:fld id="{B5E5BA2D-77EA-4804-9506-AF3D968F4BCF}" type="datetime4">
+              <a:rPr lang="en-US" smtClean="0"/>
+              <a:t>March 12, 2021</a:t>
+            </a:fld>
+            <a:endParaRPr lang="en-US" dirty="0"/>
+          </a:p>
+        </p:txBody>
+      </p:sp>
+      <p:sp>
+        <p:nvSpPr>
+          <p:cNvPr id="5" name="Footer Placeholder 4">
+            <a:extLst>
+              <a:ext uri="{FF2B5EF4-FFF2-40B4-BE49-F238E27FC236}">
+                <a16:creationId xmlns:a16="http://schemas.microsoft.com/office/drawing/2014/main" id="{6EE6CD31-B48E-4A85-858B-C36F08E2C672}"/>
+              </a:ext>
+            </a:extLst>
+          </p:cNvPr>
+          <p:cNvSpPr>
+            <a:spLocks noGrp="1"/>
+          </p:cNvSpPr>
+          <p:nvPr>
+            <p:ph type="ftr" sz="quarter" idx="11"/>
+          </p:nvPr>
+        </p:nvSpPr>
+        <p:spPr/>
+        <p:txBody>
+          <a:bodyPr/>
+          <a:lstStyle/>
+          <a:p>
+            <a:r>
+              <a:rPr lang="en-US"/>
+              <a:t>Nauman Siddique, ODU CS </a:t>
+            </a:r>
+            <a:endParaRPr lang="en-US" dirty="0"/>
+          </a:p>
+        </p:txBody>
+      </p:sp>
+      <p:sp>
+        <p:nvSpPr>
+          <p:cNvPr id="6" name="Slide Number Placeholder 5">
+            <a:extLst>
+              <a:ext uri="{FF2B5EF4-FFF2-40B4-BE49-F238E27FC236}">
+                <a16:creationId xmlns:a16="http://schemas.microsoft.com/office/drawing/2014/main" id="{19BEBA11-C4F8-464C-8D7B-1EDAF2401F09}"/>
+              </a:ext>
+            </a:extLst>
+          </p:cNvPr>
+          <p:cNvSpPr>
+            <a:spLocks noGrp="1"/>
+          </p:cNvSpPr>
+          <p:nvPr>
+            <p:ph type="sldNum" sz="quarter" idx="12"/>
+          </p:nvPr>
+        </p:nvSpPr>
+        <p:spPr/>
+        <p:txBody>
+          <a:bodyPr/>
+          <a:lstStyle/>
+          <a:p>
+            <a:fld id="{3A98EE3D-8CD1-4C3F-BD1C-C98C9596463C}" type="slidenum">
+              <a:rPr lang="en-US" smtClean="0"/>
+              <a:t>19</a:t>
+            </a:fld>
+            <a:endParaRPr lang="en-US" dirty="0"/>
+          </a:p>
+        </p:txBody>
+      </p:sp>
     </p:spTree>
     <p:extLst>
       <p:ext uri="{BB962C8B-B14F-4D97-AF65-F5344CB8AC3E}">
@@ -6896,6 +7769,93 @@
               <a:buFont typeface="+mj-lt"/>
               <a:buAutoNum type="arabicPeriod"/>
             </a:pPr>
+            <a:endParaRPr lang="en-US" dirty="0"/>
+          </a:p>
+        </p:txBody>
+      </p:sp>
+      <p:sp>
+        <p:nvSpPr>
+          <p:cNvPr id="4" name="Date Placeholder 3">
+            <a:extLst>
+              <a:ext uri="{FF2B5EF4-FFF2-40B4-BE49-F238E27FC236}">
+                <a16:creationId xmlns:a16="http://schemas.microsoft.com/office/drawing/2014/main" id="{6616EC3C-0783-4295-9A79-2E93D23370D0}"/>
+              </a:ext>
+            </a:extLst>
+          </p:cNvPr>
+          <p:cNvSpPr>
+            <a:spLocks noGrp="1"/>
+          </p:cNvSpPr>
+          <p:nvPr>
+            <p:ph type="dt" sz="half" idx="10"/>
+          </p:nvPr>
+        </p:nvSpPr>
+        <p:spPr/>
+        <p:txBody>
+          <a:bodyPr/>
+          <a:lstStyle/>
+          <a:p>
+            <a:fld id="{CDC5F26D-42F0-4C68-8D89-A8E5049F23F4}" type="datetime4">
+              <a:rPr lang="en-US" smtClean="0"/>
+              <a:t>March 12, 2021</a:t>
+            </a:fld>
+            <a:endParaRPr lang="en-US" dirty="0"/>
+          </a:p>
+        </p:txBody>
+      </p:sp>
+      <p:sp>
+        <p:nvSpPr>
+          <p:cNvPr id="5" name="Footer Placeholder 4">
+            <a:extLst>
+              <a:ext uri="{FF2B5EF4-FFF2-40B4-BE49-F238E27FC236}">
+                <a16:creationId xmlns:a16="http://schemas.microsoft.com/office/drawing/2014/main" id="{8228B878-96FA-47D6-9D93-08CD3472ECEA}"/>
+              </a:ext>
+            </a:extLst>
+          </p:cNvPr>
+          <p:cNvSpPr>
+            <a:spLocks noGrp="1"/>
+          </p:cNvSpPr>
+          <p:nvPr>
+            <p:ph type="ftr" sz="quarter" idx="11"/>
+          </p:nvPr>
+        </p:nvSpPr>
+        <p:spPr/>
+        <p:txBody>
+          <a:bodyPr/>
+          <a:lstStyle/>
+          <a:p>
+            <a:r>
+              <a:rPr lang="en-US"/>
+              <a:t>Nauman Siddique, ODU CS </a:t>
+            </a:r>
+            <a:endParaRPr lang="en-US" dirty="0"/>
+          </a:p>
+        </p:txBody>
+      </p:sp>
+      <p:sp>
+        <p:nvSpPr>
+          <p:cNvPr id="6" name="Slide Number Placeholder 5">
+            <a:extLst>
+              <a:ext uri="{FF2B5EF4-FFF2-40B4-BE49-F238E27FC236}">
+                <a16:creationId xmlns:a16="http://schemas.microsoft.com/office/drawing/2014/main" id="{D9C6E080-FDF8-48CD-A218-9D77C707C014}"/>
+              </a:ext>
+            </a:extLst>
+          </p:cNvPr>
+          <p:cNvSpPr>
+            <a:spLocks noGrp="1"/>
+          </p:cNvSpPr>
+          <p:nvPr>
+            <p:ph type="sldNum" sz="quarter" idx="12"/>
+          </p:nvPr>
+        </p:nvSpPr>
+        <p:spPr/>
+        <p:txBody>
+          <a:bodyPr/>
+          <a:lstStyle/>
+          <a:p>
+            <a:fld id="{3A98EE3D-8CD1-4C3F-BD1C-C98C9596463C}" type="slidenum">
+              <a:rPr lang="en-US" smtClean="0"/>
+              <a:t>2</a:t>
+            </a:fld>
             <a:endParaRPr lang="en-US" dirty="0"/>
           </a:p>
         </p:txBody>
@@ -7510,6 +8470,93 @@
           </a:p>
         </p:txBody>
       </p:sp>
+      <p:sp>
+        <p:nvSpPr>
+          <p:cNvPr id="3" name="Date Placeholder 2">
+            <a:extLst>
+              <a:ext uri="{FF2B5EF4-FFF2-40B4-BE49-F238E27FC236}">
+                <a16:creationId xmlns:a16="http://schemas.microsoft.com/office/drawing/2014/main" id="{0EE0FF06-C873-4A57-BB6B-9EA1EFA912E8}"/>
+              </a:ext>
+            </a:extLst>
+          </p:cNvPr>
+          <p:cNvSpPr>
+            <a:spLocks noGrp="1"/>
+          </p:cNvSpPr>
+          <p:nvPr>
+            <p:ph type="dt" sz="half" idx="10"/>
+          </p:nvPr>
+        </p:nvSpPr>
+        <p:spPr/>
+        <p:txBody>
+          <a:bodyPr/>
+          <a:lstStyle/>
+          <a:p>
+            <a:fld id="{C6C30C88-D2E2-41E3-AEE4-2DDDF2F70E4C}" type="datetime4">
+              <a:rPr lang="en-US" smtClean="0"/>
+              <a:t>March 12, 2021</a:t>
+            </a:fld>
+            <a:endParaRPr lang="en-US" dirty="0"/>
+          </a:p>
+        </p:txBody>
+      </p:sp>
+      <p:sp>
+        <p:nvSpPr>
+          <p:cNvPr id="4" name="Footer Placeholder 3">
+            <a:extLst>
+              <a:ext uri="{FF2B5EF4-FFF2-40B4-BE49-F238E27FC236}">
+                <a16:creationId xmlns:a16="http://schemas.microsoft.com/office/drawing/2014/main" id="{AD321BD7-7F90-486E-9893-7CB1C3DFE892}"/>
+              </a:ext>
+            </a:extLst>
+          </p:cNvPr>
+          <p:cNvSpPr>
+            <a:spLocks noGrp="1"/>
+          </p:cNvSpPr>
+          <p:nvPr>
+            <p:ph type="ftr" sz="quarter" idx="11"/>
+          </p:nvPr>
+        </p:nvSpPr>
+        <p:spPr/>
+        <p:txBody>
+          <a:bodyPr/>
+          <a:lstStyle/>
+          <a:p>
+            <a:r>
+              <a:rPr lang="en-US"/>
+              <a:t>Nauman Siddique, ODU CS </a:t>
+            </a:r>
+            <a:endParaRPr lang="en-US" dirty="0"/>
+          </a:p>
+        </p:txBody>
+      </p:sp>
+      <p:sp>
+        <p:nvSpPr>
+          <p:cNvPr id="5" name="Slide Number Placeholder 4">
+            <a:extLst>
+              <a:ext uri="{FF2B5EF4-FFF2-40B4-BE49-F238E27FC236}">
+                <a16:creationId xmlns:a16="http://schemas.microsoft.com/office/drawing/2014/main" id="{8A4F7710-F33B-440F-BD08-16FA33D6C7E8}"/>
+              </a:ext>
+            </a:extLst>
+          </p:cNvPr>
+          <p:cNvSpPr>
+            <a:spLocks noGrp="1"/>
+          </p:cNvSpPr>
+          <p:nvPr>
+            <p:ph type="sldNum" sz="quarter" idx="12"/>
+          </p:nvPr>
+        </p:nvSpPr>
+        <p:spPr/>
+        <p:txBody>
+          <a:bodyPr/>
+          <a:lstStyle/>
+          <a:p>
+            <a:fld id="{3A98EE3D-8CD1-4C3F-BD1C-C98C9596463C}" type="slidenum">
+              <a:rPr lang="en-US" smtClean="0"/>
+              <a:t>20</a:t>
+            </a:fld>
+            <a:endParaRPr lang="en-US" dirty="0"/>
+          </a:p>
+        </p:txBody>
+      </p:sp>
     </p:spTree>
     <p:extLst>
       <p:ext uri="{BB962C8B-B14F-4D97-AF65-F5344CB8AC3E}">
@@ -7731,6 +8778,93 @@
             <a:endParaRPr lang="en-US" dirty="0"/>
           </a:p>
           <a:p>
+            <a:endParaRPr lang="en-US" dirty="0"/>
+          </a:p>
+        </p:txBody>
+      </p:sp>
+      <p:sp>
+        <p:nvSpPr>
+          <p:cNvPr id="4" name="Date Placeholder 3">
+            <a:extLst>
+              <a:ext uri="{FF2B5EF4-FFF2-40B4-BE49-F238E27FC236}">
+                <a16:creationId xmlns:a16="http://schemas.microsoft.com/office/drawing/2014/main" id="{D19B7227-630B-4496-9C6D-13C552A9DFA0}"/>
+              </a:ext>
+            </a:extLst>
+          </p:cNvPr>
+          <p:cNvSpPr>
+            <a:spLocks noGrp="1"/>
+          </p:cNvSpPr>
+          <p:nvPr>
+            <p:ph type="dt" sz="half" idx="10"/>
+          </p:nvPr>
+        </p:nvSpPr>
+        <p:spPr/>
+        <p:txBody>
+          <a:bodyPr/>
+          <a:lstStyle/>
+          <a:p>
+            <a:fld id="{84D914A3-A767-4AD6-930F-33540566B16A}" type="datetime4">
+              <a:rPr lang="en-US" smtClean="0"/>
+              <a:t>March 12, 2021</a:t>
+            </a:fld>
+            <a:endParaRPr lang="en-US" dirty="0"/>
+          </a:p>
+        </p:txBody>
+      </p:sp>
+      <p:sp>
+        <p:nvSpPr>
+          <p:cNvPr id="5" name="Footer Placeholder 4">
+            <a:extLst>
+              <a:ext uri="{FF2B5EF4-FFF2-40B4-BE49-F238E27FC236}">
+                <a16:creationId xmlns:a16="http://schemas.microsoft.com/office/drawing/2014/main" id="{1AB7FBAE-9A10-4912-A0CB-6D11B933A80B}"/>
+              </a:ext>
+            </a:extLst>
+          </p:cNvPr>
+          <p:cNvSpPr>
+            <a:spLocks noGrp="1"/>
+          </p:cNvSpPr>
+          <p:nvPr>
+            <p:ph type="ftr" sz="quarter" idx="11"/>
+          </p:nvPr>
+        </p:nvSpPr>
+        <p:spPr/>
+        <p:txBody>
+          <a:bodyPr/>
+          <a:lstStyle/>
+          <a:p>
+            <a:r>
+              <a:rPr lang="en-US"/>
+              <a:t>Nauman Siddique, ODU CS </a:t>
+            </a:r>
+            <a:endParaRPr lang="en-US" dirty="0"/>
+          </a:p>
+        </p:txBody>
+      </p:sp>
+      <p:sp>
+        <p:nvSpPr>
+          <p:cNvPr id="6" name="Slide Number Placeholder 5">
+            <a:extLst>
+              <a:ext uri="{FF2B5EF4-FFF2-40B4-BE49-F238E27FC236}">
+                <a16:creationId xmlns:a16="http://schemas.microsoft.com/office/drawing/2014/main" id="{A3AEB3E8-D7A3-4820-97FD-446B87281CA7}"/>
+              </a:ext>
+            </a:extLst>
+          </p:cNvPr>
+          <p:cNvSpPr>
+            <a:spLocks noGrp="1"/>
+          </p:cNvSpPr>
+          <p:nvPr>
+            <p:ph type="sldNum" sz="quarter" idx="12"/>
+          </p:nvPr>
+        </p:nvSpPr>
+        <p:spPr/>
+        <p:txBody>
+          <a:bodyPr/>
+          <a:lstStyle/>
+          <a:p>
+            <a:fld id="{3A98EE3D-8CD1-4C3F-BD1C-C98C9596463C}" type="slidenum">
+              <a:rPr lang="en-US" smtClean="0"/>
+              <a:t>21</a:t>
+            </a:fld>
             <a:endParaRPr lang="en-US" dirty="0"/>
           </a:p>
         </p:txBody>
@@ -8396,6 +9530,93 @@
           </a:graphicData>
         </a:graphic>
       </p:graphicFrame>
+      <p:sp>
+        <p:nvSpPr>
+          <p:cNvPr id="3" name="Date Placeholder 2">
+            <a:extLst>
+              <a:ext uri="{FF2B5EF4-FFF2-40B4-BE49-F238E27FC236}">
+                <a16:creationId xmlns:a16="http://schemas.microsoft.com/office/drawing/2014/main" id="{9355225B-7B0B-4960-873C-5CC8D217CEF7}"/>
+              </a:ext>
+            </a:extLst>
+          </p:cNvPr>
+          <p:cNvSpPr>
+            <a:spLocks noGrp="1"/>
+          </p:cNvSpPr>
+          <p:nvPr>
+            <p:ph type="dt" sz="half" idx="10"/>
+          </p:nvPr>
+        </p:nvSpPr>
+        <p:spPr/>
+        <p:txBody>
+          <a:bodyPr/>
+          <a:lstStyle/>
+          <a:p>
+            <a:fld id="{30F6E246-C9DC-498A-8FF8-A0F2ED481C4D}" type="datetime4">
+              <a:rPr lang="en-US" smtClean="0"/>
+              <a:t>March 12, 2021</a:t>
+            </a:fld>
+            <a:endParaRPr lang="en-US" dirty="0"/>
+          </a:p>
+        </p:txBody>
+      </p:sp>
+      <p:sp>
+        <p:nvSpPr>
+          <p:cNvPr id="5" name="Footer Placeholder 4">
+            <a:extLst>
+              <a:ext uri="{FF2B5EF4-FFF2-40B4-BE49-F238E27FC236}">
+                <a16:creationId xmlns:a16="http://schemas.microsoft.com/office/drawing/2014/main" id="{69006D8F-C975-44EC-95A1-A1AAFFDFCC64}"/>
+              </a:ext>
+            </a:extLst>
+          </p:cNvPr>
+          <p:cNvSpPr>
+            <a:spLocks noGrp="1"/>
+          </p:cNvSpPr>
+          <p:nvPr>
+            <p:ph type="ftr" sz="quarter" idx="11"/>
+          </p:nvPr>
+        </p:nvSpPr>
+        <p:spPr/>
+        <p:txBody>
+          <a:bodyPr/>
+          <a:lstStyle/>
+          <a:p>
+            <a:r>
+              <a:rPr lang="en-US"/>
+              <a:t>Nauman Siddique, ODU CS </a:t>
+            </a:r>
+            <a:endParaRPr lang="en-US" dirty="0"/>
+          </a:p>
+        </p:txBody>
+      </p:sp>
+      <p:sp>
+        <p:nvSpPr>
+          <p:cNvPr id="6" name="Slide Number Placeholder 5">
+            <a:extLst>
+              <a:ext uri="{FF2B5EF4-FFF2-40B4-BE49-F238E27FC236}">
+                <a16:creationId xmlns:a16="http://schemas.microsoft.com/office/drawing/2014/main" id="{86EBFDD8-CA28-44C2-B6B1-55AA14BBBC18}"/>
+              </a:ext>
+            </a:extLst>
+          </p:cNvPr>
+          <p:cNvSpPr>
+            <a:spLocks noGrp="1"/>
+          </p:cNvSpPr>
+          <p:nvPr>
+            <p:ph type="sldNum" sz="quarter" idx="12"/>
+          </p:nvPr>
+        </p:nvSpPr>
+        <p:spPr/>
+        <p:txBody>
+          <a:bodyPr/>
+          <a:lstStyle/>
+          <a:p>
+            <a:fld id="{3A98EE3D-8CD1-4C3F-BD1C-C98C9596463C}" type="slidenum">
+              <a:rPr lang="en-US" smtClean="0"/>
+              <a:t>22</a:t>
+            </a:fld>
+            <a:endParaRPr lang="en-US" dirty="0"/>
+          </a:p>
+        </p:txBody>
+      </p:sp>
     </p:spTree>
     <p:extLst>
       <p:ext uri="{BB962C8B-B14F-4D97-AF65-F5344CB8AC3E}">
@@ -8526,6 +9747,93 @@
           </a:prstGeom>
         </p:spPr>
       </p:pic>
+      <p:sp>
+        <p:nvSpPr>
+          <p:cNvPr id="4" name="Date Placeholder 3">
+            <a:extLst>
+              <a:ext uri="{FF2B5EF4-FFF2-40B4-BE49-F238E27FC236}">
+                <a16:creationId xmlns:a16="http://schemas.microsoft.com/office/drawing/2014/main" id="{D1334B0A-93C6-46B3-B0BD-8DC0A24390C1}"/>
+              </a:ext>
+            </a:extLst>
+          </p:cNvPr>
+          <p:cNvSpPr>
+            <a:spLocks noGrp="1"/>
+          </p:cNvSpPr>
+          <p:nvPr>
+            <p:ph type="dt" sz="half" idx="10"/>
+          </p:nvPr>
+        </p:nvSpPr>
+        <p:spPr/>
+        <p:txBody>
+          <a:bodyPr/>
+          <a:lstStyle/>
+          <a:p>
+            <a:fld id="{4B8861A9-AC31-41C5-B547-28E28116B403}" type="datetime4">
+              <a:rPr lang="en-US" smtClean="0"/>
+              <a:t>March 12, 2021</a:t>
+            </a:fld>
+            <a:endParaRPr lang="en-US" dirty="0"/>
+          </a:p>
+        </p:txBody>
+      </p:sp>
+      <p:sp>
+        <p:nvSpPr>
+          <p:cNvPr id="5" name="Footer Placeholder 4">
+            <a:extLst>
+              <a:ext uri="{FF2B5EF4-FFF2-40B4-BE49-F238E27FC236}">
+                <a16:creationId xmlns:a16="http://schemas.microsoft.com/office/drawing/2014/main" id="{6E7F8B79-6556-4457-B573-06B77F6BC94B}"/>
+              </a:ext>
+            </a:extLst>
+          </p:cNvPr>
+          <p:cNvSpPr>
+            <a:spLocks noGrp="1"/>
+          </p:cNvSpPr>
+          <p:nvPr>
+            <p:ph type="ftr" sz="quarter" idx="11"/>
+          </p:nvPr>
+        </p:nvSpPr>
+        <p:spPr/>
+        <p:txBody>
+          <a:bodyPr/>
+          <a:lstStyle/>
+          <a:p>
+            <a:r>
+              <a:rPr lang="en-US"/>
+              <a:t>Nauman Siddique, ODU CS </a:t>
+            </a:r>
+            <a:endParaRPr lang="en-US" dirty="0"/>
+          </a:p>
+        </p:txBody>
+      </p:sp>
+      <p:sp>
+        <p:nvSpPr>
+          <p:cNvPr id="6" name="Slide Number Placeholder 5">
+            <a:extLst>
+              <a:ext uri="{FF2B5EF4-FFF2-40B4-BE49-F238E27FC236}">
+                <a16:creationId xmlns:a16="http://schemas.microsoft.com/office/drawing/2014/main" id="{720FF673-F4E8-43DD-B5A5-0931794ABA56}"/>
+              </a:ext>
+            </a:extLst>
+          </p:cNvPr>
+          <p:cNvSpPr>
+            <a:spLocks noGrp="1"/>
+          </p:cNvSpPr>
+          <p:nvPr>
+            <p:ph type="sldNum" sz="quarter" idx="12"/>
+          </p:nvPr>
+        </p:nvSpPr>
+        <p:spPr/>
+        <p:txBody>
+          <a:bodyPr/>
+          <a:lstStyle/>
+          <a:p>
+            <a:fld id="{3A98EE3D-8CD1-4C3F-BD1C-C98C9596463C}" type="slidenum">
+              <a:rPr lang="en-US" smtClean="0"/>
+              <a:t>23</a:t>
+            </a:fld>
+            <a:endParaRPr lang="en-US" dirty="0"/>
+          </a:p>
+        </p:txBody>
+      </p:sp>
     </p:spTree>
     <p:extLst>
       <p:ext uri="{BB962C8B-B14F-4D97-AF65-F5344CB8AC3E}">
@@ -8725,6 +10033,93 @@
           </a:p>
         </p:txBody>
       </p:sp>
+      <p:sp>
+        <p:nvSpPr>
+          <p:cNvPr id="4" name="Date Placeholder 3">
+            <a:extLst>
+              <a:ext uri="{FF2B5EF4-FFF2-40B4-BE49-F238E27FC236}">
+                <a16:creationId xmlns:a16="http://schemas.microsoft.com/office/drawing/2014/main" id="{DB5206B5-CC04-4DFE-A695-15B1EF6B3287}"/>
+              </a:ext>
+            </a:extLst>
+          </p:cNvPr>
+          <p:cNvSpPr>
+            <a:spLocks noGrp="1"/>
+          </p:cNvSpPr>
+          <p:nvPr>
+            <p:ph type="dt" sz="half" idx="10"/>
+          </p:nvPr>
+        </p:nvSpPr>
+        <p:spPr/>
+        <p:txBody>
+          <a:bodyPr/>
+          <a:lstStyle/>
+          <a:p>
+            <a:fld id="{6CF2C3E3-9EB5-491C-9802-666FB84ACAAE}" type="datetime4">
+              <a:rPr lang="en-US" smtClean="0"/>
+              <a:t>March 12, 2021</a:t>
+            </a:fld>
+            <a:endParaRPr lang="en-US" dirty="0"/>
+          </a:p>
+        </p:txBody>
+      </p:sp>
+      <p:sp>
+        <p:nvSpPr>
+          <p:cNvPr id="5" name="Footer Placeholder 4">
+            <a:extLst>
+              <a:ext uri="{FF2B5EF4-FFF2-40B4-BE49-F238E27FC236}">
+                <a16:creationId xmlns:a16="http://schemas.microsoft.com/office/drawing/2014/main" id="{80BA15B4-E069-4CDD-A5C2-C67845F24064}"/>
+              </a:ext>
+            </a:extLst>
+          </p:cNvPr>
+          <p:cNvSpPr>
+            <a:spLocks noGrp="1"/>
+          </p:cNvSpPr>
+          <p:nvPr>
+            <p:ph type="ftr" sz="quarter" idx="11"/>
+          </p:nvPr>
+        </p:nvSpPr>
+        <p:spPr/>
+        <p:txBody>
+          <a:bodyPr/>
+          <a:lstStyle/>
+          <a:p>
+            <a:r>
+              <a:rPr lang="en-US"/>
+              <a:t>Nauman Siddique, ODU CS </a:t>
+            </a:r>
+            <a:endParaRPr lang="en-US" dirty="0"/>
+          </a:p>
+        </p:txBody>
+      </p:sp>
+      <p:sp>
+        <p:nvSpPr>
+          <p:cNvPr id="6" name="Slide Number Placeholder 5">
+            <a:extLst>
+              <a:ext uri="{FF2B5EF4-FFF2-40B4-BE49-F238E27FC236}">
+                <a16:creationId xmlns:a16="http://schemas.microsoft.com/office/drawing/2014/main" id="{2D883621-2D1F-4534-82AD-4CA317661A36}"/>
+              </a:ext>
+            </a:extLst>
+          </p:cNvPr>
+          <p:cNvSpPr>
+            <a:spLocks noGrp="1"/>
+          </p:cNvSpPr>
+          <p:nvPr>
+            <p:ph type="sldNum" sz="quarter" idx="12"/>
+          </p:nvPr>
+        </p:nvSpPr>
+        <p:spPr/>
+        <p:txBody>
+          <a:bodyPr/>
+          <a:lstStyle/>
+          <a:p>
+            <a:fld id="{3A98EE3D-8CD1-4C3F-BD1C-C98C9596463C}" type="slidenum">
+              <a:rPr lang="en-US" smtClean="0"/>
+              <a:t>24</a:t>
+            </a:fld>
+            <a:endParaRPr lang="en-US" dirty="0"/>
+          </a:p>
+        </p:txBody>
+      </p:sp>
     </p:spTree>
     <p:extLst>
       <p:ext uri="{BB962C8B-B14F-4D97-AF65-F5344CB8AC3E}">
@@ -8924,6 +10319,93 @@
           </a:p>
         </p:txBody>
       </p:sp>
+      <p:sp>
+        <p:nvSpPr>
+          <p:cNvPr id="4" name="Date Placeholder 3">
+            <a:extLst>
+              <a:ext uri="{FF2B5EF4-FFF2-40B4-BE49-F238E27FC236}">
+                <a16:creationId xmlns:a16="http://schemas.microsoft.com/office/drawing/2014/main" id="{E3E27B6D-7570-421D-8168-81B380EDAFA9}"/>
+              </a:ext>
+            </a:extLst>
+          </p:cNvPr>
+          <p:cNvSpPr>
+            <a:spLocks noGrp="1"/>
+          </p:cNvSpPr>
+          <p:nvPr>
+            <p:ph type="dt" sz="half" idx="10"/>
+          </p:nvPr>
+        </p:nvSpPr>
+        <p:spPr/>
+        <p:txBody>
+          <a:bodyPr/>
+          <a:lstStyle/>
+          <a:p>
+            <a:fld id="{E55D7D1F-62F3-4DFB-B2E3-4FC22F3B6749}" type="datetime4">
+              <a:rPr lang="en-US" smtClean="0"/>
+              <a:t>March 12, 2021</a:t>
+            </a:fld>
+            <a:endParaRPr lang="en-US" dirty="0"/>
+          </a:p>
+        </p:txBody>
+      </p:sp>
+      <p:sp>
+        <p:nvSpPr>
+          <p:cNvPr id="5" name="Footer Placeholder 4">
+            <a:extLst>
+              <a:ext uri="{FF2B5EF4-FFF2-40B4-BE49-F238E27FC236}">
+                <a16:creationId xmlns:a16="http://schemas.microsoft.com/office/drawing/2014/main" id="{4119AAA6-8C8F-4543-9704-268D9D6479EC}"/>
+              </a:ext>
+            </a:extLst>
+          </p:cNvPr>
+          <p:cNvSpPr>
+            <a:spLocks noGrp="1"/>
+          </p:cNvSpPr>
+          <p:nvPr>
+            <p:ph type="ftr" sz="quarter" idx="11"/>
+          </p:nvPr>
+        </p:nvSpPr>
+        <p:spPr/>
+        <p:txBody>
+          <a:bodyPr/>
+          <a:lstStyle/>
+          <a:p>
+            <a:r>
+              <a:rPr lang="en-US"/>
+              <a:t>Nauman Siddique, ODU CS </a:t>
+            </a:r>
+            <a:endParaRPr lang="en-US" dirty="0"/>
+          </a:p>
+        </p:txBody>
+      </p:sp>
+      <p:sp>
+        <p:nvSpPr>
+          <p:cNvPr id="6" name="Slide Number Placeholder 5">
+            <a:extLst>
+              <a:ext uri="{FF2B5EF4-FFF2-40B4-BE49-F238E27FC236}">
+                <a16:creationId xmlns:a16="http://schemas.microsoft.com/office/drawing/2014/main" id="{48B3A48A-70C6-4D34-92C5-25F1C8CF6212}"/>
+              </a:ext>
+            </a:extLst>
+          </p:cNvPr>
+          <p:cNvSpPr>
+            <a:spLocks noGrp="1"/>
+          </p:cNvSpPr>
+          <p:nvPr>
+            <p:ph type="sldNum" sz="quarter" idx="12"/>
+          </p:nvPr>
+        </p:nvSpPr>
+        <p:spPr/>
+        <p:txBody>
+          <a:bodyPr/>
+          <a:lstStyle/>
+          <a:p>
+            <a:fld id="{3A98EE3D-8CD1-4C3F-BD1C-C98C9596463C}" type="slidenum">
+              <a:rPr lang="en-US" smtClean="0"/>
+              <a:t>25</a:t>
+            </a:fld>
+            <a:endParaRPr lang="en-US" dirty="0"/>
+          </a:p>
+        </p:txBody>
+      </p:sp>
     </p:spTree>
     <p:extLst>
       <p:ext uri="{BB962C8B-B14F-4D97-AF65-F5344CB8AC3E}">
@@ -9074,6 +10556,93 @@
           </a:p>
         </p:txBody>
       </p:sp>
+      <p:sp>
+        <p:nvSpPr>
+          <p:cNvPr id="4" name="Date Placeholder 3">
+            <a:extLst>
+              <a:ext uri="{FF2B5EF4-FFF2-40B4-BE49-F238E27FC236}">
+                <a16:creationId xmlns:a16="http://schemas.microsoft.com/office/drawing/2014/main" id="{C94ADA60-5040-48C4-9999-1DE344CC7A12}"/>
+              </a:ext>
+            </a:extLst>
+          </p:cNvPr>
+          <p:cNvSpPr>
+            <a:spLocks noGrp="1"/>
+          </p:cNvSpPr>
+          <p:nvPr>
+            <p:ph type="dt" sz="half" idx="10"/>
+          </p:nvPr>
+        </p:nvSpPr>
+        <p:spPr/>
+        <p:txBody>
+          <a:bodyPr/>
+          <a:lstStyle/>
+          <a:p>
+            <a:fld id="{D70267CB-8375-4692-9CAE-15B8E2165AD7}" type="datetime4">
+              <a:rPr lang="en-US" smtClean="0"/>
+              <a:t>March 12, 2021</a:t>
+            </a:fld>
+            <a:endParaRPr lang="en-US" dirty="0"/>
+          </a:p>
+        </p:txBody>
+      </p:sp>
+      <p:sp>
+        <p:nvSpPr>
+          <p:cNvPr id="5" name="Footer Placeholder 4">
+            <a:extLst>
+              <a:ext uri="{FF2B5EF4-FFF2-40B4-BE49-F238E27FC236}">
+                <a16:creationId xmlns:a16="http://schemas.microsoft.com/office/drawing/2014/main" id="{5DDAAF68-ECD1-4172-A057-75952F61B2FF}"/>
+              </a:ext>
+            </a:extLst>
+          </p:cNvPr>
+          <p:cNvSpPr>
+            <a:spLocks noGrp="1"/>
+          </p:cNvSpPr>
+          <p:nvPr>
+            <p:ph type="ftr" sz="quarter" idx="11"/>
+          </p:nvPr>
+        </p:nvSpPr>
+        <p:spPr/>
+        <p:txBody>
+          <a:bodyPr/>
+          <a:lstStyle/>
+          <a:p>
+            <a:r>
+              <a:rPr lang="en-US"/>
+              <a:t>Nauman Siddique, ODU CS </a:t>
+            </a:r>
+            <a:endParaRPr lang="en-US" dirty="0"/>
+          </a:p>
+        </p:txBody>
+      </p:sp>
+      <p:sp>
+        <p:nvSpPr>
+          <p:cNvPr id="6" name="Slide Number Placeholder 5">
+            <a:extLst>
+              <a:ext uri="{FF2B5EF4-FFF2-40B4-BE49-F238E27FC236}">
+                <a16:creationId xmlns:a16="http://schemas.microsoft.com/office/drawing/2014/main" id="{A2FC2364-3014-4F95-A151-1133A10C0E0F}"/>
+              </a:ext>
+            </a:extLst>
+          </p:cNvPr>
+          <p:cNvSpPr>
+            <a:spLocks noGrp="1"/>
+          </p:cNvSpPr>
+          <p:nvPr>
+            <p:ph type="sldNum" sz="quarter" idx="12"/>
+          </p:nvPr>
+        </p:nvSpPr>
+        <p:spPr/>
+        <p:txBody>
+          <a:bodyPr/>
+          <a:lstStyle/>
+          <a:p>
+            <a:fld id="{3A98EE3D-8CD1-4C3F-BD1C-C98C9596463C}" type="slidenum">
+              <a:rPr lang="en-US" smtClean="0"/>
+              <a:t>26</a:t>
+            </a:fld>
+            <a:endParaRPr lang="en-US" dirty="0"/>
+          </a:p>
+        </p:txBody>
+      </p:sp>
     </p:spTree>
     <p:extLst>
       <p:ext uri="{BB962C8B-B14F-4D97-AF65-F5344CB8AC3E}">
@@ -9167,6 +10736,93 @@
           </a:xfrm>
         </p:spPr>
       </p:pic>
+      <p:sp>
+        <p:nvSpPr>
+          <p:cNvPr id="3" name="Date Placeholder 2">
+            <a:extLst>
+              <a:ext uri="{FF2B5EF4-FFF2-40B4-BE49-F238E27FC236}">
+                <a16:creationId xmlns:a16="http://schemas.microsoft.com/office/drawing/2014/main" id="{E0740A50-7B10-4896-A82D-FC83DB3BEBED}"/>
+              </a:ext>
+            </a:extLst>
+          </p:cNvPr>
+          <p:cNvSpPr>
+            <a:spLocks noGrp="1"/>
+          </p:cNvSpPr>
+          <p:nvPr>
+            <p:ph type="dt" sz="half" idx="10"/>
+          </p:nvPr>
+        </p:nvSpPr>
+        <p:spPr/>
+        <p:txBody>
+          <a:bodyPr/>
+          <a:lstStyle/>
+          <a:p>
+            <a:fld id="{FF529670-DBEA-4857-8FE8-FA3333269CDD}" type="datetime4">
+              <a:rPr lang="en-US" smtClean="0"/>
+              <a:t>March 12, 2021</a:t>
+            </a:fld>
+            <a:endParaRPr lang="en-US" dirty="0"/>
+          </a:p>
+        </p:txBody>
+      </p:sp>
+      <p:sp>
+        <p:nvSpPr>
+          <p:cNvPr id="4" name="Footer Placeholder 3">
+            <a:extLst>
+              <a:ext uri="{FF2B5EF4-FFF2-40B4-BE49-F238E27FC236}">
+                <a16:creationId xmlns:a16="http://schemas.microsoft.com/office/drawing/2014/main" id="{65453609-7DFA-4EE8-BDCF-B0F9C45A6332}"/>
+              </a:ext>
+            </a:extLst>
+          </p:cNvPr>
+          <p:cNvSpPr>
+            <a:spLocks noGrp="1"/>
+          </p:cNvSpPr>
+          <p:nvPr>
+            <p:ph type="ftr" sz="quarter" idx="11"/>
+          </p:nvPr>
+        </p:nvSpPr>
+        <p:spPr/>
+        <p:txBody>
+          <a:bodyPr/>
+          <a:lstStyle/>
+          <a:p>
+            <a:r>
+              <a:rPr lang="en-US"/>
+              <a:t>Nauman Siddique, ODU CS </a:t>
+            </a:r>
+            <a:endParaRPr lang="en-US" dirty="0"/>
+          </a:p>
+        </p:txBody>
+      </p:sp>
+      <p:sp>
+        <p:nvSpPr>
+          <p:cNvPr id="6" name="Slide Number Placeholder 5">
+            <a:extLst>
+              <a:ext uri="{FF2B5EF4-FFF2-40B4-BE49-F238E27FC236}">
+                <a16:creationId xmlns:a16="http://schemas.microsoft.com/office/drawing/2014/main" id="{2CDA64DB-B394-4623-83BC-CE53DF0D5586}"/>
+              </a:ext>
+            </a:extLst>
+          </p:cNvPr>
+          <p:cNvSpPr>
+            <a:spLocks noGrp="1"/>
+          </p:cNvSpPr>
+          <p:nvPr>
+            <p:ph type="sldNum" sz="quarter" idx="12"/>
+          </p:nvPr>
+        </p:nvSpPr>
+        <p:spPr/>
+        <p:txBody>
+          <a:bodyPr/>
+          <a:lstStyle/>
+          <a:p>
+            <a:fld id="{3A98EE3D-8CD1-4C3F-BD1C-C98C9596463C}" type="slidenum">
+              <a:rPr lang="en-US" smtClean="0"/>
+              <a:t>27</a:t>
+            </a:fld>
+            <a:endParaRPr lang="en-US" dirty="0"/>
+          </a:p>
+        </p:txBody>
+      </p:sp>
     </p:spTree>
     <p:extLst>
       <p:ext uri="{BB962C8B-B14F-4D97-AF65-F5344CB8AC3E}">
@@ -9401,6 +11057,93 @@
             </a:r>
           </a:p>
           <a:p>
+            <a:endParaRPr lang="en-US" dirty="0"/>
+          </a:p>
+        </p:txBody>
+      </p:sp>
+      <p:sp>
+        <p:nvSpPr>
+          <p:cNvPr id="4" name="Date Placeholder 3">
+            <a:extLst>
+              <a:ext uri="{FF2B5EF4-FFF2-40B4-BE49-F238E27FC236}">
+                <a16:creationId xmlns:a16="http://schemas.microsoft.com/office/drawing/2014/main" id="{A83013AB-AEC5-43F4-9149-296D9BF83648}"/>
+              </a:ext>
+            </a:extLst>
+          </p:cNvPr>
+          <p:cNvSpPr>
+            <a:spLocks noGrp="1"/>
+          </p:cNvSpPr>
+          <p:nvPr>
+            <p:ph type="dt" sz="half" idx="10"/>
+          </p:nvPr>
+        </p:nvSpPr>
+        <p:spPr/>
+        <p:txBody>
+          <a:bodyPr/>
+          <a:lstStyle/>
+          <a:p>
+            <a:fld id="{553426C8-B444-4479-883D-29861D7FB091}" type="datetime4">
+              <a:rPr lang="en-US" smtClean="0"/>
+              <a:t>March 12, 2021</a:t>
+            </a:fld>
+            <a:endParaRPr lang="en-US" dirty="0"/>
+          </a:p>
+        </p:txBody>
+      </p:sp>
+      <p:sp>
+        <p:nvSpPr>
+          <p:cNvPr id="5" name="Footer Placeholder 4">
+            <a:extLst>
+              <a:ext uri="{FF2B5EF4-FFF2-40B4-BE49-F238E27FC236}">
+                <a16:creationId xmlns:a16="http://schemas.microsoft.com/office/drawing/2014/main" id="{763DC5EB-52A2-4EB7-8E08-FA4BB6E51508}"/>
+              </a:ext>
+            </a:extLst>
+          </p:cNvPr>
+          <p:cNvSpPr>
+            <a:spLocks noGrp="1"/>
+          </p:cNvSpPr>
+          <p:nvPr>
+            <p:ph type="ftr" sz="quarter" idx="11"/>
+          </p:nvPr>
+        </p:nvSpPr>
+        <p:spPr/>
+        <p:txBody>
+          <a:bodyPr/>
+          <a:lstStyle/>
+          <a:p>
+            <a:r>
+              <a:rPr lang="en-US"/>
+              <a:t>Nauman Siddique, ODU CS </a:t>
+            </a:r>
+            <a:endParaRPr lang="en-US" dirty="0"/>
+          </a:p>
+        </p:txBody>
+      </p:sp>
+      <p:sp>
+        <p:nvSpPr>
+          <p:cNvPr id="6" name="Slide Number Placeholder 5">
+            <a:extLst>
+              <a:ext uri="{FF2B5EF4-FFF2-40B4-BE49-F238E27FC236}">
+                <a16:creationId xmlns:a16="http://schemas.microsoft.com/office/drawing/2014/main" id="{261891EC-8B43-44BE-BB13-64B38DA2E35A}"/>
+              </a:ext>
+            </a:extLst>
+          </p:cNvPr>
+          <p:cNvSpPr>
+            <a:spLocks noGrp="1"/>
+          </p:cNvSpPr>
+          <p:nvPr>
+            <p:ph type="sldNum" sz="quarter" idx="12"/>
+          </p:nvPr>
+        </p:nvSpPr>
+        <p:spPr/>
+        <p:txBody>
+          <a:bodyPr/>
+          <a:lstStyle/>
+          <a:p>
+            <a:fld id="{3A98EE3D-8CD1-4C3F-BD1C-C98C9596463C}" type="slidenum">
+              <a:rPr lang="en-US" smtClean="0"/>
+              <a:t>28</a:t>
+            </a:fld>
             <a:endParaRPr lang="en-US" dirty="0"/>
           </a:p>
         </p:txBody>
@@ -9836,6 +11579,93 @@
             <a:schemeClr val="lt1"/>
           </a:fontRef>
         </p:style>
+      </p:sp>
+      <p:sp>
+        <p:nvSpPr>
+          <p:cNvPr id="3" name="Date Placeholder 2">
+            <a:extLst>
+              <a:ext uri="{FF2B5EF4-FFF2-40B4-BE49-F238E27FC236}">
+                <a16:creationId xmlns:a16="http://schemas.microsoft.com/office/drawing/2014/main" id="{DB4A9420-A8E5-44B2-B00C-70F0A9CBF87F}"/>
+              </a:ext>
+            </a:extLst>
+          </p:cNvPr>
+          <p:cNvSpPr>
+            <a:spLocks noGrp="1"/>
+          </p:cNvSpPr>
+          <p:nvPr>
+            <p:ph type="dt" sz="half" idx="10"/>
+          </p:nvPr>
+        </p:nvSpPr>
+        <p:spPr/>
+        <p:txBody>
+          <a:bodyPr/>
+          <a:lstStyle/>
+          <a:p>
+            <a:fld id="{B22D4A94-221D-4010-8488-2D94809C4F7E}" type="datetime4">
+              <a:rPr lang="en-US" smtClean="0"/>
+              <a:t>March 12, 2021</a:t>
+            </a:fld>
+            <a:endParaRPr lang="en-US" dirty="0"/>
+          </a:p>
+        </p:txBody>
+      </p:sp>
+      <p:sp>
+        <p:nvSpPr>
+          <p:cNvPr id="4" name="Footer Placeholder 3">
+            <a:extLst>
+              <a:ext uri="{FF2B5EF4-FFF2-40B4-BE49-F238E27FC236}">
+                <a16:creationId xmlns:a16="http://schemas.microsoft.com/office/drawing/2014/main" id="{B7614277-C512-43E3-8448-16E822E44C83}"/>
+              </a:ext>
+            </a:extLst>
+          </p:cNvPr>
+          <p:cNvSpPr>
+            <a:spLocks noGrp="1"/>
+          </p:cNvSpPr>
+          <p:nvPr>
+            <p:ph type="ftr" sz="quarter" idx="11"/>
+          </p:nvPr>
+        </p:nvSpPr>
+        <p:spPr/>
+        <p:txBody>
+          <a:bodyPr/>
+          <a:lstStyle/>
+          <a:p>
+            <a:r>
+              <a:rPr lang="en-US"/>
+              <a:t>Nauman Siddique, ODU CS </a:t>
+            </a:r>
+            <a:endParaRPr lang="en-US" dirty="0"/>
+          </a:p>
+        </p:txBody>
+      </p:sp>
+      <p:sp>
+        <p:nvSpPr>
+          <p:cNvPr id="6" name="Slide Number Placeholder 5">
+            <a:extLst>
+              <a:ext uri="{FF2B5EF4-FFF2-40B4-BE49-F238E27FC236}">
+                <a16:creationId xmlns:a16="http://schemas.microsoft.com/office/drawing/2014/main" id="{A4AEA61B-9CED-4C83-9AC5-6AA428198206}"/>
+              </a:ext>
+            </a:extLst>
+          </p:cNvPr>
+          <p:cNvSpPr>
+            <a:spLocks noGrp="1"/>
+          </p:cNvSpPr>
+          <p:nvPr>
+            <p:ph type="sldNum" sz="quarter" idx="12"/>
+          </p:nvPr>
+        </p:nvSpPr>
+        <p:spPr/>
+        <p:txBody>
+          <a:bodyPr/>
+          <a:lstStyle/>
+          <a:p>
+            <a:fld id="{3A98EE3D-8CD1-4C3F-BD1C-C98C9596463C}" type="slidenum">
+              <a:rPr lang="en-US" smtClean="0"/>
+              <a:t>29</a:t>
+            </a:fld>
+            <a:endParaRPr lang="en-US" dirty="0"/>
+          </a:p>
+        </p:txBody>
       </p:sp>
     </p:spTree>
     <p:extLst>
@@ -10137,6 +11967,93 @@
           </a:graphicData>
         </a:graphic>
       </p:graphicFrame>
+      <p:sp>
+        <p:nvSpPr>
+          <p:cNvPr id="3" name="Date Placeholder 2">
+            <a:extLst>
+              <a:ext uri="{FF2B5EF4-FFF2-40B4-BE49-F238E27FC236}">
+                <a16:creationId xmlns:a16="http://schemas.microsoft.com/office/drawing/2014/main" id="{129C6492-A6AB-43A5-AE94-A0AED23FCA79}"/>
+              </a:ext>
+            </a:extLst>
+          </p:cNvPr>
+          <p:cNvSpPr>
+            <a:spLocks noGrp="1"/>
+          </p:cNvSpPr>
+          <p:nvPr>
+            <p:ph type="dt" sz="half" idx="10"/>
+          </p:nvPr>
+        </p:nvSpPr>
+        <p:spPr/>
+        <p:txBody>
+          <a:bodyPr/>
+          <a:lstStyle/>
+          <a:p>
+            <a:fld id="{96240A5A-B78A-4304-AF2E-963EBC50FD59}" type="datetime4">
+              <a:rPr lang="en-US" smtClean="0"/>
+              <a:t>March 12, 2021</a:t>
+            </a:fld>
+            <a:endParaRPr lang="en-US" dirty="0"/>
+          </a:p>
+        </p:txBody>
+      </p:sp>
+      <p:sp>
+        <p:nvSpPr>
+          <p:cNvPr id="4" name="Footer Placeholder 3">
+            <a:extLst>
+              <a:ext uri="{FF2B5EF4-FFF2-40B4-BE49-F238E27FC236}">
+                <a16:creationId xmlns:a16="http://schemas.microsoft.com/office/drawing/2014/main" id="{3DF29166-7E91-45F9-AE01-CEEB0C52F8B0}"/>
+              </a:ext>
+            </a:extLst>
+          </p:cNvPr>
+          <p:cNvSpPr>
+            <a:spLocks noGrp="1"/>
+          </p:cNvSpPr>
+          <p:nvPr>
+            <p:ph type="ftr" sz="quarter" idx="11"/>
+          </p:nvPr>
+        </p:nvSpPr>
+        <p:spPr/>
+        <p:txBody>
+          <a:bodyPr/>
+          <a:lstStyle/>
+          <a:p>
+            <a:r>
+              <a:rPr lang="en-US"/>
+              <a:t>Nauman Siddique, ODU CS </a:t>
+            </a:r>
+            <a:endParaRPr lang="en-US" dirty="0"/>
+          </a:p>
+        </p:txBody>
+      </p:sp>
+      <p:sp>
+        <p:nvSpPr>
+          <p:cNvPr id="5" name="Slide Number Placeholder 4">
+            <a:extLst>
+              <a:ext uri="{FF2B5EF4-FFF2-40B4-BE49-F238E27FC236}">
+                <a16:creationId xmlns:a16="http://schemas.microsoft.com/office/drawing/2014/main" id="{74423DE6-5244-439D-92E7-C783FFC0C515}"/>
+              </a:ext>
+            </a:extLst>
+          </p:cNvPr>
+          <p:cNvSpPr>
+            <a:spLocks noGrp="1"/>
+          </p:cNvSpPr>
+          <p:nvPr>
+            <p:ph type="sldNum" sz="quarter" idx="12"/>
+          </p:nvPr>
+        </p:nvSpPr>
+        <p:spPr/>
+        <p:txBody>
+          <a:bodyPr/>
+          <a:lstStyle/>
+          <a:p>
+            <a:fld id="{3A98EE3D-8CD1-4C3F-BD1C-C98C9596463C}" type="slidenum">
+              <a:rPr lang="en-US" smtClean="0"/>
+              <a:t>3</a:t>
+            </a:fld>
+            <a:endParaRPr lang="en-US" dirty="0"/>
+          </a:p>
+        </p:txBody>
+      </p:sp>
     </p:spTree>
     <p:extLst>
       <p:ext uri="{BB962C8B-B14F-4D97-AF65-F5344CB8AC3E}">
@@ -10569,6 +12486,93 @@
           </a:fontRef>
         </p:style>
       </p:sp>
+      <p:sp>
+        <p:nvSpPr>
+          <p:cNvPr id="3" name="Date Placeholder 2">
+            <a:extLst>
+              <a:ext uri="{FF2B5EF4-FFF2-40B4-BE49-F238E27FC236}">
+                <a16:creationId xmlns:a16="http://schemas.microsoft.com/office/drawing/2014/main" id="{EB72C4CA-C772-4CB2-9F98-75621FCA2500}"/>
+              </a:ext>
+            </a:extLst>
+          </p:cNvPr>
+          <p:cNvSpPr>
+            <a:spLocks noGrp="1"/>
+          </p:cNvSpPr>
+          <p:nvPr>
+            <p:ph type="dt" sz="half" idx="10"/>
+          </p:nvPr>
+        </p:nvSpPr>
+        <p:spPr/>
+        <p:txBody>
+          <a:bodyPr/>
+          <a:lstStyle/>
+          <a:p>
+            <a:fld id="{79F7E152-E19A-461A-95C8-17A0C152A434}" type="datetime4">
+              <a:rPr lang="en-US" smtClean="0"/>
+              <a:t>March 12, 2021</a:t>
+            </a:fld>
+            <a:endParaRPr lang="en-US" dirty="0"/>
+          </a:p>
+        </p:txBody>
+      </p:sp>
+      <p:sp>
+        <p:nvSpPr>
+          <p:cNvPr id="4" name="Footer Placeholder 3">
+            <a:extLst>
+              <a:ext uri="{FF2B5EF4-FFF2-40B4-BE49-F238E27FC236}">
+                <a16:creationId xmlns:a16="http://schemas.microsoft.com/office/drawing/2014/main" id="{7100F290-329D-45AC-B9A9-A9E4B1008BDE}"/>
+              </a:ext>
+            </a:extLst>
+          </p:cNvPr>
+          <p:cNvSpPr>
+            <a:spLocks noGrp="1"/>
+          </p:cNvSpPr>
+          <p:nvPr>
+            <p:ph type="ftr" sz="quarter" idx="11"/>
+          </p:nvPr>
+        </p:nvSpPr>
+        <p:spPr/>
+        <p:txBody>
+          <a:bodyPr/>
+          <a:lstStyle/>
+          <a:p>
+            <a:r>
+              <a:rPr lang="en-US"/>
+              <a:t>Nauman Siddique, ODU CS </a:t>
+            </a:r>
+            <a:endParaRPr lang="en-US" dirty="0"/>
+          </a:p>
+        </p:txBody>
+      </p:sp>
+      <p:sp>
+        <p:nvSpPr>
+          <p:cNvPr id="6" name="Slide Number Placeholder 5">
+            <a:extLst>
+              <a:ext uri="{FF2B5EF4-FFF2-40B4-BE49-F238E27FC236}">
+                <a16:creationId xmlns:a16="http://schemas.microsoft.com/office/drawing/2014/main" id="{C8BC1D2D-01FE-42D4-8759-02141F092CF7}"/>
+              </a:ext>
+            </a:extLst>
+          </p:cNvPr>
+          <p:cNvSpPr>
+            <a:spLocks noGrp="1"/>
+          </p:cNvSpPr>
+          <p:nvPr>
+            <p:ph type="sldNum" sz="quarter" idx="12"/>
+          </p:nvPr>
+        </p:nvSpPr>
+        <p:spPr/>
+        <p:txBody>
+          <a:bodyPr/>
+          <a:lstStyle/>
+          <a:p>
+            <a:fld id="{3A98EE3D-8CD1-4C3F-BD1C-C98C9596463C}" type="slidenum">
+              <a:rPr lang="en-US" smtClean="0"/>
+              <a:t>30</a:t>
+            </a:fld>
+            <a:endParaRPr lang="en-US" dirty="0"/>
+          </a:p>
+        </p:txBody>
+      </p:sp>
     </p:spTree>
     <p:extLst>
       <p:ext uri="{BB962C8B-B14F-4D97-AF65-F5344CB8AC3E}">
@@ -11001,6 +13005,93 @@
           </a:prstGeom>
         </p:spPr>
       </p:pic>
+      <p:sp>
+        <p:nvSpPr>
+          <p:cNvPr id="3" name="Date Placeholder 2">
+            <a:extLst>
+              <a:ext uri="{FF2B5EF4-FFF2-40B4-BE49-F238E27FC236}">
+                <a16:creationId xmlns:a16="http://schemas.microsoft.com/office/drawing/2014/main" id="{B183B159-FE33-4237-A4AA-FAE4BD0429F6}"/>
+              </a:ext>
+            </a:extLst>
+          </p:cNvPr>
+          <p:cNvSpPr>
+            <a:spLocks noGrp="1"/>
+          </p:cNvSpPr>
+          <p:nvPr>
+            <p:ph type="dt" sz="half" idx="10"/>
+          </p:nvPr>
+        </p:nvSpPr>
+        <p:spPr/>
+        <p:txBody>
+          <a:bodyPr/>
+          <a:lstStyle/>
+          <a:p>
+            <a:fld id="{625B568F-6E77-423A-A5D0-D90A88D1622A}" type="datetime4">
+              <a:rPr lang="en-US" smtClean="0"/>
+              <a:t>March 12, 2021</a:t>
+            </a:fld>
+            <a:endParaRPr lang="en-US" dirty="0"/>
+          </a:p>
+        </p:txBody>
+      </p:sp>
+      <p:sp>
+        <p:nvSpPr>
+          <p:cNvPr id="4" name="Footer Placeholder 3">
+            <a:extLst>
+              <a:ext uri="{FF2B5EF4-FFF2-40B4-BE49-F238E27FC236}">
+                <a16:creationId xmlns:a16="http://schemas.microsoft.com/office/drawing/2014/main" id="{6E8F54A5-7333-4D22-B329-110D93DD68C0}"/>
+              </a:ext>
+            </a:extLst>
+          </p:cNvPr>
+          <p:cNvSpPr>
+            <a:spLocks noGrp="1"/>
+          </p:cNvSpPr>
+          <p:nvPr>
+            <p:ph type="ftr" sz="quarter" idx="11"/>
+          </p:nvPr>
+        </p:nvSpPr>
+        <p:spPr/>
+        <p:txBody>
+          <a:bodyPr/>
+          <a:lstStyle/>
+          <a:p>
+            <a:r>
+              <a:rPr lang="en-US"/>
+              <a:t>Nauman Siddique, ODU CS </a:t>
+            </a:r>
+            <a:endParaRPr lang="en-US" dirty="0"/>
+          </a:p>
+        </p:txBody>
+      </p:sp>
+      <p:sp>
+        <p:nvSpPr>
+          <p:cNvPr id="6" name="Slide Number Placeholder 5">
+            <a:extLst>
+              <a:ext uri="{FF2B5EF4-FFF2-40B4-BE49-F238E27FC236}">
+                <a16:creationId xmlns:a16="http://schemas.microsoft.com/office/drawing/2014/main" id="{573A30FB-146A-4325-84D1-115E4DD8637B}"/>
+              </a:ext>
+            </a:extLst>
+          </p:cNvPr>
+          <p:cNvSpPr>
+            <a:spLocks noGrp="1"/>
+          </p:cNvSpPr>
+          <p:nvPr>
+            <p:ph type="sldNum" sz="quarter" idx="12"/>
+          </p:nvPr>
+        </p:nvSpPr>
+        <p:spPr/>
+        <p:txBody>
+          <a:bodyPr/>
+          <a:lstStyle/>
+          <a:p>
+            <a:fld id="{3A98EE3D-8CD1-4C3F-BD1C-C98C9596463C}" type="slidenum">
+              <a:rPr lang="en-US" smtClean="0"/>
+              <a:t>31</a:t>
+            </a:fld>
+            <a:endParaRPr lang="en-US" dirty="0"/>
+          </a:p>
+        </p:txBody>
+      </p:sp>
     </p:spTree>
     <p:extLst>
       <p:ext uri="{BB962C8B-B14F-4D97-AF65-F5344CB8AC3E}">
@@ -11101,6 +13192,93 @@
           </a:p>
         </p:txBody>
       </p:sp>
+      <p:sp>
+        <p:nvSpPr>
+          <p:cNvPr id="4" name="Date Placeholder 3">
+            <a:extLst>
+              <a:ext uri="{FF2B5EF4-FFF2-40B4-BE49-F238E27FC236}">
+                <a16:creationId xmlns:a16="http://schemas.microsoft.com/office/drawing/2014/main" id="{D072FE1F-69F9-429B-9063-0EA00602DD13}"/>
+              </a:ext>
+            </a:extLst>
+          </p:cNvPr>
+          <p:cNvSpPr>
+            <a:spLocks noGrp="1"/>
+          </p:cNvSpPr>
+          <p:nvPr>
+            <p:ph type="dt" sz="half" idx="10"/>
+          </p:nvPr>
+        </p:nvSpPr>
+        <p:spPr/>
+        <p:txBody>
+          <a:bodyPr/>
+          <a:lstStyle/>
+          <a:p>
+            <a:fld id="{3C8A2961-72F7-45D7-BFC9-133677D76D5D}" type="datetime4">
+              <a:rPr lang="en-US" smtClean="0"/>
+              <a:t>March 12, 2021</a:t>
+            </a:fld>
+            <a:endParaRPr lang="en-US" dirty="0"/>
+          </a:p>
+        </p:txBody>
+      </p:sp>
+      <p:sp>
+        <p:nvSpPr>
+          <p:cNvPr id="5" name="Footer Placeholder 4">
+            <a:extLst>
+              <a:ext uri="{FF2B5EF4-FFF2-40B4-BE49-F238E27FC236}">
+                <a16:creationId xmlns:a16="http://schemas.microsoft.com/office/drawing/2014/main" id="{9697AEE3-98AE-4F85-910E-90DCD1903D44}"/>
+              </a:ext>
+            </a:extLst>
+          </p:cNvPr>
+          <p:cNvSpPr>
+            <a:spLocks noGrp="1"/>
+          </p:cNvSpPr>
+          <p:nvPr>
+            <p:ph type="ftr" sz="quarter" idx="11"/>
+          </p:nvPr>
+        </p:nvSpPr>
+        <p:spPr/>
+        <p:txBody>
+          <a:bodyPr/>
+          <a:lstStyle/>
+          <a:p>
+            <a:r>
+              <a:rPr lang="en-US"/>
+              <a:t>Nauman Siddique, ODU CS </a:t>
+            </a:r>
+            <a:endParaRPr lang="en-US" dirty="0"/>
+          </a:p>
+        </p:txBody>
+      </p:sp>
+      <p:sp>
+        <p:nvSpPr>
+          <p:cNvPr id="6" name="Slide Number Placeholder 5">
+            <a:extLst>
+              <a:ext uri="{FF2B5EF4-FFF2-40B4-BE49-F238E27FC236}">
+                <a16:creationId xmlns:a16="http://schemas.microsoft.com/office/drawing/2014/main" id="{F2D4FBFF-2BAC-49BB-A7EC-73A405B9B125}"/>
+              </a:ext>
+            </a:extLst>
+          </p:cNvPr>
+          <p:cNvSpPr>
+            <a:spLocks noGrp="1"/>
+          </p:cNvSpPr>
+          <p:nvPr>
+            <p:ph type="sldNum" sz="quarter" idx="12"/>
+          </p:nvPr>
+        </p:nvSpPr>
+        <p:spPr/>
+        <p:txBody>
+          <a:bodyPr/>
+          <a:lstStyle/>
+          <a:p>
+            <a:fld id="{3A98EE3D-8CD1-4C3F-BD1C-C98C9596463C}" type="slidenum">
+              <a:rPr lang="en-US" smtClean="0"/>
+              <a:t>32</a:t>
+            </a:fld>
+            <a:endParaRPr lang="en-US" dirty="0"/>
+          </a:p>
+        </p:txBody>
+      </p:sp>
     </p:spTree>
     <p:extLst>
       <p:ext uri="{BB962C8B-B14F-4D97-AF65-F5344CB8AC3E}">
@@ -11258,6 +13436,93 @@
             </a:r>
           </a:p>
           <a:p>
+            <a:endParaRPr lang="en-US" dirty="0"/>
+          </a:p>
+        </p:txBody>
+      </p:sp>
+      <p:sp>
+        <p:nvSpPr>
+          <p:cNvPr id="4" name="Date Placeholder 3">
+            <a:extLst>
+              <a:ext uri="{FF2B5EF4-FFF2-40B4-BE49-F238E27FC236}">
+                <a16:creationId xmlns:a16="http://schemas.microsoft.com/office/drawing/2014/main" id="{5CE4BECD-E83A-4386-8561-4FF37C2A0A99}"/>
+              </a:ext>
+            </a:extLst>
+          </p:cNvPr>
+          <p:cNvSpPr>
+            <a:spLocks noGrp="1"/>
+          </p:cNvSpPr>
+          <p:nvPr>
+            <p:ph type="dt" sz="half" idx="10"/>
+          </p:nvPr>
+        </p:nvSpPr>
+        <p:spPr/>
+        <p:txBody>
+          <a:bodyPr/>
+          <a:lstStyle/>
+          <a:p>
+            <a:fld id="{820D4B8F-4C1B-456B-B359-0D194747F826}" type="datetime4">
+              <a:rPr lang="en-US" smtClean="0"/>
+              <a:t>March 12, 2021</a:t>
+            </a:fld>
+            <a:endParaRPr lang="en-US" dirty="0"/>
+          </a:p>
+        </p:txBody>
+      </p:sp>
+      <p:sp>
+        <p:nvSpPr>
+          <p:cNvPr id="5" name="Footer Placeholder 4">
+            <a:extLst>
+              <a:ext uri="{FF2B5EF4-FFF2-40B4-BE49-F238E27FC236}">
+                <a16:creationId xmlns:a16="http://schemas.microsoft.com/office/drawing/2014/main" id="{25109B55-2104-4FF9-A048-90B802F06B03}"/>
+              </a:ext>
+            </a:extLst>
+          </p:cNvPr>
+          <p:cNvSpPr>
+            <a:spLocks noGrp="1"/>
+          </p:cNvSpPr>
+          <p:nvPr>
+            <p:ph type="ftr" sz="quarter" idx="11"/>
+          </p:nvPr>
+        </p:nvSpPr>
+        <p:spPr/>
+        <p:txBody>
+          <a:bodyPr/>
+          <a:lstStyle/>
+          <a:p>
+            <a:r>
+              <a:rPr lang="en-US"/>
+              <a:t>Nauman Siddique, ODU CS </a:t>
+            </a:r>
+            <a:endParaRPr lang="en-US" dirty="0"/>
+          </a:p>
+        </p:txBody>
+      </p:sp>
+      <p:sp>
+        <p:nvSpPr>
+          <p:cNvPr id="6" name="Slide Number Placeholder 5">
+            <a:extLst>
+              <a:ext uri="{FF2B5EF4-FFF2-40B4-BE49-F238E27FC236}">
+                <a16:creationId xmlns:a16="http://schemas.microsoft.com/office/drawing/2014/main" id="{D5C5A29F-CC6A-4706-8C6E-CAEC94E9688A}"/>
+              </a:ext>
+            </a:extLst>
+          </p:cNvPr>
+          <p:cNvSpPr>
+            <a:spLocks noGrp="1"/>
+          </p:cNvSpPr>
+          <p:nvPr>
+            <p:ph type="sldNum" sz="quarter" idx="12"/>
+          </p:nvPr>
+        </p:nvSpPr>
+        <p:spPr/>
+        <p:txBody>
+          <a:bodyPr/>
+          <a:lstStyle/>
+          <a:p>
+            <a:fld id="{3A98EE3D-8CD1-4C3F-BD1C-C98C9596463C}" type="slidenum">
+              <a:rPr lang="en-US" smtClean="0"/>
+              <a:t>33</a:t>
+            </a:fld>
             <a:endParaRPr lang="en-US" dirty="0"/>
           </a:p>
         </p:txBody>
@@ -11302,10 +13567,10 @@
       </p:grpSpPr>
       <p:sp useBgFill="1">
         <p:nvSpPr>
-          <p:cNvPr id="8" name="Rectangle 7">
-            <a:extLst>
-              <a:ext uri="{FF2B5EF4-FFF2-40B4-BE49-F238E27FC236}">
-                <a16:creationId xmlns:a16="http://schemas.microsoft.com/office/drawing/2014/main" id="{3741B58E-3B65-4A01-A276-975AB2CF8A08}"/>
+          <p:cNvPr id="15" name="Rectangle 14">
+            <a:extLst>
+              <a:ext uri="{FF2B5EF4-FFF2-40B4-BE49-F238E27FC236}">
+                <a16:creationId xmlns:a16="http://schemas.microsoft.com/office/drawing/2014/main" id="{3558DB37-9FEE-48A2-8578-ED0401573943}"/>
               </a:ext>
               <a:ext uri="{C183D7F6-B498-43B3-948B-1728B52AA6E4}">
                 <adec:decorative xmlns:adec="http://schemas.microsoft.com/office/drawing/2017/decorative" val="1"/>
@@ -11325,8 +13590,8 @@
         </p:nvSpPr>
         <p:spPr>
           <a:xfrm>
-            <a:off x="0" y="0"/>
-            <a:ext cx="12186315" cy="6858000"/>
+            <a:off x="1507" y="0"/>
+            <a:ext cx="12192000" cy="6858000"/>
           </a:xfrm>
           <a:prstGeom prst="rect">
             <a:avLst/>
@@ -11337,15 +13602,15 @@
         </p:spPr>
         <p:style>
           <a:lnRef idx="2">
-            <a:schemeClr val="accent6">
+            <a:schemeClr val="accent1">
               <a:shade val="50000"/>
             </a:schemeClr>
           </a:lnRef>
-          <a:fillRef idx="1001">
-            <a:schemeClr val="lt1"/>
+          <a:fillRef idx="1">
+            <a:schemeClr val="accent1"/>
           </a:fillRef>
           <a:effectRef idx="0">
-            <a:schemeClr val="accent6"/>
+            <a:schemeClr val="accent1"/>
           </a:effectRef>
           <a:fontRef idx="minor">
             <a:schemeClr val="lt1"/>
@@ -11362,10 +13627,10 @@
       </p:sp>
       <p:sp>
         <p:nvSpPr>
-          <p:cNvPr id="10" name="Rectangle 9">
-            <a:extLst>
-              <a:ext uri="{FF2B5EF4-FFF2-40B4-BE49-F238E27FC236}">
-                <a16:creationId xmlns:a16="http://schemas.microsoft.com/office/drawing/2014/main" id="{7AAC67C3-831B-4AB1-A259-DFB839CAFAFC}"/>
+          <p:cNvPr id="17" name="Rectangle 16">
+            <a:extLst>
+              <a:ext uri="{FF2B5EF4-FFF2-40B4-BE49-F238E27FC236}">
+                <a16:creationId xmlns:a16="http://schemas.microsoft.com/office/drawing/2014/main" id="{5F7FCCA6-00E2-4F74-A105-0D769872F243}"/>
               </a:ext>
               <a:ext uri="{C183D7F6-B498-43B3-948B-1728B52AA6E4}">
                 <adec:decorative xmlns:adec="http://schemas.microsoft.com/office/drawing/2017/decorative" val="1"/>
@@ -11383,10 +13648,10 @@
             </p:extLst>
           </p:nvPr>
         </p:nvSpPr>
-        <p:spPr>
+        <p:spPr bwMode="white">
           <a:xfrm>
-            <a:off x="16" y="0"/>
-            <a:ext cx="4648593" cy="6858000"/>
+            <a:off x="1507" y="0"/>
+            <a:ext cx="12188952" cy="1905000"/>
           </a:xfrm>
           <a:prstGeom prst="rect">
             <a:avLst/>
@@ -11433,8 +13698,8 @@
         </p:nvSpPr>
         <p:spPr>
           <a:xfrm>
-            <a:off x="492369" y="605896"/>
-            <a:ext cx="3642309" cy="5646208"/>
+            <a:off x="1097280" y="286603"/>
+            <a:ext cx="10058400" cy="1450757"/>
           </a:xfrm>
         </p:spPr>
         <p:txBody>
@@ -11444,7 +13709,7 @@
           <a:lstStyle/>
           <a:p>
             <a:r>
-              <a:rPr lang="en-US" sz="4400" dirty="0">
+              <a:rPr lang="en-US">
                 <a:solidFill>
                   <a:srgbClr val="FFFFFF"/>
                 </a:solidFill>
@@ -11472,13 +13737,13 @@
         </p:nvSpPr>
         <p:spPr>
           <a:xfrm>
-            <a:off x="5231958" y="605896"/>
-            <a:ext cx="5923721" cy="5646208"/>
+            <a:off x="647114" y="1905001"/>
+            <a:ext cx="11126477" cy="4449762"/>
           </a:xfrm>
         </p:spPr>
         <p:txBody>
-          <a:bodyPr anchor="ctr">
-            <a:normAutofit/>
+          <a:bodyPr>
+            <a:noAutofit/>
           </a:bodyPr>
           <a:lstStyle/>
           <a:p>
@@ -11488,7 +13753,7 @@
               </a:lnSpc>
             </a:pPr>
             <a:r>
-              <a:rPr lang="en-US" sz="2000" b="1" dirty="0"/>
+              <a:rPr lang="en-US" b="1" dirty="0"/>
               <a:t>.</a:t>
             </a:r>
           </a:p>
@@ -11499,7 +13764,7 @@
               </a:lnSpc>
             </a:pPr>
             <a:r>
-              <a:rPr lang="en-US" sz="2000" dirty="0"/>
+              <a:rPr lang="en-US" dirty="0"/>
               <a:t>├── images                 </a:t>
             </a:r>
           </a:p>
@@ -11510,7 +13775,7 @@
               </a:lnSpc>
             </a:pPr>
             <a:r>
-              <a:rPr lang="en-US" sz="2000" dirty="0"/>
+              <a:rPr lang="en-US" dirty="0"/>
               <a:t>│  ├── testing             # Testing Images</a:t>
             </a:r>
           </a:p>
@@ -11521,7 +13786,7 @@
               </a:lnSpc>
             </a:pPr>
             <a:r>
-              <a:rPr lang="en-US" sz="2000" dirty="0"/>
+              <a:rPr lang="en-US" dirty="0"/>
               <a:t>│  ├── training            # Training Images</a:t>
             </a:r>
           </a:p>
@@ -11532,7 +13797,7 @@
               </a:lnSpc>
             </a:pPr>
             <a:r>
-              <a:rPr lang="en-US" sz="2000" dirty="0"/>
+              <a:rPr lang="en-US" dirty="0"/>
               <a:t>├── watertank.py           # Code for measuring water tank level and turning the respective LED lights</a:t>
             </a:r>
           </a:p>
@@ -11543,7 +13808,7 @@
               </a:lnSpc>
             </a:pPr>
             <a:r>
-              <a:rPr lang="en-US" sz="2000" dirty="0"/>
+              <a:rPr lang="en-US" dirty="0"/>
               <a:t>├── configmanagement.py    # Read and writing configuration files</a:t>
             </a:r>
           </a:p>
@@ -11554,7 +13819,7 @@
               </a:lnSpc>
             </a:pPr>
             <a:r>
-              <a:rPr lang="en-US" sz="2000" dirty="0"/>
+              <a:rPr lang="en-US" dirty="0"/>
               <a:t>├── configuration</a:t>
             </a:r>
           </a:p>
@@ -11565,7 +13830,7 @@
               </a:lnSpc>
             </a:pPr>
             <a:r>
-              <a:rPr lang="en-US" sz="2000" dirty="0"/>
+              <a:rPr lang="en-US" dirty="0"/>
               <a:t>│  ├── config.ini          # Configuration file</a:t>
             </a:r>
           </a:p>
@@ -11576,9 +13841,191 @@
               </a:lnSpc>
             </a:pPr>
             <a:r>
-              <a:rPr lang="en-US" sz="2000" dirty="0"/>
+              <a:rPr lang="en-US" dirty="0"/>
               <a:t>│  ├── config              # Serialized Config object</a:t>
             </a:r>
+          </a:p>
+        </p:txBody>
+      </p:sp>
+      <p:sp>
+        <p:nvSpPr>
+          <p:cNvPr id="19" name="Rectangle 18">
+            <a:extLst>
+              <a:ext uri="{FF2B5EF4-FFF2-40B4-BE49-F238E27FC236}">
+                <a16:creationId xmlns:a16="http://schemas.microsoft.com/office/drawing/2014/main" id="{359CEC61-F44B-43B3-B40F-AE38C5AF1D5F}"/>
+              </a:ext>
+              <a:ext uri="{C183D7F6-B498-43B3-948B-1728B52AA6E4}">
+                <adec:decorative xmlns:adec="http://schemas.microsoft.com/office/drawing/2017/decorative" val="1"/>
+              </a:ext>
+            </a:extLst>
+          </p:cNvPr>
+          <p:cNvSpPr>
+            <a:spLocks noGrp="1" noRot="1" noChangeAspect="1" noMove="1" noResize="1" noEditPoints="1" noAdjustHandles="1" noChangeArrowheads="1" noChangeShapeType="1" noTextEdit="1"/>
+          </p:cNvSpPr>
+          <p:nvPr>
+            <p:extLst>
+              <p:ext uri="{386F3935-93C4-4BCD-93E2-E3B085C9AB24}">
+                <p16:designElem xmlns:p16="http://schemas.microsoft.com/office/powerpoint/2015/main" val="1"/>
+              </p:ext>
+            </p:extLst>
+          </p:nvPr>
+        </p:nvSpPr>
+        <p:spPr>
+          <a:xfrm>
+            <a:off x="0" y="6400800"/>
+            <a:ext cx="12192000" cy="457200"/>
+          </a:xfrm>
+          <a:prstGeom prst="rect">
+            <a:avLst/>
+          </a:prstGeom>
+          <a:solidFill>
+            <a:srgbClr val="262626"/>
+          </a:solidFill>
+          <a:ln>
+            <a:noFill/>
+          </a:ln>
+        </p:spPr>
+        <p:style>
+          <a:lnRef idx="2">
+            <a:schemeClr val="accent1">
+              <a:shade val="50000"/>
+            </a:schemeClr>
+          </a:lnRef>
+          <a:fillRef idx="1">
+            <a:schemeClr val="accent1"/>
+          </a:fillRef>
+          <a:effectRef idx="0">
+            <a:schemeClr val="accent1"/>
+          </a:effectRef>
+          <a:fontRef idx="minor">
+            <a:schemeClr val="lt1"/>
+          </a:fontRef>
+        </p:style>
+      </p:sp>
+      <p:sp>
+        <p:nvSpPr>
+          <p:cNvPr id="5" name="Footer Placeholder 4">
+            <a:extLst>
+              <a:ext uri="{FF2B5EF4-FFF2-40B4-BE49-F238E27FC236}">
+                <a16:creationId xmlns:a16="http://schemas.microsoft.com/office/drawing/2014/main" id="{6D9E1848-F0F1-409C-A161-4257702DCDD8}"/>
+              </a:ext>
+            </a:extLst>
+          </p:cNvPr>
+          <p:cNvSpPr>
+            <a:spLocks noGrp="1"/>
+          </p:cNvSpPr>
+          <p:nvPr>
+            <p:ph type="ftr" sz="quarter" idx="11"/>
+          </p:nvPr>
+        </p:nvSpPr>
+        <p:spPr>
+          <a:xfrm>
+            <a:off x="1097279" y="6446838"/>
+            <a:ext cx="6818262" cy="365125"/>
+          </a:xfrm>
+        </p:spPr>
+        <p:txBody>
+          <a:bodyPr>
+            <a:normAutofit/>
+          </a:bodyPr>
+          <a:lstStyle/>
+          <a:p>
+            <a:pPr>
+              <a:spcAft>
+                <a:spcPts val="600"/>
+              </a:spcAft>
+            </a:pPr>
+            <a:r>
+              <a:rPr lang="en-US"/>
+              <a:t>Nauman Siddique, ODU CS </a:t>
+            </a:r>
+          </a:p>
+        </p:txBody>
+      </p:sp>
+      <p:sp>
+        <p:nvSpPr>
+          <p:cNvPr id="4" name="Date Placeholder 3">
+            <a:extLst>
+              <a:ext uri="{FF2B5EF4-FFF2-40B4-BE49-F238E27FC236}">
+                <a16:creationId xmlns:a16="http://schemas.microsoft.com/office/drawing/2014/main" id="{95CCA709-24AF-494D-9FFF-8D09F8178595}"/>
+              </a:ext>
+            </a:extLst>
+          </p:cNvPr>
+          <p:cNvSpPr>
+            <a:spLocks noGrp="1"/>
+          </p:cNvSpPr>
+          <p:nvPr>
+            <p:ph type="dt" sz="half" idx="10"/>
+          </p:nvPr>
+        </p:nvSpPr>
+        <p:spPr>
+          <a:xfrm>
+            <a:off x="8218426" y="6446838"/>
+            <a:ext cx="2584850" cy="365125"/>
+          </a:xfrm>
+        </p:spPr>
+        <p:txBody>
+          <a:bodyPr>
+            <a:normAutofit/>
+          </a:bodyPr>
+          <a:lstStyle/>
+          <a:p>
+            <a:pPr>
+              <a:spcAft>
+                <a:spcPts val="600"/>
+              </a:spcAft>
+            </a:pPr>
+            <a:fld id="{94FB2D6D-5047-43BE-8D2C-1CAFD26E0CB9}" type="datetime4">
+              <a:rPr lang="en-US" smtClean="0"/>
+              <a:t>March 12, 2021</a:t>
+            </a:fld>
+            <a:endParaRPr lang="en-US"/>
+          </a:p>
+        </p:txBody>
+      </p:sp>
+      <p:sp>
+        <p:nvSpPr>
+          <p:cNvPr id="6" name="Slide Number Placeholder 5">
+            <a:extLst>
+              <a:ext uri="{FF2B5EF4-FFF2-40B4-BE49-F238E27FC236}">
+                <a16:creationId xmlns:a16="http://schemas.microsoft.com/office/drawing/2014/main" id="{E35D6BA7-83D6-411A-82E2-773A07981D6D}"/>
+              </a:ext>
+            </a:extLst>
+          </p:cNvPr>
+          <p:cNvSpPr>
+            <a:spLocks noGrp="1"/>
+          </p:cNvSpPr>
+          <p:nvPr>
+            <p:ph type="sldNum" sz="quarter" idx="12"/>
+          </p:nvPr>
+        </p:nvSpPr>
+        <p:spPr>
+          <a:xfrm>
+            <a:off x="10993582" y="6446838"/>
+            <a:ext cx="780010" cy="365125"/>
+          </a:xfrm>
+        </p:spPr>
+        <p:txBody>
+          <a:bodyPr>
+            <a:normAutofit/>
+          </a:bodyPr>
+          <a:lstStyle/>
+          <a:p>
+            <a:pPr>
+              <a:spcAft>
+                <a:spcPts val="600"/>
+              </a:spcAft>
+            </a:pPr>
+            <a:fld id="{3A98EE3D-8CD1-4C3F-BD1C-C98C9596463C}" type="slidenum">
+              <a:rPr lang="en-US" smtClean="0"/>
+              <a:pPr>
+                <a:spcAft>
+                  <a:spcPts val="600"/>
+                </a:spcAft>
+              </a:pPr>
+              <a:t>34</a:t>
+            </a:fld>
+            <a:endParaRPr lang="en-US"/>
           </a:p>
         </p:txBody>
       </p:sp>
@@ -11675,6 +14122,93 @@
           </a:p>
         </p:txBody>
       </p:sp>
+      <p:sp>
+        <p:nvSpPr>
+          <p:cNvPr id="4" name="Date Placeholder 3">
+            <a:extLst>
+              <a:ext uri="{FF2B5EF4-FFF2-40B4-BE49-F238E27FC236}">
+                <a16:creationId xmlns:a16="http://schemas.microsoft.com/office/drawing/2014/main" id="{90490C90-6088-4B9D-9483-2C665561FFBF}"/>
+              </a:ext>
+            </a:extLst>
+          </p:cNvPr>
+          <p:cNvSpPr>
+            <a:spLocks noGrp="1"/>
+          </p:cNvSpPr>
+          <p:nvPr>
+            <p:ph type="dt" sz="half" idx="10"/>
+          </p:nvPr>
+        </p:nvSpPr>
+        <p:spPr/>
+        <p:txBody>
+          <a:bodyPr/>
+          <a:lstStyle/>
+          <a:p>
+            <a:fld id="{242D597D-A722-47F1-BF63-E29F1126FD74}" type="datetime4">
+              <a:rPr lang="en-US" smtClean="0"/>
+              <a:t>March 12, 2021</a:t>
+            </a:fld>
+            <a:endParaRPr lang="en-US" dirty="0"/>
+          </a:p>
+        </p:txBody>
+      </p:sp>
+      <p:sp>
+        <p:nvSpPr>
+          <p:cNvPr id="5" name="Footer Placeholder 4">
+            <a:extLst>
+              <a:ext uri="{FF2B5EF4-FFF2-40B4-BE49-F238E27FC236}">
+                <a16:creationId xmlns:a16="http://schemas.microsoft.com/office/drawing/2014/main" id="{51173CAE-FCE8-4898-AC4D-94E2687BCC45}"/>
+              </a:ext>
+            </a:extLst>
+          </p:cNvPr>
+          <p:cNvSpPr>
+            <a:spLocks noGrp="1"/>
+          </p:cNvSpPr>
+          <p:nvPr>
+            <p:ph type="ftr" sz="quarter" idx="11"/>
+          </p:nvPr>
+        </p:nvSpPr>
+        <p:spPr/>
+        <p:txBody>
+          <a:bodyPr/>
+          <a:lstStyle/>
+          <a:p>
+            <a:r>
+              <a:rPr lang="en-US"/>
+              <a:t>Nauman Siddique, ODU CS </a:t>
+            </a:r>
+            <a:endParaRPr lang="en-US" dirty="0"/>
+          </a:p>
+        </p:txBody>
+      </p:sp>
+      <p:sp>
+        <p:nvSpPr>
+          <p:cNvPr id="6" name="Slide Number Placeholder 5">
+            <a:extLst>
+              <a:ext uri="{FF2B5EF4-FFF2-40B4-BE49-F238E27FC236}">
+                <a16:creationId xmlns:a16="http://schemas.microsoft.com/office/drawing/2014/main" id="{909DF8ED-FE35-4705-AAB6-A76006E2B804}"/>
+              </a:ext>
+            </a:extLst>
+          </p:cNvPr>
+          <p:cNvSpPr>
+            <a:spLocks noGrp="1"/>
+          </p:cNvSpPr>
+          <p:nvPr>
+            <p:ph type="sldNum" sz="quarter" idx="12"/>
+          </p:nvPr>
+        </p:nvSpPr>
+        <p:spPr/>
+        <p:txBody>
+          <a:bodyPr/>
+          <a:lstStyle/>
+          <a:p>
+            <a:fld id="{3A98EE3D-8CD1-4C3F-BD1C-C98C9596463C}" type="slidenum">
+              <a:rPr lang="en-US" smtClean="0"/>
+              <a:t>35</a:t>
+            </a:fld>
+            <a:endParaRPr lang="en-US" dirty="0"/>
+          </a:p>
+        </p:txBody>
+      </p:sp>
     </p:spTree>
     <p:extLst>
       <p:ext uri="{BB962C8B-B14F-4D97-AF65-F5344CB8AC3E}">
@@ -11790,6 +14324,93 @@
               <a:buFont typeface="+mj-lt"/>
               <a:buAutoNum type="arabicPeriod"/>
             </a:pPr>
+            <a:endParaRPr lang="en-US" dirty="0"/>
+          </a:p>
+        </p:txBody>
+      </p:sp>
+      <p:sp>
+        <p:nvSpPr>
+          <p:cNvPr id="4" name="Date Placeholder 3">
+            <a:extLst>
+              <a:ext uri="{FF2B5EF4-FFF2-40B4-BE49-F238E27FC236}">
+                <a16:creationId xmlns:a16="http://schemas.microsoft.com/office/drawing/2014/main" id="{23147846-61D2-48AA-BC3E-DEA90CB659B8}"/>
+              </a:ext>
+            </a:extLst>
+          </p:cNvPr>
+          <p:cNvSpPr>
+            <a:spLocks noGrp="1"/>
+          </p:cNvSpPr>
+          <p:nvPr>
+            <p:ph type="dt" sz="half" idx="10"/>
+          </p:nvPr>
+        </p:nvSpPr>
+        <p:spPr/>
+        <p:txBody>
+          <a:bodyPr/>
+          <a:lstStyle/>
+          <a:p>
+            <a:fld id="{CD83D00C-1F76-4F16-A584-28D117316AD1}" type="datetime4">
+              <a:rPr lang="en-US" smtClean="0"/>
+              <a:t>March 12, 2021</a:t>
+            </a:fld>
+            <a:endParaRPr lang="en-US" dirty="0"/>
+          </a:p>
+        </p:txBody>
+      </p:sp>
+      <p:sp>
+        <p:nvSpPr>
+          <p:cNvPr id="5" name="Footer Placeholder 4">
+            <a:extLst>
+              <a:ext uri="{FF2B5EF4-FFF2-40B4-BE49-F238E27FC236}">
+                <a16:creationId xmlns:a16="http://schemas.microsoft.com/office/drawing/2014/main" id="{EAA30292-C611-4548-8929-952F916CD8DD}"/>
+              </a:ext>
+            </a:extLst>
+          </p:cNvPr>
+          <p:cNvSpPr>
+            <a:spLocks noGrp="1"/>
+          </p:cNvSpPr>
+          <p:nvPr>
+            <p:ph type="ftr" sz="quarter" idx="11"/>
+          </p:nvPr>
+        </p:nvSpPr>
+        <p:spPr/>
+        <p:txBody>
+          <a:bodyPr/>
+          <a:lstStyle/>
+          <a:p>
+            <a:r>
+              <a:rPr lang="en-US"/>
+              <a:t>Nauman Siddique, ODU CS </a:t>
+            </a:r>
+            <a:endParaRPr lang="en-US" dirty="0"/>
+          </a:p>
+        </p:txBody>
+      </p:sp>
+      <p:sp>
+        <p:nvSpPr>
+          <p:cNvPr id="6" name="Slide Number Placeholder 5">
+            <a:extLst>
+              <a:ext uri="{FF2B5EF4-FFF2-40B4-BE49-F238E27FC236}">
+                <a16:creationId xmlns:a16="http://schemas.microsoft.com/office/drawing/2014/main" id="{F86D7A8B-C9FA-4BA9-888B-E59141A203F2}"/>
+              </a:ext>
+            </a:extLst>
+          </p:cNvPr>
+          <p:cNvSpPr>
+            <a:spLocks noGrp="1"/>
+          </p:cNvSpPr>
+          <p:nvPr>
+            <p:ph type="sldNum" sz="quarter" idx="12"/>
+          </p:nvPr>
+        </p:nvSpPr>
+        <p:spPr/>
+        <p:txBody>
+          <a:bodyPr/>
+          <a:lstStyle/>
+          <a:p>
+            <a:fld id="{3A98EE3D-8CD1-4C3F-BD1C-C98C9596463C}" type="slidenum">
+              <a:rPr lang="en-US" smtClean="0"/>
+              <a:t>36</a:t>
+            </a:fld>
             <a:endParaRPr lang="en-US" dirty="0"/>
           </a:p>
         </p:txBody>
@@ -11834,7 +14455,7 @@
       </p:grpSpPr>
       <p:sp>
         <p:nvSpPr>
-          <p:cNvPr id="10" name="Rectangle 9">
+          <p:cNvPr id="23" name="Rectangle 22">
             <a:extLst>
               <a:ext uri="{FF2B5EF4-FFF2-40B4-BE49-F238E27FC236}">
                 <a16:creationId xmlns:a16="http://schemas.microsoft.com/office/drawing/2014/main" id="{39E3965E-AC41-4711-9D10-E25ABB132D86}"/>
@@ -11889,7 +14510,7 @@
       </p:sp>
       <p:cxnSp>
         <p:nvCxnSpPr>
-          <p:cNvPr id="12" name="Straight Connector 11">
+          <p:cNvPr id="25" name="Straight Connector 24">
             <a:extLst>
               <a:ext uri="{FF2B5EF4-FFF2-40B4-BE49-F238E27FC236}">
                 <a16:creationId xmlns:a16="http://schemas.microsoft.com/office/drawing/2014/main" id="{1F5DC8C3-BA5F-4EED-BB9A-A14272BD82A1}"/>
@@ -11944,10 +14565,10 @@
       </p:cxnSp>
       <p:sp useBgFill="1">
         <p:nvSpPr>
-          <p:cNvPr id="14" name="Rectangle 13">
-            <a:extLst>
-              <a:ext uri="{FF2B5EF4-FFF2-40B4-BE49-F238E27FC236}">
-                <a16:creationId xmlns:a16="http://schemas.microsoft.com/office/drawing/2014/main" id="{B4D0E555-16F6-44D0-BF56-AF5FF5BDE9D6}"/>
+          <p:cNvPr id="27" name="Rectangle 26">
+            <a:extLst>
+              <a:ext uri="{FF2B5EF4-FFF2-40B4-BE49-F238E27FC236}">
+                <a16:creationId xmlns:a16="http://schemas.microsoft.com/office/drawing/2014/main" id="{33428ACC-71EC-4171-9527-10983BA6B41D}"/>
               </a:ext>
               <a:ext uri="{C183D7F6-B498-43B3-948B-1728B52AA6E4}">
                 <adec:decorative xmlns:adec="http://schemas.microsoft.com/office/drawing/2017/decorative" val="1"/>
@@ -11968,7 +14589,7 @@
         <p:spPr>
           <a:xfrm>
             <a:off x="0" y="0"/>
-            <a:ext cx="12192000" cy="6858000"/>
+            <a:ext cx="12192001" cy="6858000"/>
           </a:xfrm>
           <a:prstGeom prst="rect">
             <a:avLst/>
@@ -11983,8 +14604,8 @@
               <a:shade val="50000"/>
             </a:schemeClr>
           </a:lnRef>
-          <a:fillRef idx="1001">
-            <a:schemeClr val="lt1"/>
+          <a:fillRef idx="1">
+            <a:schemeClr val="accent1"/>
           </a:fillRef>
           <a:effectRef idx="0">
             <a:schemeClr val="accent1"/>
@@ -12004,19 +14625,99 @@
       </p:sp>
       <p:sp>
         <p:nvSpPr>
-          <p:cNvPr id="16" name="Rectangle 15">
-            <a:extLst>
-              <a:ext uri="{FF2B5EF4-FFF2-40B4-BE49-F238E27FC236}">
-                <a16:creationId xmlns:a16="http://schemas.microsoft.com/office/drawing/2014/main" id="{8117041D-1A7B-4ECA-AB68-3CFDB6726B8E}"/>
+          <p:cNvPr id="2" name="Title 1">
+            <a:extLst>
+              <a:ext uri="{FF2B5EF4-FFF2-40B4-BE49-F238E27FC236}">
+                <a16:creationId xmlns:a16="http://schemas.microsoft.com/office/drawing/2014/main" id="{62D609DA-2F73-4B15-88AB-B77AB5314BA4}"/>
+              </a:ext>
+            </a:extLst>
+          </p:cNvPr>
+          <p:cNvSpPr>
+            <a:spLocks noGrp="1"/>
+          </p:cNvSpPr>
+          <p:nvPr>
+            <p:ph type="title"/>
+          </p:nvPr>
+        </p:nvSpPr>
+        <p:spPr>
+          <a:xfrm>
+            <a:off x="8141110" y="639098"/>
+            <a:ext cx="3401961" cy="3494790"/>
+          </a:xfrm>
+        </p:spPr>
+        <p:txBody>
+          <a:bodyPr vert="horz" lIns="91440" tIns="45720" rIns="91440" bIns="45720" rtlCol="0" anchor="b">
+            <a:normAutofit/>
+          </a:bodyPr>
+          <a:lstStyle/>
+          <a:p>
+            <a:r>
+              <a:rPr lang="en-US" sz="5400">
+                <a:solidFill>
+                  <a:schemeClr val="tx1">
+                    <a:lumMod val="85000"/>
+                    <a:lumOff val="15000"/>
+                  </a:schemeClr>
+                </a:solidFill>
+              </a:rPr>
+              <a:t>Results from the Project</a:t>
+            </a:r>
+          </a:p>
+        </p:txBody>
+      </p:sp>
+      <p:pic>
+        <p:nvPicPr>
+          <p:cNvPr id="5" name="Content Placeholder 4" descr="Graphical user interface, application&#10;&#10;Description automatically generated">
+            <a:extLst>
+              <a:ext uri="{FF2B5EF4-FFF2-40B4-BE49-F238E27FC236}">
+                <a16:creationId xmlns:a16="http://schemas.microsoft.com/office/drawing/2014/main" id="{F786CDEB-1367-426F-9AB2-AED67834BD0F}"/>
+              </a:ext>
+            </a:extLst>
+          </p:cNvPr>
+          <p:cNvPicPr>
+            <a:picLocks noGrp="1" noChangeAspect="1"/>
+          </p:cNvPicPr>
+          <p:nvPr>
+            <p:ph idx="1"/>
+          </p:nvPr>
+        </p:nvPicPr>
+        <p:blipFill>
+          <a:blip r:embed="rId2">
+            <a:extLst>
+              <a:ext uri="{28A0092B-C50C-407E-A947-70E740481C1C}">
+                <a14:useLocalDpi xmlns:a14="http://schemas.microsoft.com/office/drawing/2010/main" val="0"/>
+              </a:ext>
+            </a:extLst>
+          </a:blip>
+          <a:stretch>
+            <a:fillRect/>
+          </a:stretch>
+        </p:blipFill>
+        <p:spPr>
+          <a:xfrm>
+            <a:off x="829362" y="640081"/>
+            <a:ext cx="6521491" cy="5054156"/>
+          </a:xfrm>
+          <a:prstGeom prst="rect">
+            <a:avLst/>
+          </a:prstGeom>
+        </p:spPr>
+      </p:pic>
+      <p:cxnSp>
+        <p:nvCxnSpPr>
+          <p:cNvPr id="29" name="Straight Connector 28">
+            <a:extLst>
+              <a:ext uri="{FF2B5EF4-FFF2-40B4-BE49-F238E27FC236}">
+                <a16:creationId xmlns:a16="http://schemas.microsoft.com/office/drawing/2014/main" id="{BA22713B-ABB6-4391-97F9-0449A2B9B664}"/>
               </a:ext>
               <a:ext uri="{C183D7F6-B498-43B3-948B-1728B52AA6E4}">
                 <adec:decorative xmlns:adec="http://schemas.microsoft.com/office/drawing/2017/decorative" val="1"/>
               </a:ext>
             </a:extLst>
           </p:cNvPr>
-          <p:cNvSpPr>
-            <a:spLocks noGrp="1" noRot="1" noChangeAspect="1" noMove="1" noResize="1" noEditPoints="1" noAdjustHandles="1" noChangeArrowheads="1" noChangeShapeType="1" noTextEdit="1"/>
-          </p:cNvSpPr>
+          <p:cNvCxnSpPr>
+            <a:cxnSpLocks noGrp="1" noRot="1" noChangeAspect="1" noMove="1" noResize="1" noEditPoints="1" noAdjustHandles="1" noChangeArrowheads="1" noChangeShapeType="1"/>
+          </p:cNvCxnSpPr>
           <p:nvPr>
             <p:extLst>
               <p:ext uri="{386F3935-93C4-4BCD-93E2-E3B085C9AB24}">
@@ -12024,17 +14725,72 @@
               </p:ext>
             </p:extLst>
           </p:nvPr>
-        </p:nvSpPr>
-        <p:spPr bwMode="white">
+        </p:nvCxnSpPr>
+        <p:spPr>
           <a:xfrm>
-            <a:off x="-6220" y="0"/>
-            <a:ext cx="4641314" cy="6858000"/>
+            <a:off x="8209305" y="4294754"/>
+            <a:ext cx="3200400" cy="0"/>
+          </a:xfrm>
+          <a:prstGeom prst="line">
+            <a:avLst/>
+          </a:prstGeom>
+          <a:ln w="12700">
+            <a:solidFill>
+              <a:schemeClr val="tx1">
+                <a:lumMod val="75000"/>
+                <a:lumOff val="25000"/>
+              </a:schemeClr>
+            </a:solidFill>
+          </a:ln>
+        </p:spPr>
+        <p:style>
+          <a:lnRef idx="1">
+            <a:schemeClr val="accent1"/>
+          </a:lnRef>
+          <a:fillRef idx="0">
+            <a:schemeClr val="accent1"/>
+          </a:fillRef>
+          <a:effectRef idx="0">
+            <a:schemeClr val="accent1"/>
+          </a:effectRef>
+          <a:fontRef idx="minor">
+            <a:schemeClr val="tx1"/>
+          </a:fontRef>
+        </p:style>
+      </p:cxnSp>
+      <p:sp>
+        <p:nvSpPr>
+          <p:cNvPr id="31" name="Rectangle 30">
+            <a:extLst>
+              <a:ext uri="{FF2B5EF4-FFF2-40B4-BE49-F238E27FC236}">
+                <a16:creationId xmlns:a16="http://schemas.microsoft.com/office/drawing/2014/main" id="{8D4480B4-953D-41FA-9052-09AB3A026947}"/>
+              </a:ext>
+              <a:ext uri="{C183D7F6-B498-43B3-948B-1728B52AA6E4}">
+                <adec:decorative xmlns:adec="http://schemas.microsoft.com/office/drawing/2017/decorative" val="1"/>
+              </a:ext>
+            </a:extLst>
+          </p:cNvPr>
+          <p:cNvSpPr>
+            <a:spLocks noGrp="1" noRot="1" noChangeAspect="1" noMove="1" noResize="1" noEditPoints="1" noAdjustHandles="1" noChangeArrowheads="1" noChangeShapeType="1" noTextEdit="1"/>
+          </p:cNvSpPr>
+          <p:nvPr>
+            <p:extLst>
+              <p:ext uri="{386F3935-93C4-4BCD-93E2-E3B085C9AB24}">
+                <p16:designElem xmlns:p16="http://schemas.microsoft.com/office/powerpoint/2015/main" val="1"/>
+              </p:ext>
+            </p:extLst>
+          </p:nvPr>
+        </p:nvSpPr>
+        <p:spPr>
+          <a:xfrm>
+            <a:off x="0" y="6400800"/>
+            <a:ext cx="12192000" cy="457200"/>
           </a:xfrm>
           <a:prstGeom prst="rect">
             <a:avLst/>
           </a:prstGeom>
           <a:solidFill>
-            <a:srgbClr val="BF9989"/>
+            <a:srgbClr val="262626"/>
           </a:solidFill>
           <a:ln>
             <a:noFill/>
@@ -12059,133 +14815,138 @@
       </p:sp>
       <p:sp>
         <p:nvSpPr>
-          <p:cNvPr id="2" name="Title 1">
-            <a:extLst>
-              <a:ext uri="{FF2B5EF4-FFF2-40B4-BE49-F238E27FC236}">
-                <a16:creationId xmlns:a16="http://schemas.microsoft.com/office/drawing/2014/main" id="{62D609DA-2F73-4B15-88AB-B77AB5314BA4}"/>
-              </a:ext>
-            </a:extLst>
-          </p:cNvPr>
-          <p:cNvSpPr>
-            <a:spLocks noGrp="1"/>
-          </p:cNvSpPr>
-          <p:nvPr>
-            <p:ph type="title"/>
+          <p:cNvPr id="4" name="Footer Placeholder 3">
+            <a:extLst>
+              <a:ext uri="{FF2B5EF4-FFF2-40B4-BE49-F238E27FC236}">
+                <a16:creationId xmlns:a16="http://schemas.microsoft.com/office/drawing/2014/main" id="{C69EBA39-0444-4147-88F8-EDA9FDB200A2}"/>
+              </a:ext>
+            </a:extLst>
+          </p:cNvPr>
+          <p:cNvSpPr>
+            <a:spLocks noGrp="1"/>
+          </p:cNvSpPr>
+          <p:nvPr>
+            <p:ph type="ftr" sz="quarter" idx="11"/>
           </p:nvPr>
         </p:nvSpPr>
         <p:spPr>
           <a:xfrm>
-            <a:off x="435869" y="640080"/>
-            <a:ext cx="3659246" cy="2862699"/>
+            <a:off x="1097279" y="6446838"/>
+            <a:ext cx="6818262" cy="365125"/>
           </a:xfrm>
         </p:spPr>
         <p:txBody>
-          <a:bodyPr vert="horz" lIns="91440" tIns="45720" rIns="91440" bIns="45720" rtlCol="0" anchor="b">
+          <a:bodyPr vert="horz" lIns="91440" tIns="45720" rIns="91440" bIns="45720" rtlCol="0" anchor="ctr">
             <a:normAutofit/>
           </a:bodyPr>
           <a:lstStyle/>
           <a:p>
-            <a:r>
-              <a:rPr lang="en-US" sz="4400" dirty="0">
+            <a:pPr>
+              <a:spcAft>
+                <a:spcPts val="600"/>
+              </a:spcAft>
+            </a:pPr>
+            <a:r>
+              <a:rPr lang="en-US" sz="900" kern="1200" cap="all" baseline="0">
                 <a:solidFill>
                   <a:srgbClr val="FFFFFF"/>
                 </a:solidFill>
+                <a:latin typeface="+mn-lt"/>
+                <a:ea typeface="+mn-ea"/>
+                <a:cs typeface="+mn-cs"/>
               </a:rPr>
-              <a:t>Results from the Project</a:t>
-            </a:r>
-          </a:p>
-        </p:txBody>
-      </p:sp>
-      <p:cxnSp>
-        <p:nvCxnSpPr>
-          <p:cNvPr id="18" name="Straight Connector 17">
-            <a:extLst>
-              <a:ext uri="{FF2B5EF4-FFF2-40B4-BE49-F238E27FC236}">
-                <a16:creationId xmlns:a16="http://schemas.microsoft.com/office/drawing/2014/main" id="{ABCD2462-4C1E-401A-AC2D-F799A138B245}"/>
-              </a:ext>
-              <a:ext uri="{C183D7F6-B498-43B3-948B-1728B52AA6E4}">
-                <adec:decorative xmlns:adec="http://schemas.microsoft.com/office/drawing/2017/decorative" val="1"/>
-              </a:ext>
-            </a:extLst>
-          </p:cNvPr>
-          <p:cNvCxnSpPr>
-            <a:cxnSpLocks noGrp="1" noRot="1" noChangeAspect="1" noMove="1" noResize="1" noEditPoints="1" noAdjustHandles="1" noChangeArrowheads="1" noChangeShapeType="1"/>
-          </p:cNvCxnSpPr>
-          <p:nvPr>
-            <p:extLst>
-              <p:ext uri="{386F3935-93C4-4BCD-93E2-E3B085C9AB24}">
-                <p16:designElem xmlns:p16="http://schemas.microsoft.com/office/powerpoint/2015/main" val="1"/>
-              </p:ext>
-            </p:extLst>
-          </p:nvPr>
-        </p:nvCxnSpPr>
+              <a:t>Nauman Siddique, ODU CS </a:t>
+            </a:r>
+          </a:p>
+        </p:txBody>
+      </p:sp>
+      <p:sp>
+        <p:nvSpPr>
+          <p:cNvPr id="3" name="Date Placeholder 2">
+            <a:extLst>
+              <a:ext uri="{FF2B5EF4-FFF2-40B4-BE49-F238E27FC236}">
+                <a16:creationId xmlns:a16="http://schemas.microsoft.com/office/drawing/2014/main" id="{A5C2016F-C3E9-4DCC-9936-3630ECA51AE9}"/>
+              </a:ext>
+            </a:extLst>
+          </p:cNvPr>
+          <p:cNvSpPr>
+            <a:spLocks noGrp="1"/>
+          </p:cNvSpPr>
+          <p:nvPr>
+            <p:ph type="dt" sz="half" idx="10"/>
+          </p:nvPr>
+        </p:nvSpPr>
         <p:spPr>
           <a:xfrm>
-            <a:off x="573852" y="3663649"/>
-            <a:ext cx="3383280" cy="0"/>
+            <a:off x="8218426" y="6446838"/>
+            <a:ext cx="2584850" cy="365125"/>
           </a:xfrm>
-          <a:prstGeom prst="line">
-            <a:avLst/>
-          </a:prstGeom>
-          <a:ln w="19050">
-            <a:solidFill>
-              <a:schemeClr val="accent1"/>
-            </a:solidFill>
-          </a:ln>
         </p:spPr>
-        <p:style>
-          <a:lnRef idx="1">
-            <a:schemeClr val="accent1"/>
-          </a:lnRef>
-          <a:fillRef idx="0">
-            <a:schemeClr val="accent1"/>
-          </a:fillRef>
-          <a:effectRef idx="0">
-            <a:schemeClr val="accent1"/>
-          </a:effectRef>
-          <a:fontRef idx="minor">
-            <a:schemeClr val="tx1"/>
-          </a:fontRef>
-        </p:style>
-      </p:cxnSp>
-      <p:pic>
-        <p:nvPicPr>
-          <p:cNvPr id="5" name="Content Placeholder 4" descr="Graphical user interface, application&#10;&#10;Description automatically generated">
-            <a:extLst>
-              <a:ext uri="{FF2B5EF4-FFF2-40B4-BE49-F238E27FC236}">
-                <a16:creationId xmlns:a16="http://schemas.microsoft.com/office/drawing/2014/main" id="{F786CDEB-1367-426F-9AB2-AED67834BD0F}"/>
-              </a:ext>
-            </a:extLst>
-          </p:cNvPr>
-          <p:cNvPicPr>
-            <a:picLocks noGrp="1" noChangeAspect="1"/>
-          </p:cNvPicPr>
-          <p:nvPr>
-            <p:ph idx="1"/>
-          </p:nvPr>
-        </p:nvPicPr>
-        <p:blipFill>
-          <a:blip r:embed="rId2">
-            <a:extLst>
-              <a:ext uri="{28A0092B-C50C-407E-A947-70E740481C1C}">
-                <a14:useLocalDpi xmlns:a14="http://schemas.microsoft.com/office/drawing/2010/main" val="0"/>
-              </a:ext>
-            </a:extLst>
-          </a:blip>
-          <a:stretch>
-            <a:fillRect/>
-          </a:stretch>
-        </p:blipFill>
+        <p:txBody>
+          <a:bodyPr vert="horz" lIns="91440" tIns="45720" rIns="91440" bIns="45720" rtlCol="0" anchor="ctr">
+            <a:normAutofit/>
+          </a:bodyPr>
+          <a:lstStyle/>
+          <a:p>
+            <a:pPr>
+              <a:spcAft>
+                <a:spcPts val="600"/>
+              </a:spcAft>
+            </a:pPr>
+            <a:fld id="{B76700A0-9662-496C-90C4-372E9AD59E80}" type="datetime4">
+              <a:rPr lang="en-US" sz="900" smtClean="0"/>
+              <a:t>March 12, 2021</a:t>
+            </a:fld>
+            <a:endParaRPr lang="en-US" sz="900"/>
+          </a:p>
+        </p:txBody>
+      </p:sp>
+      <p:sp>
+        <p:nvSpPr>
+          <p:cNvPr id="6" name="Slide Number Placeholder 5">
+            <a:extLst>
+              <a:ext uri="{FF2B5EF4-FFF2-40B4-BE49-F238E27FC236}">
+                <a16:creationId xmlns:a16="http://schemas.microsoft.com/office/drawing/2014/main" id="{ED53C304-D3C1-433B-B161-772650D39DDD}"/>
+              </a:ext>
+            </a:extLst>
+          </p:cNvPr>
+          <p:cNvSpPr>
+            <a:spLocks noGrp="1"/>
+          </p:cNvSpPr>
+          <p:nvPr>
+            <p:ph type="sldNum" sz="quarter" idx="12"/>
+          </p:nvPr>
+        </p:nvSpPr>
         <p:spPr>
           <a:xfrm>
-            <a:off x="5282335" y="997179"/>
-            <a:ext cx="6275667" cy="4863641"/>
+            <a:off x="10993582" y="6446838"/>
+            <a:ext cx="780010" cy="365125"/>
           </a:xfrm>
-          <a:prstGeom prst="rect">
-            <a:avLst/>
-          </a:prstGeom>
         </p:spPr>
-      </p:pic>
+        <p:txBody>
+          <a:bodyPr vert="horz" lIns="91440" tIns="45720" rIns="91440" bIns="45720" rtlCol="0" anchor="ctr">
+            <a:normAutofit/>
+          </a:bodyPr>
+          <a:lstStyle/>
+          <a:p>
+            <a:pPr>
+              <a:spcAft>
+                <a:spcPts val="600"/>
+              </a:spcAft>
+            </a:pPr>
+            <a:fld id="{3A98EE3D-8CD1-4C3F-BD1C-C98C9596463C}" type="slidenum">
+              <a:rPr lang="en-US" sz="1050" smtClean="0"/>
+              <a:pPr>
+                <a:spcAft>
+                  <a:spcPts val="600"/>
+                </a:spcAft>
+              </a:pPr>
+              <a:t>4</a:t>
+            </a:fld>
+            <a:endParaRPr lang="en-US" sz="1050"/>
+          </a:p>
+        </p:txBody>
+      </p:sp>
     </p:spTree>
     <p:extLst>
       <p:ext uri="{BB962C8B-B14F-4D97-AF65-F5344CB8AC3E}">
@@ -12333,6 +15094,93 @@
               <a:rPr lang="en-US" dirty="0"/>
               <a:t>Jumper Wires</a:t>
             </a:r>
+          </a:p>
+        </p:txBody>
+      </p:sp>
+      <p:sp>
+        <p:nvSpPr>
+          <p:cNvPr id="4" name="Date Placeholder 3">
+            <a:extLst>
+              <a:ext uri="{FF2B5EF4-FFF2-40B4-BE49-F238E27FC236}">
+                <a16:creationId xmlns:a16="http://schemas.microsoft.com/office/drawing/2014/main" id="{D5600FAD-6EF7-4338-BF19-17A1216CE556}"/>
+              </a:ext>
+            </a:extLst>
+          </p:cNvPr>
+          <p:cNvSpPr>
+            <a:spLocks noGrp="1"/>
+          </p:cNvSpPr>
+          <p:nvPr>
+            <p:ph type="dt" sz="half" idx="10"/>
+          </p:nvPr>
+        </p:nvSpPr>
+        <p:spPr/>
+        <p:txBody>
+          <a:bodyPr/>
+          <a:lstStyle/>
+          <a:p>
+            <a:fld id="{48531BE9-ED19-42A2-ABAB-44138AF8496C}" type="datetime4">
+              <a:rPr lang="en-US" smtClean="0"/>
+              <a:t>March 12, 2021</a:t>
+            </a:fld>
+            <a:endParaRPr lang="en-US" dirty="0"/>
+          </a:p>
+        </p:txBody>
+      </p:sp>
+      <p:sp>
+        <p:nvSpPr>
+          <p:cNvPr id="5" name="Footer Placeholder 4">
+            <a:extLst>
+              <a:ext uri="{FF2B5EF4-FFF2-40B4-BE49-F238E27FC236}">
+                <a16:creationId xmlns:a16="http://schemas.microsoft.com/office/drawing/2014/main" id="{6B6FD70E-E352-4A40-A203-2063C7139E9C}"/>
+              </a:ext>
+            </a:extLst>
+          </p:cNvPr>
+          <p:cNvSpPr>
+            <a:spLocks noGrp="1"/>
+          </p:cNvSpPr>
+          <p:nvPr>
+            <p:ph type="ftr" sz="quarter" idx="11"/>
+          </p:nvPr>
+        </p:nvSpPr>
+        <p:spPr/>
+        <p:txBody>
+          <a:bodyPr/>
+          <a:lstStyle/>
+          <a:p>
+            <a:r>
+              <a:rPr lang="en-US"/>
+              <a:t>Nauman Siddique, ODU CS </a:t>
+            </a:r>
+            <a:endParaRPr lang="en-US" dirty="0"/>
+          </a:p>
+        </p:txBody>
+      </p:sp>
+      <p:sp>
+        <p:nvSpPr>
+          <p:cNvPr id="6" name="Slide Number Placeholder 5">
+            <a:extLst>
+              <a:ext uri="{FF2B5EF4-FFF2-40B4-BE49-F238E27FC236}">
+                <a16:creationId xmlns:a16="http://schemas.microsoft.com/office/drawing/2014/main" id="{61EB833C-CBEE-434B-ADE3-5E0363C53894}"/>
+              </a:ext>
+            </a:extLst>
+          </p:cNvPr>
+          <p:cNvSpPr>
+            <a:spLocks noGrp="1"/>
+          </p:cNvSpPr>
+          <p:nvPr>
+            <p:ph type="sldNum" sz="quarter" idx="12"/>
+          </p:nvPr>
+        </p:nvSpPr>
+        <p:spPr/>
+        <p:txBody>
+          <a:bodyPr/>
+          <a:lstStyle/>
+          <a:p>
+            <a:fld id="{3A98EE3D-8CD1-4C3F-BD1C-C98C9596463C}" type="slidenum">
+              <a:rPr lang="en-US" smtClean="0"/>
+              <a:t>5</a:t>
+            </a:fld>
+            <a:endParaRPr lang="en-US" dirty="0"/>
           </a:p>
         </p:txBody>
       </p:sp>
@@ -12680,6 +15528,93 @@
           </a:fontRef>
         </p:style>
       </p:cxnSp>
+      <p:sp>
+        <p:nvSpPr>
+          <p:cNvPr id="3" name="Date Placeholder 2">
+            <a:extLst>
+              <a:ext uri="{FF2B5EF4-FFF2-40B4-BE49-F238E27FC236}">
+                <a16:creationId xmlns:a16="http://schemas.microsoft.com/office/drawing/2014/main" id="{1819CAE3-560F-428E-8307-5045E6F3121E}"/>
+              </a:ext>
+            </a:extLst>
+          </p:cNvPr>
+          <p:cNvSpPr>
+            <a:spLocks noGrp="1"/>
+          </p:cNvSpPr>
+          <p:nvPr>
+            <p:ph type="dt" sz="half" idx="10"/>
+          </p:nvPr>
+        </p:nvSpPr>
+        <p:spPr/>
+        <p:txBody>
+          <a:bodyPr/>
+          <a:lstStyle/>
+          <a:p>
+            <a:fld id="{98DF8810-F635-457E-9FBF-A1454FFF1476}" type="datetime4">
+              <a:rPr lang="en-US" smtClean="0"/>
+              <a:t>March 12, 2021</a:t>
+            </a:fld>
+            <a:endParaRPr lang="en-US" dirty="0"/>
+          </a:p>
+        </p:txBody>
+      </p:sp>
+      <p:sp>
+        <p:nvSpPr>
+          <p:cNvPr id="4" name="Footer Placeholder 3">
+            <a:extLst>
+              <a:ext uri="{FF2B5EF4-FFF2-40B4-BE49-F238E27FC236}">
+                <a16:creationId xmlns:a16="http://schemas.microsoft.com/office/drawing/2014/main" id="{A43E4466-E595-400C-A04B-7360F5CD49AF}"/>
+              </a:ext>
+            </a:extLst>
+          </p:cNvPr>
+          <p:cNvSpPr>
+            <a:spLocks noGrp="1"/>
+          </p:cNvSpPr>
+          <p:nvPr>
+            <p:ph type="ftr" sz="quarter" idx="11"/>
+          </p:nvPr>
+        </p:nvSpPr>
+        <p:spPr/>
+        <p:txBody>
+          <a:bodyPr/>
+          <a:lstStyle/>
+          <a:p>
+            <a:r>
+              <a:rPr lang="en-US"/>
+              <a:t>Nauman Siddique, ODU CS </a:t>
+            </a:r>
+            <a:endParaRPr lang="en-US" dirty="0"/>
+          </a:p>
+        </p:txBody>
+      </p:sp>
+      <p:sp>
+        <p:nvSpPr>
+          <p:cNvPr id="8" name="Slide Number Placeholder 7">
+            <a:extLst>
+              <a:ext uri="{FF2B5EF4-FFF2-40B4-BE49-F238E27FC236}">
+                <a16:creationId xmlns:a16="http://schemas.microsoft.com/office/drawing/2014/main" id="{B58BCA37-7201-4FDB-BCAC-103C7F3F449E}"/>
+              </a:ext>
+            </a:extLst>
+          </p:cNvPr>
+          <p:cNvSpPr>
+            <a:spLocks noGrp="1"/>
+          </p:cNvSpPr>
+          <p:nvPr>
+            <p:ph type="sldNum" sz="quarter" idx="12"/>
+          </p:nvPr>
+        </p:nvSpPr>
+        <p:spPr/>
+        <p:txBody>
+          <a:bodyPr/>
+          <a:lstStyle/>
+          <a:p>
+            <a:fld id="{3A98EE3D-8CD1-4C3F-BD1C-C98C9596463C}" type="slidenum">
+              <a:rPr lang="en-US" smtClean="0"/>
+              <a:t>6</a:t>
+            </a:fld>
+            <a:endParaRPr lang="en-US" dirty="0"/>
+          </a:p>
+        </p:txBody>
+      </p:sp>
     </p:spTree>
     <p:extLst>
       <p:ext uri="{BB962C8B-B14F-4D97-AF65-F5344CB8AC3E}">
@@ -12720,7 +15655,7 @@
       </p:grpSpPr>
       <p:sp>
         <p:nvSpPr>
-          <p:cNvPr id="10" name="Rectangle 9">
+          <p:cNvPr id="21" name="Rectangle 20">
             <a:extLst>
               <a:ext uri="{FF2B5EF4-FFF2-40B4-BE49-F238E27FC236}">
                 <a16:creationId xmlns:a16="http://schemas.microsoft.com/office/drawing/2014/main" id="{39E3965E-AC41-4711-9D10-E25ABB132D86}"/>
@@ -12775,7 +15710,7 @@
       </p:sp>
       <p:cxnSp>
         <p:nvCxnSpPr>
-          <p:cNvPr id="12" name="Straight Connector 11">
+          <p:cNvPr id="23" name="Straight Connector 22">
             <a:extLst>
               <a:ext uri="{FF2B5EF4-FFF2-40B4-BE49-F238E27FC236}">
                 <a16:creationId xmlns:a16="http://schemas.microsoft.com/office/drawing/2014/main" id="{1F5DC8C3-BA5F-4EED-BB9A-A14272BD82A1}"/>
@@ -12828,12 +15763,12 @@
           </a:fontRef>
         </p:style>
       </p:cxnSp>
-      <p:sp>
-        <p:nvSpPr>
-          <p:cNvPr id="14" name="Rectangle 13">
-            <a:extLst>
-              <a:ext uri="{FF2B5EF4-FFF2-40B4-BE49-F238E27FC236}">
-                <a16:creationId xmlns:a16="http://schemas.microsoft.com/office/drawing/2014/main" id="{6482F060-A4AF-4E0B-B364-7C6BA4AE9C03}"/>
+      <p:sp useBgFill="1">
+        <p:nvSpPr>
+          <p:cNvPr id="25" name="Rectangle 24">
+            <a:extLst>
+              <a:ext uri="{FF2B5EF4-FFF2-40B4-BE49-F238E27FC236}">
+                <a16:creationId xmlns:a16="http://schemas.microsoft.com/office/drawing/2014/main" id="{8638A98B-4B4B-4607-B11F-7DCA0D7CCE17}"/>
               </a:ext>
               <a:ext uri="{C183D7F6-B498-43B3-948B-1728B52AA6E4}">
                 <adec:decorative xmlns:adec="http://schemas.microsoft.com/office/drawing/2017/decorative" val="1"/>
@@ -12851,10 +15786,107 @@
             </p:extLst>
           </p:nvPr>
         </p:nvSpPr>
+        <p:spPr>
+          <a:xfrm>
+            <a:off x="0" y="0"/>
+            <a:ext cx="12192000" cy="6858000"/>
+          </a:xfrm>
+          <a:prstGeom prst="rect">
+            <a:avLst/>
+          </a:prstGeom>
+          <a:ln>
+            <a:noFill/>
+          </a:ln>
+        </p:spPr>
+        <p:style>
+          <a:lnRef idx="2">
+            <a:schemeClr val="accent1">
+              <a:shade val="50000"/>
+            </a:schemeClr>
+          </a:lnRef>
+          <a:fillRef idx="1001">
+            <a:schemeClr val="lt1"/>
+          </a:fillRef>
+          <a:effectRef idx="0">
+            <a:schemeClr val="accent1"/>
+          </a:effectRef>
+          <a:fontRef idx="minor">
+            <a:schemeClr val="lt1"/>
+          </a:fontRef>
+        </p:style>
+        <p:txBody>
+          <a:bodyPr rtlCol="0" anchor="ctr"/>
+          <a:lstStyle/>
+          <a:p>
+            <a:pPr algn="ctr"/>
+            <a:endParaRPr lang="en-US"/>
+          </a:p>
+        </p:txBody>
+      </p:sp>
+      <p:pic>
+        <p:nvPicPr>
+          <p:cNvPr id="5" name="Content Placeholder 4" descr="Diagram&#10;&#10;Description automatically generated">
+            <a:extLst>
+              <a:ext uri="{FF2B5EF4-FFF2-40B4-BE49-F238E27FC236}">
+                <a16:creationId xmlns:a16="http://schemas.microsoft.com/office/drawing/2014/main" id="{A3E62470-CFA5-40BA-BC3D-BC1D4661131F}"/>
+              </a:ext>
+            </a:extLst>
+          </p:cNvPr>
+          <p:cNvPicPr>
+            <a:picLocks noGrp="1" noChangeAspect="1"/>
+          </p:cNvPicPr>
+          <p:nvPr>
+            <p:ph idx="1"/>
+          </p:nvPr>
+        </p:nvPicPr>
+        <p:blipFill rotWithShape="1">
+          <a:blip r:embed="rId2">
+            <a:extLst>
+              <a:ext uri="{28A0092B-C50C-407E-A947-70E740481C1C}">
+                <a14:useLocalDpi xmlns:a14="http://schemas.microsoft.com/office/drawing/2010/main" val="0"/>
+              </a:ext>
+            </a:extLst>
+          </a:blip>
+          <a:srcRect l="4546" r="3758"/>
+          <a:stretch/>
+        </p:blipFill>
+        <p:spPr>
+          <a:xfrm>
+            <a:off x="633999" y="640080"/>
+            <a:ext cx="6275667" cy="5577840"/>
+          </a:xfrm>
+          <a:prstGeom prst="rect">
+            <a:avLst/>
+          </a:prstGeom>
+        </p:spPr>
+      </p:pic>
+      <p:sp>
+        <p:nvSpPr>
+          <p:cNvPr id="27" name="Rectangle 26">
+            <a:extLst>
+              <a:ext uri="{FF2B5EF4-FFF2-40B4-BE49-F238E27FC236}">
+                <a16:creationId xmlns:a16="http://schemas.microsoft.com/office/drawing/2014/main" id="{8E3B9B0E-204E-4BFD-B58A-E71D9CDC37F3}"/>
+              </a:ext>
+              <a:ext uri="{C183D7F6-B498-43B3-948B-1728B52AA6E4}">
+                <adec:decorative xmlns:adec="http://schemas.microsoft.com/office/drawing/2017/decorative" val="1"/>
+              </a:ext>
+            </a:extLst>
+          </p:cNvPr>
+          <p:cNvSpPr>
+            <a:spLocks noGrp="1" noRot="1" noChangeAspect="1" noMove="1" noResize="1" noEditPoints="1" noAdjustHandles="1" noChangeArrowheads="1" noChangeShapeType="1" noTextEdit="1"/>
+          </p:cNvSpPr>
+          <p:nvPr>
+            <p:extLst>
+              <p:ext uri="{386F3935-93C4-4BCD-93E2-E3B085C9AB24}">
+                <p16:designElem xmlns:p16="http://schemas.microsoft.com/office/powerpoint/2015/main" val="1"/>
+              </p:ext>
+            </p:extLst>
+          </p:nvPr>
+        </p:nvSpPr>
         <p:spPr bwMode="white">
           <a:xfrm>
-            <a:off x="-6220" y="0"/>
-            <a:ext cx="4641315" cy="6858000"/>
+            <a:off x="7543665" y="0"/>
+            <a:ext cx="4654555" cy="6858000"/>
           </a:xfrm>
           <a:prstGeom prst="rect">
             <a:avLst/>
@@ -12901,8 +15933,8 @@
         </p:nvSpPr>
         <p:spPr>
           <a:xfrm>
-            <a:off x="484814" y="640080"/>
-            <a:ext cx="3659246" cy="2850319"/>
+            <a:off x="8096885" y="640080"/>
+            <a:ext cx="3659246" cy="2886145"/>
           </a:xfrm>
         </p:spPr>
         <p:txBody>
@@ -12912,7 +15944,7 @@
           <a:lstStyle/>
           <a:p>
             <a:r>
-              <a:rPr lang="en-US" sz="5000">
+              <a:rPr lang="en-US" sz="4400">
                 <a:solidFill>
                   <a:srgbClr val="FFFFFF"/>
                 </a:solidFill>
@@ -12924,10 +15956,10 @@
       </p:sp>
       <p:cxnSp>
         <p:nvCxnSpPr>
-          <p:cNvPr id="16" name="Straight Connector 15">
-            <a:extLst>
-              <a:ext uri="{FF2B5EF4-FFF2-40B4-BE49-F238E27FC236}">
-                <a16:creationId xmlns:a16="http://schemas.microsoft.com/office/drawing/2014/main" id="{B9EB6DAA-2F0C-43D5-A577-15D5D2C4E3F5}"/>
+          <p:cNvPr id="29" name="Straight Connector 28">
+            <a:extLst>
+              <a:ext uri="{FF2B5EF4-FFF2-40B4-BE49-F238E27FC236}">
+                <a16:creationId xmlns:a16="http://schemas.microsoft.com/office/drawing/2014/main" id="{43F94007-F0C4-467F-8ED4-3E4844BFDA4B}"/>
               </a:ext>
               <a:ext uri="{C183D7F6-B498-43B3-948B-1728B52AA6E4}">
                 <adec:decorative xmlns:adec="http://schemas.microsoft.com/office/drawing/2017/decorative" val="1"/>
@@ -12947,7 +15979,7 @@
         </p:nvCxnSpPr>
         <p:spPr>
           <a:xfrm>
-            <a:off x="622797" y="3651268"/>
+            <a:off x="8185922" y="3687092"/>
             <a:ext cx="3383280" cy="0"/>
           </a:xfrm>
           <a:prstGeom prst="line">
@@ -12974,43 +16006,143 @@
           </a:fontRef>
         </p:style>
       </p:cxnSp>
-      <p:pic>
-        <p:nvPicPr>
-          <p:cNvPr id="5" name="Content Placeholder 4" descr="Diagram&#10;&#10;Description automatically generated">
-            <a:extLst>
-              <a:ext uri="{FF2B5EF4-FFF2-40B4-BE49-F238E27FC236}">
-                <a16:creationId xmlns:a16="http://schemas.microsoft.com/office/drawing/2014/main" id="{A3E62470-CFA5-40BA-BC3D-BC1D4661131F}"/>
-              </a:ext>
-            </a:extLst>
-          </p:cNvPr>
-          <p:cNvPicPr>
-            <a:picLocks noGrp="1" noChangeAspect="1"/>
-          </p:cNvPicPr>
-          <p:nvPr>
-            <p:ph idx="1"/>
-          </p:nvPr>
-        </p:nvPicPr>
-        <p:blipFill rotWithShape="1">
-          <a:blip r:embed="rId2">
-            <a:extLst>
-              <a:ext uri="{28A0092B-C50C-407E-A947-70E740481C1C}">
-                <a14:useLocalDpi xmlns:a14="http://schemas.microsoft.com/office/drawing/2010/main" val="0"/>
-              </a:ext>
-            </a:extLst>
-          </a:blip>
-          <a:srcRect l="5492" r="4704" b="1"/>
-          <a:stretch/>
-        </p:blipFill>
+      <p:sp>
+        <p:nvSpPr>
+          <p:cNvPr id="4" name="Footer Placeholder 3">
+            <a:extLst>
+              <a:ext uri="{FF2B5EF4-FFF2-40B4-BE49-F238E27FC236}">
+                <a16:creationId xmlns:a16="http://schemas.microsoft.com/office/drawing/2014/main" id="{4CC7445A-7FD6-49B6-B32F-A4EFE18583A4}"/>
+              </a:ext>
+            </a:extLst>
+          </p:cNvPr>
+          <p:cNvSpPr>
+            <a:spLocks noGrp="1"/>
+          </p:cNvSpPr>
+          <p:nvPr>
+            <p:ph type="ftr" sz="quarter" idx="11"/>
+          </p:nvPr>
+        </p:nvSpPr>
         <p:spPr>
           <a:xfrm>
-            <a:off x="4635095" y="10"/>
-            <a:ext cx="7556889" cy="6857990"/>
+            <a:off x="1097279" y="6446838"/>
+            <a:ext cx="5852160" cy="365125"/>
           </a:xfrm>
-          <a:prstGeom prst="rect">
-            <a:avLst/>
-          </a:prstGeom>
         </p:spPr>
-      </p:pic>
+        <p:txBody>
+          <a:bodyPr vert="horz" lIns="91440" tIns="45720" rIns="91440" bIns="45720" rtlCol="0" anchor="ctr">
+            <a:normAutofit/>
+          </a:bodyPr>
+          <a:lstStyle/>
+          <a:p>
+            <a:pPr>
+              <a:spcAft>
+                <a:spcPts val="600"/>
+              </a:spcAft>
+            </a:pPr>
+            <a:r>
+              <a:rPr lang="en-US" sz="900" kern="1200" cap="all" baseline="0">
+                <a:solidFill>
+                  <a:schemeClr val="tx1">
+                    <a:lumMod val="85000"/>
+                    <a:lumOff val="15000"/>
+                  </a:schemeClr>
+                </a:solidFill>
+                <a:latin typeface="+mn-lt"/>
+                <a:ea typeface="+mn-ea"/>
+                <a:cs typeface="+mn-cs"/>
+              </a:rPr>
+              <a:t>Nauman Siddique, ODU CS </a:t>
+            </a:r>
+          </a:p>
+        </p:txBody>
+      </p:sp>
+      <p:sp>
+        <p:nvSpPr>
+          <p:cNvPr id="3" name="Date Placeholder 2">
+            <a:extLst>
+              <a:ext uri="{FF2B5EF4-FFF2-40B4-BE49-F238E27FC236}">
+                <a16:creationId xmlns:a16="http://schemas.microsoft.com/office/drawing/2014/main" id="{8AF40CAC-6590-4768-95A3-945C60A7E013}"/>
+              </a:ext>
+            </a:extLst>
+          </p:cNvPr>
+          <p:cNvSpPr>
+            <a:spLocks noGrp="1"/>
+          </p:cNvSpPr>
+          <p:nvPr>
+            <p:ph type="dt" sz="half" idx="10"/>
+          </p:nvPr>
+        </p:nvSpPr>
+        <p:spPr>
+          <a:xfrm>
+            <a:off x="8096885" y="6459785"/>
+            <a:ext cx="2787425" cy="365125"/>
+          </a:xfrm>
+        </p:spPr>
+        <p:txBody>
+          <a:bodyPr vert="horz" lIns="91440" tIns="45720" rIns="91440" bIns="45720" rtlCol="0" anchor="ctr">
+            <a:normAutofit/>
+          </a:bodyPr>
+          <a:lstStyle/>
+          <a:p>
+            <a:pPr>
+              <a:spcAft>
+                <a:spcPts val="600"/>
+              </a:spcAft>
+            </a:pPr>
+            <a:fld id="{27B9563C-2EA0-4886-BEA6-DF7F533FC41C}" type="datetime4">
+              <a:rPr lang="en-US" sz="900" smtClean="0"/>
+              <a:t>March 12, 2021</a:t>
+            </a:fld>
+            <a:endParaRPr lang="en-US" sz="900"/>
+          </a:p>
+        </p:txBody>
+      </p:sp>
+      <p:sp>
+        <p:nvSpPr>
+          <p:cNvPr id="6" name="Slide Number Placeholder 5">
+            <a:extLst>
+              <a:ext uri="{FF2B5EF4-FFF2-40B4-BE49-F238E27FC236}">
+                <a16:creationId xmlns:a16="http://schemas.microsoft.com/office/drawing/2014/main" id="{DBF9293B-BD1E-496C-AF8F-E207AF47367F}"/>
+              </a:ext>
+            </a:extLst>
+          </p:cNvPr>
+          <p:cNvSpPr>
+            <a:spLocks noGrp="1"/>
+          </p:cNvSpPr>
+          <p:nvPr>
+            <p:ph type="sldNum" sz="quarter" idx="12"/>
+          </p:nvPr>
+        </p:nvSpPr>
+        <p:spPr>
+          <a:xfrm>
+            <a:off x="11030574" y="6459785"/>
+            <a:ext cx="725557" cy="365125"/>
+          </a:xfrm>
+        </p:spPr>
+        <p:txBody>
+          <a:bodyPr vert="horz" lIns="91440" tIns="45720" rIns="91440" bIns="45720" rtlCol="0" anchor="ctr">
+            <a:normAutofit/>
+          </a:bodyPr>
+          <a:lstStyle/>
+          <a:p>
+            <a:pPr>
+              <a:spcAft>
+                <a:spcPts val="600"/>
+              </a:spcAft>
+            </a:pPr>
+            <a:fld id="{3A98EE3D-8CD1-4C3F-BD1C-C98C9596463C}" type="slidenum">
+              <a:rPr lang="en-US" sz="1050" smtClean="0"/>
+              <a:pPr>
+                <a:spcAft>
+                  <a:spcPts val="600"/>
+                </a:spcAft>
+              </a:pPr>
+              <a:t>7</a:t>
+            </a:fld>
+            <a:endParaRPr lang="en-US" sz="1050"/>
+          </a:p>
+        </p:txBody>
+      </p:sp>
     </p:spTree>
     <p:extLst>
       <p:ext uri="{BB962C8B-B14F-4D97-AF65-F5344CB8AC3E}">
@@ -13019,7 +16151,7 @@
     </p:extLst>
   </p:cSld>
   <p:clrMapOvr>
-    <a:overrideClrMapping bg1="dk1" tx1="lt1" bg2="dk2" tx2="lt2" accent1="accent1" accent2="accent2" accent3="accent3" accent4="accent4" accent5="accent5" accent6="accent6" hlink="hlink" folHlink="folHlink"/>
+    <a:masterClrMapping/>
   </p:clrMapOvr>
 </p:sld>
 </file>
@@ -13140,6 +16272,93 @@
               <a:rPr lang="en-US" dirty="0"/>
               <a:t>more than 90% of the image must be the fish tank to reduce the surrounding noise for better results</a:t>
             </a:r>
+          </a:p>
+        </p:txBody>
+      </p:sp>
+      <p:sp>
+        <p:nvSpPr>
+          <p:cNvPr id="4" name="Date Placeholder 3">
+            <a:extLst>
+              <a:ext uri="{FF2B5EF4-FFF2-40B4-BE49-F238E27FC236}">
+                <a16:creationId xmlns:a16="http://schemas.microsoft.com/office/drawing/2014/main" id="{A5FBD5A9-31D1-4AD6-B745-B8E8EE06FAD2}"/>
+              </a:ext>
+            </a:extLst>
+          </p:cNvPr>
+          <p:cNvSpPr>
+            <a:spLocks noGrp="1"/>
+          </p:cNvSpPr>
+          <p:nvPr>
+            <p:ph type="dt" sz="half" idx="10"/>
+          </p:nvPr>
+        </p:nvSpPr>
+        <p:spPr/>
+        <p:txBody>
+          <a:bodyPr/>
+          <a:lstStyle/>
+          <a:p>
+            <a:fld id="{9B86E58A-2B9A-4545-9844-6060FF3A3285}" type="datetime4">
+              <a:rPr lang="en-US" smtClean="0"/>
+              <a:t>March 12, 2021</a:t>
+            </a:fld>
+            <a:endParaRPr lang="en-US" dirty="0"/>
+          </a:p>
+        </p:txBody>
+      </p:sp>
+      <p:sp>
+        <p:nvSpPr>
+          <p:cNvPr id="5" name="Footer Placeholder 4">
+            <a:extLst>
+              <a:ext uri="{FF2B5EF4-FFF2-40B4-BE49-F238E27FC236}">
+                <a16:creationId xmlns:a16="http://schemas.microsoft.com/office/drawing/2014/main" id="{D817B909-CFE9-4A9C-AEFC-2104FBD1F480}"/>
+              </a:ext>
+            </a:extLst>
+          </p:cNvPr>
+          <p:cNvSpPr>
+            <a:spLocks noGrp="1"/>
+          </p:cNvSpPr>
+          <p:nvPr>
+            <p:ph type="ftr" sz="quarter" idx="11"/>
+          </p:nvPr>
+        </p:nvSpPr>
+        <p:spPr/>
+        <p:txBody>
+          <a:bodyPr/>
+          <a:lstStyle/>
+          <a:p>
+            <a:r>
+              <a:rPr lang="en-US"/>
+              <a:t>Nauman Siddique, ODU CS </a:t>
+            </a:r>
+            <a:endParaRPr lang="en-US" dirty="0"/>
+          </a:p>
+        </p:txBody>
+      </p:sp>
+      <p:sp>
+        <p:nvSpPr>
+          <p:cNvPr id="6" name="Slide Number Placeholder 5">
+            <a:extLst>
+              <a:ext uri="{FF2B5EF4-FFF2-40B4-BE49-F238E27FC236}">
+                <a16:creationId xmlns:a16="http://schemas.microsoft.com/office/drawing/2014/main" id="{BDEABF2F-09C6-4BBD-B92D-9DA648191FCE}"/>
+              </a:ext>
+            </a:extLst>
+          </p:cNvPr>
+          <p:cNvSpPr>
+            <a:spLocks noGrp="1"/>
+          </p:cNvSpPr>
+          <p:nvPr>
+            <p:ph type="sldNum" sz="quarter" idx="12"/>
+          </p:nvPr>
+        </p:nvSpPr>
+        <p:spPr/>
+        <p:txBody>
+          <a:bodyPr/>
+          <a:lstStyle/>
+          <a:p>
+            <a:fld id="{3A98EE3D-8CD1-4C3F-BD1C-C98C9596463C}" type="slidenum">
+              <a:rPr lang="en-US" smtClean="0"/>
+              <a:t>8</a:t>
+            </a:fld>
+            <a:endParaRPr lang="en-US" dirty="0"/>
           </a:p>
         </p:txBody>
       </p:sp>
@@ -13579,6 +16798,93 @@
             </a:endParaRPr>
           </a:p>
           <a:p>
+            <a:endParaRPr lang="en-US" dirty="0"/>
+          </a:p>
+        </p:txBody>
+      </p:sp>
+      <p:sp>
+        <p:nvSpPr>
+          <p:cNvPr id="4" name="Date Placeholder 3">
+            <a:extLst>
+              <a:ext uri="{FF2B5EF4-FFF2-40B4-BE49-F238E27FC236}">
+                <a16:creationId xmlns:a16="http://schemas.microsoft.com/office/drawing/2014/main" id="{C4732E04-FC1F-4D55-9FB6-33D056878411}"/>
+              </a:ext>
+            </a:extLst>
+          </p:cNvPr>
+          <p:cNvSpPr>
+            <a:spLocks noGrp="1"/>
+          </p:cNvSpPr>
+          <p:nvPr>
+            <p:ph type="dt" sz="half" idx="10"/>
+          </p:nvPr>
+        </p:nvSpPr>
+        <p:spPr/>
+        <p:txBody>
+          <a:bodyPr/>
+          <a:lstStyle/>
+          <a:p>
+            <a:fld id="{16F1F580-F2F9-454C-B537-335B7EB57522}" type="datetime4">
+              <a:rPr lang="en-US" smtClean="0"/>
+              <a:t>March 12, 2021</a:t>
+            </a:fld>
+            <a:endParaRPr lang="en-US" dirty="0"/>
+          </a:p>
+        </p:txBody>
+      </p:sp>
+      <p:sp>
+        <p:nvSpPr>
+          <p:cNvPr id="5" name="Footer Placeholder 4">
+            <a:extLst>
+              <a:ext uri="{FF2B5EF4-FFF2-40B4-BE49-F238E27FC236}">
+                <a16:creationId xmlns:a16="http://schemas.microsoft.com/office/drawing/2014/main" id="{03FC9902-61F0-4021-A9AD-4A99ED62CC62}"/>
+              </a:ext>
+            </a:extLst>
+          </p:cNvPr>
+          <p:cNvSpPr>
+            <a:spLocks noGrp="1"/>
+          </p:cNvSpPr>
+          <p:nvPr>
+            <p:ph type="ftr" sz="quarter" idx="11"/>
+          </p:nvPr>
+        </p:nvSpPr>
+        <p:spPr/>
+        <p:txBody>
+          <a:bodyPr/>
+          <a:lstStyle/>
+          <a:p>
+            <a:r>
+              <a:rPr lang="en-US"/>
+              <a:t>Nauman Siddique, ODU CS </a:t>
+            </a:r>
+            <a:endParaRPr lang="en-US" dirty="0"/>
+          </a:p>
+        </p:txBody>
+      </p:sp>
+      <p:sp>
+        <p:nvSpPr>
+          <p:cNvPr id="6" name="Slide Number Placeholder 5">
+            <a:extLst>
+              <a:ext uri="{FF2B5EF4-FFF2-40B4-BE49-F238E27FC236}">
+                <a16:creationId xmlns:a16="http://schemas.microsoft.com/office/drawing/2014/main" id="{F022CCA5-BD34-480E-AB7C-F6E121FEECA6}"/>
+              </a:ext>
+            </a:extLst>
+          </p:cNvPr>
+          <p:cNvSpPr>
+            <a:spLocks noGrp="1"/>
+          </p:cNvSpPr>
+          <p:nvPr>
+            <p:ph type="sldNum" sz="quarter" idx="12"/>
+          </p:nvPr>
+        </p:nvSpPr>
+        <p:spPr/>
+        <p:txBody>
+          <a:bodyPr/>
+          <a:lstStyle/>
+          <a:p>
+            <a:fld id="{3A98EE3D-8CD1-4C3F-BD1C-C98C9596463C}" type="slidenum">
+              <a:rPr lang="en-US" smtClean="0"/>
+              <a:t>9</a:t>
+            </a:fld>
             <a:endParaRPr lang="en-US" dirty="0"/>
           </a:p>
         </p:txBody>
@@ -13877,4 +17183,299 @@
     </a:ext>
   </a:extLst>
 </a:theme>
+</file>
+
+<file path=ppt/theme/theme2.xml><?xml version="1.0" encoding="utf-8"?>
+<a:theme xmlns:a="http://schemas.openxmlformats.org/drawingml/2006/main" name="Office Theme">
+  <a:themeElements>
+    <a:clrScheme name="Office">
+      <a:dk1>
+        <a:sysClr val="windowText" lastClr="000000"/>
+      </a:dk1>
+      <a:lt1>
+        <a:sysClr val="window" lastClr="FFFFFF"/>
+      </a:lt1>
+      <a:dk2>
+        <a:srgbClr val="44546A"/>
+      </a:dk2>
+      <a:lt2>
+        <a:srgbClr val="E7E6E6"/>
+      </a:lt2>
+      <a:accent1>
+        <a:srgbClr val="4472C4"/>
+      </a:accent1>
+      <a:accent2>
+        <a:srgbClr val="ED7D31"/>
+      </a:accent2>
+      <a:accent3>
+        <a:srgbClr val="A5A5A5"/>
+      </a:accent3>
+      <a:accent4>
+        <a:srgbClr val="FFC000"/>
+      </a:accent4>
+      <a:accent5>
+        <a:srgbClr val="5B9BD5"/>
+      </a:accent5>
+      <a:accent6>
+        <a:srgbClr val="70AD47"/>
+      </a:accent6>
+      <a:hlink>
+        <a:srgbClr val="0563C1"/>
+      </a:hlink>
+      <a:folHlink>
+        <a:srgbClr val="954F72"/>
+      </a:folHlink>
+    </a:clrScheme>
+    <a:fontScheme name="Office">
+      <a:majorFont>
+        <a:latin typeface="Calibri Light" panose="020F0302020204030204"/>
+        <a:ea typeface=""/>
+        <a:cs typeface=""/>
+        <a:font script="Jpan" typeface="游ゴシック Light"/>
+        <a:font script="Hang" typeface="맑은 고딕"/>
+        <a:font script="Hans" typeface="等线 Light"/>
+        <a:font script="Hant" typeface="新細明體"/>
+        <a:font script="Arab" typeface="Times New Roman"/>
+        <a:font script="Hebr" typeface="Times New Roman"/>
+        <a:font script="Thai" typeface="Angsana New"/>
+        <a:font script="Ethi" typeface="Nyala"/>
+        <a:font script="Beng" typeface="Vrinda"/>
+        <a:font script="Gujr" typeface="Shruti"/>
+        <a:font script="Khmr" typeface="MoolBoran"/>
+        <a:font script="Knda" typeface="Tunga"/>
+        <a:font script="Guru" typeface="Raavi"/>
+        <a:font script="Cans" typeface="Euphemia"/>
+        <a:font script="Cher" typeface="Plantagenet Cherokee"/>
+        <a:font script="Yiii" typeface="Microsoft Yi Baiti"/>
+        <a:font script="Tibt" typeface="Microsoft Himalaya"/>
+        <a:font script="Thaa" typeface="MV Boli"/>
+        <a:font script="Deva" typeface="Mangal"/>
+        <a:font script="Telu" typeface="Gautami"/>
+        <a:font script="Taml" typeface="Latha"/>
+        <a:font script="Syrc" typeface="Estrangelo Edessa"/>
+        <a:font script="Orya" typeface="Kalinga"/>
+        <a:font script="Mlym" typeface="Kartika"/>
+        <a:font script="Laoo" typeface="DokChampa"/>
+        <a:font script="Sinh" typeface="Iskoola Pota"/>
+        <a:font script="Mong" typeface="Mongolian Baiti"/>
+        <a:font script="Viet" typeface="Times New Roman"/>
+        <a:font script="Uigh" typeface="Microsoft Uighur"/>
+        <a:font script="Geor" typeface="Sylfaen"/>
+        <a:font script="Armn" typeface="Arial"/>
+        <a:font script="Bugi" typeface="Leelawadee UI"/>
+        <a:font script="Bopo" typeface="Microsoft JhengHei"/>
+        <a:font script="Java" typeface="Javanese Text"/>
+        <a:font script="Lisu" typeface="Segoe UI"/>
+        <a:font script="Mymr" typeface="Myanmar Text"/>
+        <a:font script="Nkoo" typeface="Ebrima"/>
+        <a:font script="Olck" typeface="Nirmala UI"/>
+        <a:font script="Osma" typeface="Ebrima"/>
+        <a:font script="Phag" typeface="Phagspa"/>
+        <a:font script="Syrn" typeface="Estrangelo Edessa"/>
+        <a:font script="Syrj" typeface="Estrangelo Edessa"/>
+        <a:font script="Syre" typeface="Estrangelo Edessa"/>
+        <a:font script="Sora" typeface="Nirmala UI"/>
+        <a:font script="Tale" typeface="Microsoft Tai Le"/>
+        <a:font script="Talu" typeface="Microsoft New Tai Lue"/>
+        <a:font script="Tfng" typeface="Ebrima"/>
+      </a:majorFont>
+      <a:minorFont>
+        <a:latin typeface="Calibri" panose="020F0502020204030204"/>
+        <a:ea typeface=""/>
+        <a:cs typeface=""/>
+        <a:font script="Jpan" typeface="游ゴシック"/>
+        <a:font script="Hang" typeface="맑은 고딕"/>
+        <a:font script="Hans" typeface="等线"/>
+        <a:font script="Hant" typeface="新細明體"/>
+        <a:font script="Arab" typeface="Arial"/>
+        <a:font script="Hebr" typeface="Arial"/>
+        <a:font script="Thai" typeface="Cordia New"/>
+        <a:font script="Ethi" typeface="Nyala"/>
+        <a:font script="Beng" typeface="Vrinda"/>
+        <a:font script="Gujr" typeface="Shruti"/>
+        <a:font script="Khmr" typeface="DaunPenh"/>
+        <a:font script="Knda" typeface="Tunga"/>
+        <a:font script="Guru" typeface="Raavi"/>
+        <a:font script="Cans" typeface="Euphemia"/>
+        <a:font script="Cher" typeface="Plantagenet Cherokee"/>
+        <a:font script="Yiii" typeface="Microsoft Yi Baiti"/>
+        <a:font script="Tibt" typeface="Microsoft Himalaya"/>
+        <a:font script="Thaa" typeface="MV Boli"/>
+        <a:font script="Deva" typeface="Mangal"/>
+        <a:font script="Telu" typeface="Gautami"/>
+        <a:font script="Taml" typeface="Latha"/>
+        <a:font script="Syrc" typeface="Estrangelo Edessa"/>
+        <a:font script="Orya" typeface="Kalinga"/>
+        <a:font script="Mlym" typeface="Kartika"/>
+        <a:font script="Laoo" typeface="DokChampa"/>
+        <a:font script="Sinh" typeface="Iskoola Pota"/>
+        <a:font script="Mong" typeface="Mongolian Baiti"/>
+        <a:font script="Viet" typeface="Arial"/>
+        <a:font script="Uigh" typeface="Microsoft Uighur"/>
+        <a:font script="Geor" typeface="Sylfaen"/>
+        <a:font script="Armn" typeface="Arial"/>
+        <a:font script="Bugi" typeface="Leelawadee UI"/>
+        <a:font script="Bopo" typeface="Microsoft JhengHei"/>
+        <a:font script="Java" typeface="Javanese Text"/>
+        <a:font script="Lisu" typeface="Segoe UI"/>
+        <a:font script="Mymr" typeface="Myanmar Text"/>
+        <a:font script="Nkoo" typeface="Ebrima"/>
+        <a:font script="Olck" typeface="Nirmala UI"/>
+        <a:font script="Osma" typeface="Ebrima"/>
+        <a:font script="Phag" typeface="Phagspa"/>
+        <a:font script="Syrn" typeface="Estrangelo Edessa"/>
+        <a:font script="Syrj" typeface="Estrangelo Edessa"/>
+        <a:font script="Syre" typeface="Estrangelo Edessa"/>
+        <a:font script="Sora" typeface="Nirmala UI"/>
+        <a:font script="Tale" typeface="Microsoft Tai Le"/>
+        <a:font script="Talu" typeface="Microsoft New Tai Lue"/>
+        <a:font script="Tfng" typeface="Ebrima"/>
+      </a:minorFont>
+    </a:fontScheme>
+    <a:fmtScheme name="Office">
+      <a:fillStyleLst>
+        <a:solidFill>
+          <a:schemeClr val="phClr"/>
+        </a:solidFill>
+        <a:gradFill rotWithShape="1">
+          <a:gsLst>
+            <a:gs pos="0">
+              <a:schemeClr val="phClr">
+                <a:lumMod val="110000"/>
+                <a:satMod val="105000"/>
+                <a:tint val="67000"/>
+              </a:schemeClr>
+            </a:gs>
+            <a:gs pos="50000">
+              <a:schemeClr val="phClr">
+                <a:lumMod val="105000"/>
+                <a:satMod val="103000"/>
+                <a:tint val="73000"/>
+              </a:schemeClr>
+            </a:gs>
+            <a:gs pos="100000">
+              <a:schemeClr val="phClr">
+                <a:lumMod val="105000"/>
+                <a:satMod val="109000"/>
+                <a:tint val="81000"/>
+              </a:schemeClr>
+            </a:gs>
+          </a:gsLst>
+          <a:lin ang="5400000" scaled="0"/>
+        </a:gradFill>
+        <a:gradFill rotWithShape="1">
+          <a:gsLst>
+            <a:gs pos="0">
+              <a:schemeClr val="phClr">
+                <a:satMod val="103000"/>
+                <a:lumMod val="102000"/>
+                <a:tint val="94000"/>
+              </a:schemeClr>
+            </a:gs>
+            <a:gs pos="50000">
+              <a:schemeClr val="phClr">
+                <a:satMod val="110000"/>
+                <a:lumMod val="100000"/>
+                <a:shade val="100000"/>
+              </a:schemeClr>
+            </a:gs>
+            <a:gs pos="100000">
+              <a:schemeClr val="phClr">
+                <a:lumMod val="99000"/>
+                <a:satMod val="120000"/>
+                <a:shade val="78000"/>
+              </a:schemeClr>
+            </a:gs>
+          </a:gsLst>
+          <a:lin ang="5400000" scaled="0"/>
+        </a:gradFill>
+      </a:fillStyleLst>
+      <a:lnStyleLst>
+        <a:ln w="6350" cap="flat" cmpd="sng" algn="ctr">
+          <a:solidFill>
+            <a:schemeClr val="phClr"/>
+          </a:solidFill>
+          <a:prstDash val="solid"/>
+          <a:miter lim="800000"/>
+        </a:ln>
+        <a:ln w="12700" cap="flat" cmpd="sng" algn="ctr">
+          <a:solidFill>
+            <a:schemeClr val="phClr"/>
+          </a:solidFill>
+          <a:prstDash val="solid"/>
+          <a:miter lim="800000"/>
+        </a:ln>
+        <a:ln w="19050" cap="flat" cmpd="sng" algn="ctr">
+          <a:solidFill>
+            <a:schemeClr val="phClr"/>
+          </a:solidFill>
+          <a:prstDash val="solid"/>
+          <a:miter lim="800000"/>
+        </a:ln>
+      </a:lnStyleLst>
+      <a:effectStyleLst>
+        <a:effectStyle>
+          <a:effectLst/>
+        </a:effectStyle>
+        <a:effectStyle>
+          <a:effectLst/>
+        </a:effectStyle>
+        <a:effectStyle>
+          <a:effectLst>
+            <a:outerShdw blurRad="57150" dist="19050" dir="5400000" algn="ctr" rotWithShape="0">
+              <a:srgbClr val="000000">
+                <a:alpha val="63000"/>
+              </a:srgbClr>
+            </a:outerShdw>
+          </a:effectLst>
+        </a:effectStyle>
+      </a:effectStyleLst>
+      <a:bgFillStyleLst>
+        <a:solidFill>
+          <a:schemeClr val="phClr"/>
+        </a:solidFill>
+        <a:solidFill>
+          <a:schemeClr val="phClr">
+            <a:tint val="95000"/>
+            <a:satMod val="170000"/>
+          </a:schemeClr>
+        </a:solidFill>
+        <a:gradFill rotWithShape="1">
+          <a:gsLst>
+            <a:gs pos="0">
+              <a:schemeClr val="phClr">
+                <a:tint val="93000"/>
+                <a:satMod val="150000"/>
+                <a:shade val="98000"/>
+                <a:lumMod val="102000"/>
+              </a:schemeClr>
+            </a:gs>
+            <a:gs pos="50000">
+              <a:schemeClr val="phClr">
+                <a:tint val="98000"/>
+                <a:satMod val="130000"/>
+                <a:shade val="90000"/>
+                <a:lumMod val="103000"/>
+              </a:schemeClr>
+            </a:gs>
+            <a:gs pos="100000">
+              <a:schemeClr val="phClr">
+                <a:shade val="63000"/>
+                <a:satMod val="120000"/>
+              </a:schemeClr>
+            </a:gs>
+          </a:gsLst>
+          <a:lin ang="5400000" scaled="0"/>
+        </a:gradFill>
+      </a:bgFillStyleLst>
+    </a:fmtScheme>
+  </a:themeElements>
+  <a:objectDefaults/>
+  <a:extraClrSchemeLst/>
+  <a:extLst>
+    <a:ext uri="{05A4C25C-085E-4340-85A3-A5531E510DB2}">
+      <thm15:themeFamily xmlns:thm15="http://schemas.microsoft.com/office/thememl/2012/main" name="Office Theme" id="{62F939B6-93AF-4DB8-9C6B-D6C7DFDC589F}" vid="{4A3C46E8-61CC-4603-A589-7422A47A8E4A}"/>
+    </a:ext>
+  </a:extLst>
+</a:theme>
 </file>
--- a/floodDetection/report/Flood Detection using Raspberry Pi.pptx
+++ b/floodDetection/report/Flood Detection using Raspberry Pi.pptx
@@ -15538,7 +15538,15 @@
             </a:pPr>
             <a:r>
               <a:rPr lang="en-US" dirty="0"/>
-              <a:t>We captured 21 training images using Option 1.</a:t>
+              <a:t>We captured 21 training images using </a:t>
+            </a:r>
+            <a:r>
+              <a:rPr lang="en-US" b="1" dirty="0"/>
+              <a:t>Option 1</a:t>
+            </a:r>
+            <a:r>
+              <a:rPr lang="en-US" dirty="0"/>
+              <a:t> of the program.</a:t>
             </a:r>
           </a:p>
           <a:p>
@@ -17040,7 +17048,7 @@
             </a:pPr>
             <a:r>
               <a:rPr lang="en-US" dirty="0"/>
-              <a:t>The greyscale threshold values covert all the color pixels to 255 and all the white pixel to 0.</a:t>
+              <a:t>The greyscale threshold values convert all the color pixels to 255 and all the white pixel to 0.</a:t>
             </a:r>
           </a:p>
           <a:p>
